--- a/Dissertation/Presentation1.pptx
+++ b/Dissertation/Presentation1.pptx
@@ -11,6 +11,7 @@
     <p:sldId id="258" r:id="rId5"/>
     <p:sldId id="259" r:id="rId6"/>
     <p:sldId id="261" r:id="rId7"/>
+    <p:sldId id="262" r:id="rId8"/>
   </p:sldIdLst>
   <p:sldSz cx="9144000" cy="6858000" type="screen4x3"/>
   <p:notesSz cx="6858000" cy="9144000"/>
@@ -293,7 +294,7 @@
           <a:p>
             <a:fld id="{6D657F06-4D96-43BC-A84C-9C90B530D5F7}" type="datetimeFigureOut">
               <a:rPr lang="en-US" smtClean="0"/>
-              <a:t>12/8/2010</a:t>
+              <a:t>12/14/2010</a:t>
             </a:fld>
             <a:endParaRPr lang="en-US"/>
           </a:p>
@@ -463,7 +464,7 @@
           <a:p>
             <a:fld id="{6D657F06-4D96-43BC-A84C-9C90B530D5F7}" type="datetimeFigureOut">
               <a:rPr lang="en-US" smtClean="0"/>
-              <a:t>12/8/2010</a:t>
+              <a:t>12/14/2010</a:t>
             </a:fld>
             <a:endParaRPr lang="en-US"/>
           </a:p>
@@ -643,7 +644,7 @@
           <a:p>
             <a:fld id="{6D657F06-4D96-43BC-A84C-9C90B530D5F7}" type="datetimeFigureOut">
               <a:rPr lang="en-US" smtClean="0"/>
-              <a:t>12/8/2010</a:t>
+              <a:t>12/14/2010</a:t>
             </a:fld>
             <a:endParaRPr lang="en-US"/>
           </a:p>
@@ -813,7 +814,7 @@
           <a:p>
             <a:fld id="{6D657F06-4D96-43BC-A84C-9C90B530D5F7}" type="datetimeFigureOut">
               <a:rPr lang="en-US" smtClean="0"/>
-              <a:t>12/8/2010</a:t>
+              <a:t>12/14/2010</a:t>
             </a:fld>
             <a:endParaRPr lang="en-US"/>
           </a:p>
@@ -1059,7 +1060,7 @@
           <a:p>
             <a:fld id="{6D657F06-4D96-43BC-A84C-9C90B530D5F7}" type="datetimeFigureOut">
               <a:rPr lang="en-US" smtClean="0"/>
-              <a:t>12/8/2010</a:t>
+              <a:t>12/14/2010</a:t>
             </a:fld>
             <a:endParaRPr lang="en-US"/>
           </a:p>
@@ -1347,7 +1348,7 @@
           <a:p>
             <a:fld id="{6D657F06-4D96-43BC-A84C-9C90B530D5F7}" type="datetimeFigureOut">
               <a:rPr lang="en-US" smtClean="0"/>
-              <a:t>12/8/2010</a:t>
+              <a:t>12/14/2010</a:t>
             </a:fld>
             <a:endParaRPr lang="en-US"/>
           </a:p>
@@ -1769,7 +1770,7 @@
           <a:p>
             <a:fld id="{6D657F06-4D96-43BC-A84C-9C90B530D5F7}" type="datetimeFigureOut">
               <a:rPr lang="en-US" smtClean="0"/>
-              <a:t>12/8/2010</a:t>
+              <a:t>12/14/2010</a:t>
             </a:fld>
             <a:endParaRPr lang="en-US"/>
           </a:p>
@@ -1887,7 +1888,7 @@
           <a:p>
             <a:fld id="{6D657F06-4D96-43BC-A84C-9C90B530D5F7}" type="datetimeFigureOut">
               <a:rPr lang="en-US" smtClean="0"/>
-              <a:t>12/8/2010</a:t>
+              <a:t>12/14/2010</a:t>
             </a:fld>
             <a:endParaRPr lang="en-US"/>
           </a:p>
@@ -1982,7 +1983,7 @@
           <a:p>
             <a:fld id="{6D657F06-4D96-43BC-A84C-9C90B530D5F7}" type="datetimeFigureOut">
               <a:rPr lang="en-US" smtClean="0"/>
-              <a:t>12/8/2010</a:t>
+              <a:t>12/14/2010</a:t>
             </a:fld>
             <a:endParaRPr lang="en-US"/>
           </a:p>
@@ -2259,7 +2260,7 @@
           <a:p>
             <a:fld id="{6D657F06-4D96-43BC-A84C-9C90B530D5F7}" type="datetimeFigureOut">
               <a:rPr lang="en-US" smtClean="0"/>
-              <a:t>12/8/2010</a:t>
+              <a:t>12/14/2010</a:t>
             </a:fld>
             <a:endParaRPr lang="en-US"/>
           </a:p>
@@ -2512,7 +2513,7 @@
           <a:p>
             <a:fld id="{6D657F06-4D96-43BC-A84C-9C90B530D5F7}" type="datetimeFigureOut">
               <a:rPr lang="en-US" smtClean="0"/>
-              <a:t>12/8/2010</a:t>
+              <a:t>12/14/2010</a:t>
             </a:fld>
             <a:endParaRPr lang="en-US"/>
           </a:p>
@@ -2725,7 +2726,7 @@
           <a:p>
             <a:fld id="{6D657F06-4D96-43BC-A84C-9C90B530D5F7}" type="datetimeFigureOut">
               <a:rPr lang="en-US" smtClean="0"/>
-              <a:t>12/8/2010</a:t>
+              <a:t>12/14/2010</a:t>
             </a:fld>
             <a:endParaRPr lang="en-US"/>
           </a:p>
@@ -24822,6 +24823,801 @@
 </p:sld>
 </file>
 
+<file path=ppt/slides/slide7.xml><?xml version="1.0" encoding="utf-8"?>
+<p:sld xmlns:a="http://schemas.openxmlformats.org/drawingml/2006/main" xmlns:r="http://schemas.openxmlformats.org/officeDocument/2006/relationships" xmlns:p="http://schemas.openxmlformats.org/presentationml/2006/main">
+  <p:cSld>
+    <p:spTree>
+      <p:nvGrpSpPr>
+        <p:cNvPr id="1" name=""/>
+        <p:cNvGrpSpPr/>
+        <p:nvPr/>
+      </p:nvGrpSpPr>
+      <p:grpSpPr>
+        <a:xfrm>
+          <a:off x="0" y="0"/>
+          <a:ext cx="0" cy="0"/>
+          <a:chOff x="0" y="0"/>
+          <a:chExt cx="0" cy="0"/>
+        </a:xfrm>
+      </p:grpSpPr>
+      <p:cxnSp>
+        <p:nvCxnSpPr>
+          <p:cNvPr id="24" name="Straight Connector 23"/>
+          <p:cNvCxnSpPr/>
+          <p:nvPr/>
+        </p:nvCxnSpPr>
+        <p:spPr>
+          <a:xfrm>
+            <a:off x="2009775" y="1409700"/>
+            <a:ext cx="0" cy="3581400"/>
+          </a:xfrm>
+          <a:prstGeom prst="line">
+            <a:avLst/>
+          </a:prstGeom>
+          <a:ln w="22225">
+            <a:solidFill>
+              <a:schemeClr val="bg1">
+                <a:lumMod val="75000"/>
+              </a:schemeClr>
+            </a:solidFill>
+            <a:prstDash val="sysDash"/>
+          </a:ln>
+        </p:spPr>
+        <p:style>
+          <a:lnRef idx="1">
+            <a:schemeClr val="accent1"/>
+          </a:lnRef>
+          <a:fillRef idx="0">
+            <a:schemeClr val="accent1"/>
+          </a:fillRef>
+          <a:effectRef idx="0">
+            <a:schemeClr val="accent1"/>
+          </a:effectRef>
+          <a:fontRef idx="minor">
+            <a:schemeClr val="tx1"/>
+          </a:fontRef>
+        </p:style>
+      </p:cxnSp>
+      <p:sp>
+        <p:nvSpPr>
+          <p:cNvPr id="26" name="Rectangle 25"/>
+          <p:cNvSpPr/>
+          <p:nvPr/>
+        </p:nvSpPr>
+        <p:spPr>
+          <a:xfrm>
+            <a:off x="180975" y="1409700"/>
+            <a:ext cx="1800225" cy="3581400"/>
+          </a:xfrm>
+          <a:prstGeom prst="rect">
+            <a:avLst/>
+          </a:prstGeom>
+          <a:solidFill>
+            <a:schemeClr val="bg1">
+              <a:lumMod val="95000"/>
+            </a:schemeClr>
+          </a:solidFill>
+          <a:ln>
+            <a:noFill/>
+          </a:ln>
+        </p:spPr>
+        <p:style>
+          <a:lnRef idx="2">
+            <a:schemeClr val="accent1">
+              <a:shade val="50000"/>
+            </a:schemeClr>
+          </a:lnRef>
+          <a:fillRef idx="1">
+            <a:schemeClr val="accent1"/>
+          </a:fillRef>
+          <a:effectRef idx="0">
+            <a:schemeClr val="accent1"/>
+          </a:effectRef>
+          <a:fontRef idx="minor">
+            <a:schemeClr val="lt1"/>
+          </a:fontRef>
+        </p:style>
+        <p:txBody>
+          <a:bodyPr rtlCol="0" anchor="ctr"/>
+          <a:lstStyle/>
+          <a:p>
+            <a:pPr algn="ctr"/>
+            <a:endParaRPr lang="en-US"/>
+          </a:p>
+        </p:txBody>
+      </p:sp>
+      <p:sp>
+        <p:nvSpPr>
+          <p:cNvPr id="25" name="Rectangle 24"/>
+          <p:cNvSpPr/>
+          <p:nvPr/>
+        </p:nvSpPr>
+        <p:spPr>
+          <a:xfrm>
+            <a:off x="2028825" y="1409700"/>
+            <a:ext cx="6219825" cy="3581400"/>
+          </a:xfrm>
+          <a:prstGeom prst="rect">
+            <a:avLst/>
+          </a:prstGeom>
+          <a:solidFill>
+            <a:schemeClr val="bg1">
+              <a:lumMod val="85000"/>
+            </a:schemeClr>
+          </a:solidFill>
+          <a:ln>
+            <a:noFill/>
+          </a:ln>
+        </p:spPr>
+        <p:style>
+          <a:lnRef idx="2">
+            <a:schemeClr val="accent1">
+              <a:shade val="50000"/>
+            </a:schemeClr>
+          </a:lnRef>
+          <a:fillRef idx="1">
+            <a:schemeClr val="accent1"/>
+          </a:fillRef>
+          <a:effectRef idx="0">
+            <a:schemeClr val="accent1"/>
+          </a:effectRef>
+          <a:fontRef idx="minor">
+            <a:schemeClr val="lt1"/>
+          </a:fontRef>
+        </p:style>
+        <p:txBody>
+          <a:bodyPr rtlCol="0" anchor="ctr"/>
+          <a:lstStyle/>
+          <a:p>
+            <a:pPr algn="ctr"/>
+            <a:endParaRPr lang="en-US"/>
+          </a:p>
+        </p:txBody>
+      </p:sp>
+      <p:sp>
+        <p:nvSpPr>
+          <p:cNvPr id="4" name="Rounded Rectangle 3"/>
+          <p:cNvSpPr/>
+          <p:nvPr/>
+        </p:nvSpPr>
+        <p:spPr>
+          <a:xfrm>
+            <a:off x="533400" y="2324100"/>
+            <a:ext cx="1219200" cy="685800"/>
+          </a:xfrm>
+          <a:prstGeom prst="roundRect">
+            <a:avLst/>
+          </a:prstGeom>
+        </p:spPr>
+        <p:style>
+          <a:lnRef idx="1">
+            <a:schemeClr val="accent3"/>
+          </a:lnRef>
+          <a:fillRef idx="2">
+            <a:schemeClr val="accent3"/>
+          </a:fillRef>
+          <a:effectRef idx="1">
+            <a:schemeClr val="accent3"/>
+          </a:effectRef>
+          <a:fontRef idx="minor">
+            <a:schemeClr val="dk1"/>
+          </a:fontRef>
+        </p:style>
+        <p:txBody>
+          <a:bodyPr rtlCol="0" anchor="ctr"/>
+          <a:lstStyle/>
+          <a:p>
+            <a:pPr algn="ctr"/>
+            <a:r>
+              <a:rPr lang="en-US" dirty="0" smtClean="0">
+                <a:latin typeface="Times New Roman" pitchFamily="18" charset="0"/>
+                <a:cs typeface="Times New Roman" pitchFamily="18" charset="0"/>
+              </a:rPr>
+              <a:t>Biometric Data</a:t>
+            </a:r>
+            <a:endParaRPr lang="en-US" dirty="0">
+              <a:latin typeface="Times New Roman" pitchFamily="18" charset="0"/>
+              <a:cs typeface="Times New Roman" pitchFamily="18" charset="0"/>
+            </a:endParaRPr>
+          </a:p>
+        </p:txBody>
+      </p:sp>
+      <p:sp>
+        <p:nvSpPr>
+          <p:cNvPr id="5" name="Rounded Rectangle 4"/>
+          <p:cNvSpPr/>
+          <p:nvPr/>
+        </p:nvSpPr>
+        <p:spPr>
+          <a:xfrm>
+            <a:off x="2171700" y="2271713"/>
+            <a:ext cx="1752600" cy="790575"/>
+          </a:xfrm>
+          <a:prstGeom prst="roundRect">
+            <a:avLst/>
+          </a:prstGeom>
+        </p:spPr>
+        <p:style>
+          <a:lnRef idx="1">
+            <a:schemeClr val="accent6"/>
+          </a:lnRef>
+          <a:fillRef idx="2">
+            <a:schemeClr val="accent6"/>
+          </a:fillRef>
+          <a:effectRef idx="1">
+            <a:schemeClr val="accent6"/>
+          </a:effectRef>
+          <a:fontRef idx="minor">
+            <a:schemeClr val="dk1"/>
+          </a:fontRef>
+        </p:style>
+        <p:txBody>
+          <a:bodyPr rtlCol="0" anchor="ctr"/>
+          <a:lstStyle/>
+          <a:p>
+            <a:pPr algn="ctr"/>
+            <a:r>
+              <a:rPr lang="en-US" dirty="0" smtClean="0">
+                <a:latin typeface="Times New Roman" pitchFamily="18" charset="0"/>
+                <a:cs typeface="Times New Roman" pitchFamily="18" charset="0"/>
+              </a:rPr>
+              <a:t>Proprietary Transformation</a:t>
+            </a:r>
+            <a:endParaRPr lang="en-US" dirty="0">
+              <a:latin typeface="Times New Roman" pitchFamily="18" charset="0"/>
+              <a:cs typeface="Times New Roman" pitchFamily="18" charset="0"/>
+            </a:endParaRPr>
+          </a:p>
+        </p:txBody>
+      </p:sp>
+      <p:sp>
+        <p:nvSpPr>
+          <p:cNvPr id="6" name="Rounded Rectangle 5"/>
+          <p:cNvSpPr/>
+          <p:nvPr/>
+        </p:nvSpPr>
+        <p:spPr>
+          <a:xfrm>
+            <a:off x="2133600" y="4191000"/>
+            <a:ext cx="1828800" cy="533400"/>
+          </a:xfrm>
+          <a:prstGeom prst="roundRect">
+            <a:avLst/>
+          </a:prstGeom>
+        </p:spPr>
+        <p:style>
+          <a:lnRef idx="1">
+            <a:schemeClr val="accent1"/>
+          </a:lnRef>
+          <a:fillRef idx="2">
+            <a:schemeClr val="accent1"/>
+          </a:fillRef>
+          <a:effectRef idx="1">
+            <a:schemeClr val="accent1"/>
+          </a:effectRef>
+          <a:fontRef idx="minor">
+            <a:schemeClr val="dk1"/>
+          </a:fontRef>
+        </p:style>
+        <p:txBody>
+          <a:bodyPr rtlCol="0" anchor="ctr"/>
+          <a:lstStyle/>
+          <a:p>
+            <a:pPr algn="ctr"/>
+            <a:r>
+              <a:rPr lang="en-US" dirty="0" smtClean="0">
+                <a:latin typeface="Times New Roman" pitchFamily="18" charset="0"/>
+                <a:cs typeface="Times New Roman" pitchFamily="18" charset="0"/>
+              </a:rPr>
+              <a:t>Transformation Parameters</a:t>
+            </a:r>
+            <a:endParaRPr lang="en-US" dirty="0">
+              <a:latin typeface="Times New Roman" pitchFamily="18" charset="0"/>
+              <a:cs typeface="Times New Roman" pitchFamily="18" charset="0"/>
+            </a:endParaRPr>
+          </a:p>
+        </p:txBody>
+      </p:sp>
+      <p:sp>
+        <p:nvSpPr>
+          <p:cNvPr id="7" name="Oval 6"/>
+          <p:cNvSpPr/>
+          <p:nvPr/>
+        </p:nvSpPr>
+        <p:spPr>
+          <a:xfrm>
+            <a:off x="2471738" y="3357562"/>
+            <a:ext cx="1152525" cy="523875"/>
+          </a:xfrm>
+          <a:prstGeom prst="ellipse">
+            <a:avLst/>
+          </a:prstGeom>
+        </p:spPr>
+        <p:style>
+          <a:lnRef idx="1">
+            <a:schemeClr val="accent2"/>
+          </a:lnRef>
+          <a:fillRef idx="2">
+            <a:schemeClr val="accent2"/>
+          </a:fillRef>
+          <a:effectRef idx="1">
+            <a:schemeClr val="accent2"/>
+          </a:effectRef>
+          <a:fontRef idx="minor">
+            <a:schemeClr val="dk1"/>
+          </a:fontRef>
+        </p:style>
+        <p:txBody>
+          <a:bodyPr rtlCol="0" anchor="ctr"/>
+          <a:lstStyle/>
+          <a:p>
+            <a:pPr algn="ctr"/>
+            <a:r>
+              <a:rPr lang="en-US" sz="1200" dirty="0" smtClean="0">
+                <a:latin typeface="Times New Roman" pitchFamily="18" charset="0"/>
+                <a:cs typeface="Times New Roman" pitchFamily="18" charset="0"/>
+              </a:rPr>
+              <a:t>Encoder</a:t>
+            </a:r>
+            <a:endParaRPr lang="en-US" dirty="0">
+              <a:latin typeface="Times New Roman" pitchFamily="18" charset="0"/>
+              <a:cs typeface="Times New Roman" pitchFamily="18" charset="0"/>
+            </a:endParaRPr>
+          </a:p>
+        </p:txBody>
+      </p:sp>
+      <p:sp>
+        <p:nvSpPr>
+          <p:cNvPr id="8" name="Rounded Rectangle 7"/>
+          <p:cNvSpPr/>
+          <p:nvPr/>
+        </p:nvSpPr>
+        <p:spPr>
+          <a:xfrm>
+            <a:off x="304800" y="3200400"/>
+            <a:ext cx="1600200" cy="838199"/>
+          </a:xfrm>
+          <a:prstGeom prst="roundRect">
+            <a:avLst/>
+          </a:prstGeom>
+        </p:spPr>
+        <p:style>
+          <a:lnRef idx="1">
+            <a:schemeClr val="accent3"/>
+          </a:lnRef>
+          <a:fillRef idx="2">
+            <a:schemeClr val="accent3"/>
+          </a:fillRef>
+          <a:effectRef idx="1">
+            <a:schemeClr val="accent3"/>
+          </a:effectRef>
+          <a:fontRef idx="minor">
+            <a:schemeClr val="dk1"/>
+          </a:fontRef>
+        </p:style>
+        <p:txBody>
+          <a:bodyPr rtlCol="0" anchor="ctr"/>
+          <a:lstStyle/>
+          <a:p>
+            <a:pPr algn="ctr"/>
+            <a:r>
+              <a:rPr lang="en-US" dirty="0" smtClean="0">
+                <a:latin typeface="Times New Roman" pitchFamily="18" charset="0"/>
+                <a:cs typeface="Times New Roman" pitchFamily="18" charset="0"/>
+              </a:rPr>
+              <a:t>User Specific Key</a:t>
+            </a:r>
+            <a:endParaRPr lang="en-US" dirty="0">
+              <a:latin typeface="Times New Roman" pitchFamily="18" charset="0"/>
+              <a:cs typeface="Times New Roman" pitchFamily="18" charset="0"/>
+            </a:endParaRPr>
+          </a:p>
+        </p:txBody>
+      </p:sp>
+      <p:sp>
+        <p:nvSpPr>
+          <p:cNvPr id="9" name="Rounded Rectangle 8"/>
+          <p:cNvSpPr/>
+          <p:nvPr/>
+        </p:nvSpPr>
+        <p:spPr>
+          <a:xfrm>
+            <a:off x="4191000" y="2271713"/>
+            <a:ext cx="1828800" cy="790575"/>
+          </a:xfrm>
+          <a:prstGeom prst="roundRect">
+            <a:avLst/>
+          </a:prstGeom>
+        </p:spPr>
+        <p:style>
+          <a:lnRef idx="1">
+            <a:schemeClr val="accent4"/>
+          </a:lnRef>
+          <a:fillRef idx="2">
+            <a:schemeClr val="accent4"/>
+          </a:fillRef>
+          <a:effectRef idx="1">
+            <a:schemeClr val="accent4"/>
+          </a:effectRef>
+          <a:fontRef idx="minor">
+            <a:schemeClr val="dk1"/>
+          </a:fontRef>
+        </p:style>
+        <p:txBody>
+          <a:bodyPr rtlCol="0" anchor="ctr"/>
+          <a:lstStyle/>
+          <a:p>
+            <a:pPr algn="ctr"/>
+            <a:r>
+              <a:rPr lang="en-US" dirty="0" smtClean="0">
+                <a:latin typeface="Times New Roman" pitchFamily="18" charset="0"/>
+                <a:cs typeface="Times New Roman" pitchFamily="18" charset="0"/>
+              </a:rPr>
+              <a:t>Transformed Biometric </a:t>
+            </a:r>
+            <a:r>
+              <a:rPr lang="en-US" dirty="0">
+                <a:latin typeface="Times New Roman" pitchFamily="18" charset="0"/>
+                <a:cs typeface="Times New Roman" pitchFamily="18" charset="0"/>
+              </a:rPr>
+              <a:t>Data</a:t>
+            </a:r>
+            <a:endParaRPr lang="en-US" dirty="0">
+              <a:latin typeface="Times New Roman" pitchFamily="18" charset="0"/>
+              <a:cs typeface="Times New Roman" pitchFamily="18" charset="0"/>
+            </a:endParaRPr>
+          </a:p>
+        </p:txBody>
+      </p:sp>
+      <p:sp>
+        <p:nvSpPr>
+          <p:cNvPr id="10" name="Rounded Rectangle 9"/>
+          <p:cNvSpPr/>
+          <p:nvPr/>
+        </p:nvSpPr>
+        <p:spPr>
+          <a:xfrm>
+            <a:off x="6248400" y="1905000"/>
+            <a:ext cx="1828800" cy="1524000"/>
+          </a:xfrm>
+          <a:prstGeom prst="roundRect">
+            <a:avLst/>
+          </a:prstGeom>
+        </p:spPr>
+        <p:style>
+          <a:lnRef idx="1">
+            <a:schemeClr val="accent5"/>
+          </a:lnRef>
+          <a:fillRef idx="2">
+            <a:schemeClr val="accent5"/>
+          </a:fillRef>
+          <a:effectRef idx="1">
+            <a:schemeClr val="accent5"/>
+          </a:effectRef>
+          <a:fontRef idx="minor">
+            <a:schemeClr val="dk1"/>
+          </a:fontRef>
+        </p:style>
+        <p:txBody>
+          <a:bodyPr rtlCol="0" anchor="ctr"/>
+          <a:lstStyle/>
+          <a:p>
+            <a:pPr algn="ctr"/>
+            <a:r>
+              <a:rPr lang="en-US" dirty="0" smtClean="0">
+                <a:latin typeface="Times New Roman" pitchFamily="18" charset="0"/>
+                <a:cs typeface="Times New Roman" pitchFamily="18" charset="0"/>
+              </a:rPr>
+              <a:t>Machine Learning towards Identification/ Verification</a:t>
+            </a:r>
+            <a:endParaRPr lang="en-US" dirty="0">
+              <a:latin typeface="Times New Roman" pitchFamily="18" charset="0"/>
+              <a:cs typeface="Times New Roman" pitchFamily="18" charset="0"/>
+            </a:endParaRPr>
+          </a:p>
+        </p:txBody>
+      </p:sp>
+      <p:cxnSp>
+        <p:nvCxnSpPr>
+          <p:cNvPr id="12" name="Straight Arrow Connector 11"/>
+          <p:cNvCxnSpPr>
+            <a:stCxn id="6" idx="0"/>
+            <a:endCxn id="7" idx="4"/>
+          </p:cNvCxnSpPr>
+          <p:nvPr/>
+        </p:nvCxnSpPr>
+        <p:spPr>
+          <a:xfrm flipV="1">
+            <a:off x="3048000" y="3881437"/>
+            <a:ext cx="1" cy="309563"/>
+          </a:xfrm>
+          <a:prstGeom prst="straightConnector1">
+            <a:avLst/>
+          </a:prstGeom>
+          <a:ln>
+            <a:tailEnd type="arrow"/>
+          </a:ln>
+        </p:spPr>
+        <p:style>
+          <a:lnRef idx="2">
+            <a:schemeClr val="dk1"/>
+          </a:lnRef>
+          <a:fillRef idx="0">
+            <a:schemeClr val="dk1"/>
+          </a:fillRef>
+          <a:effectRef idx="1">
+            <a:schemeClr val="dk1"/>
+          </a:effectRef>
+          <a:fontRef idx="minor">
+            <a:schemeClr val="tx1"/>
+          </a:fontRef>
+        </p:style>
+      </p:cxnSp>
+      <p:cxnSp>
+        <p:nvCxnSpPr>
+          <p:cNvPr id="14" name="Straight Arrow Connector 13"/>
+          <p:cNvCxnSpPr>
+            <a:stCxn id="8" idx="3"/>
+            <a:endCxn id="7" idx="2"/>
+          </p:cNvCxnSpPr>
+          <p:nvPr/>
+        </p:nvCxnSpPr>
+        <p:spPr>
+          <a:xfrm>
+            <a:off x="1905000" y="3619500"/>
+            <a:ext cx="566738" cy="0"/>
+          </a:xfrm>
+          <a:prstGeom prst="straightConnector1">
+            <a:avLst/>
+          </a:prstGeom>
+          <a:ln>
+            <a:tailEnd type="arrow"/>
+          </a:ln>
+        </p:spPr>
+        <p:style>
+          <a:lnRef idx="2">
+            <a:schemeClr val="dk1"/>
+          </a:lnRef>
+          <a:fillRef idx="0">
+            <a:schemeClr val="dk1"/>
+          </a:fillRef>
+          <a:effectRef idx="1">
+            <a:schemeClr val="dk1"/>
+          </a:effectRef>
+          <a:fontRef idx="minor">
+            <a:schemeClr val="tx1"/>
+          </a:fontRef>
+        </p:style>
+      </p:cxnSp>
+      <p:cxnSp>
+        <p:nvCxnSpPr>
+          <p:cNvPr id="16" name="Straight Arrow Connector 15"/>
+          <p:cNvCxnSpPr>
+            <a:stCxn id="7" idx="0"/>
+            <a:endCxn id="5" idx="2"/>
+          </p:cNvCxnSpPr>
+          <p:nvPr/>
+        </p:nvCxnSpPr>
+        <p:spPr>
+          <a:xfrm flipH="1" flipV="1">
+            <a:off x="3048000" y="3062288"/>
+            <a:ext cx="1" cy="295274"/>
+          </a:xfrm>
+          <a:prstGeom prst="straightConnector1">
+            <a:avLst/>
+          </a:prstGeom>
+          <a:ln>
+            <a:tailEnd type="arrow"/>
+          </a:ln>
+        </p:spPr>
+        <p:style>
+          <a:lnRef idx="2">
+            <a:schemeClr val="dk1"/>
+          </a:lnRef>
+          <a:fillRef idx="0">
+            <a:schemeClr val="dk1"/>
+          </a:fillRef>
+          <a:effectRef idx="1">
+            <a:schemeClr val="dk1"/>
+          </a:effectRef>
+          <a:fontRef idx="minor">
+            <a:schemeClr val="tx1"/>
+          </a:fontRef>
+        </p:style>
+      </p:cxnSp>
+      <p:cxnSp>
+        <p:nvCxnSpPr>
+          <p:cNvPr id="18" name="Straight Arrow Connector 17"/>
+          <p:cNvCxnSpPr>
+            <a:stCxn id="4" idx="3"/>
+            <a:endCxn id="5" idx="1"/>
+          </p:cNvCxnSpPr>
+          <p:nvPr/>
+        </p:nvCxnSpPr>
+        <p:spPr>
+          <a:xfrm>
+            <a:off x="1752600" y="2667000"/>
+            <a:ext cx="419100" cy="1"/>
+          </a:xfrm>
+          <a:prstGeom prst="straightConnector1">
+            <a:avLst/>
+          </a:prstGeom>
+          <a:ln>
+            <a:tailEnd type="arrow"/>
+          </a:ln>
+        </p:spPr>
+        <p:style>
+          <a:lnRef idx="2">
+            <a:schemeClr val="dk1"/>
+          </a:lnRef>
+          <a:fillRef idx="0">
+            <a:schemeClr val="dk1"/>
+          </a:fillRef>
+          <a:effectRef idx="1">
+            <a:schemeClr val="dk1"/>
+          </a:effectRef>
+          <a:fontRef idx="minor">
+            <a:schemeClr val="tx1"/>
+          </a:fontRef>
+        </p:style>
+      </p:cxnSp>
+      <p:cxnSp>
+        <p:nvCxnSpPr>
+          <p:cNvPr id="20" name="Straight Arrow Connector 19"/>
+          <p:cNvCxnSpPr>
+            <a:stCxn id="5" idx="3"/>
+            <a:endCxn id="9" idx="1"/>
+          </p:cNvCxnSpPr>
+          <p:nvPr/>
+        </p:nvCxnSpPr>
+        <p:spPr>
+          <a:xfrm>
+            <a:off x="3924300" y="2667001"/>
+            <a:ext cx="266700" cy="0"/>
+          </a:xfrm>
+          <a:prstGeom prst="straightConnector1">
+            <a:avLst/>
+          </a:prstGeom>
+          <a:ln>
+            <a:tailEnd type="arrow"/>
+          </a:ln>
+        </p:spPr>
+        <p:style>
+          <a:lnRef idx="2">
+            <a:schemeClr val="dk1"/>
+          </a:lnRef>
+          <a:fillRef idx="0">
+            <a:schemeClr val="dk1"/>
+          </a:fillRef>
+          <a:effectRef idx="1">
+            <a:schemeClr val="dk1"/>
+          </a:effectRef>
+          <a:fontRef idx="minor">
+            <a:schemeClr val="tx1"/>
+          </a:fontRef>
+        </p:style>
+      </p:cxnSp>
+      <p:cxnSp>
+        <p:nvCxnSpPr>
+          <p:cNvPr id="22" name="Straight Arrow Connector 21"/>
+          <p:cNvCxnSpPr>
+            <a:stCxn id="9" idx="3"/>
+            <a:endCxn id="10" idx="1"/>
+          </p:cNvCxnSpPr>
+          <p:nvPr/>
+        </p:nvCxnSpPr>
+        <p:spPr>
+          <a:xfrm flipV="1">
+            <a:off x="6019800" y="2667000"/>
+            <a:ext cx="228600" cy="1"/>
+          </a:xfrm>
+          <a:prstGeom prst="straightConnector1">
+            <a:avLst/>
+          </a:prstGeom>
+          <a:ln>
+            <a:tailEnd type="arrow"/>
+          </a:ln>
+        </p:spPr>
+        <p:style>
+          <a:lnRef idx="2">
+            <a:schemeClr val="dk1"/>
+          </a:lnRef>
+          <a:fillRef idx="0">
+            <a:schemeClr val="dk1"/>
+          </a:fillRef>
+          <a:effectRef idx="1">
+            <a:schemeClr val="dk1"/>
+          </a:effectRef>
+          <a:fontRef idx="minor">
+            <a:schemeClr val="tx1"/>
+          </a:fontRef>
+        </p:style>
+      </p:cxnSp>
+      <p:sp>
+        <p:nvSpPr>
+          <p:cNvPr id="27" name="TextBox 26"/>
+          <p:cNvSpPr txBox="1"/>
+          <p:nvPr/>
+        </p:nvSpPr>
+        <p:spPr>
+          <a:xfrm>
+            <a:off x="4211565" y="1516618"/>
+            <a:ext cx="1787669" cy="369332"/>
+          </a:xfrm>
+          <a:prstGeom prst="rect">
+            <a:avLst/>
+          </a:prstGeom>
+          <a:noFill/>
+        </p:spPr>
+        <p:txBody>
+          <a:bodyPr wrap="none" rtlCol="0">
+            <a:spAutoFit/>
+          </a:bodyPr>
+          <a:lstStyle/>
+          <a:p>
+            <a:r>
+              <a:rPr lang="en-US" dirty="0" smtClean="0">
+                <a:latin typeface="Times New Roman" pitchFamily="18" charset="0"/>
+                <a:cs typeface="Times New Roman" pitchFamily="18" charset="0"/>
+              </a:rPr>
+              <a:t>Secure / Erasable</a:t>
+            </a:r>
+            <a:endParaRPr lang="en-US" dirty="0">
+              <a:latin typeface="Times New Roman" pitchFamily="18" charset="0"/>
+              <a:cs typeface="Times New Roman" pitchFamily="18" charset="0"/>
+            </a:endParaRPr>
+          </a:p>
+        </p:txBody>
+      </p:sp>
+      <p:sp>
+        <p:nvSpPr>
+          <p:cNvPr id="28" name="TextBox 27"/>
+          <p:cNvSpPr txBox="1"/>
+          <p:nvPr/>
+        </p:nvSpPr>
+        <p:spPr>
+          <a:xfrm>
+            <a:off x="633269" y="1535668"/>
+            <a:ext cx="966931" cy="369332"/>
+          </a:xfrm>
+          <a:prstGeom prst="rect">
+            <a:avLst/>
+          </a:prstGeom>
+          <a:noFill/>
+        </p:spPr>
+        <p:txBody>
+          <a:bodyPr wrap="none" rtlCol="0">
+            <a:spAutoFit/>
+          </a:bodyPr>
+          <a:lstStyle/>
+          <a:p>
+            <a:r>
+              <a:rPr lang="en-US" dirty="0" smtClean="0">
+                <a:latin typeface="Times New Roman" pitchFamily="18" charset="0"/>
+                <a:cs typeface="Times New Roman" pitchFamily="18" charset="0"/>
+              </a:rPr>
+              <a:t>Insecure</a:t>
+            </a:r>
+            <a:endParaRPr lang="en-US" dirty="0">
+              <a:latin typeface="Times New Roman" pitchFamily="18" charset="0"/>
+              <a:cs typeface="Times New Roman" pitchFamily="18" charset="0"/>
+            </a:endParaRPr>
+          </a:p>
+        </p:txBody>
+      </p:sp>
+    </p:spTree>
+    <p:extLst>
+      <p:ext uri="{BB962C8B-B14F-4D97-AF65-F5344CB8AC3E}">
+        <p14:creationId xmlns:p14="http://schemas.microsoft.com/office/powerpoint/2010/main" val="1447903743"/>
+      </p:ext>
+    </p:extLst>
+  </p:cSld>
+  <p:clrMapOvr>
+    <a:masterClrMapping/>
+  </p:clrMapOvr>
+</p:sld>
+</file>
+
 <file path=ppt/theme/theme1.xml><?xml version="1.0" encoding="utf-8"?>
 <a:theme xmlns:a="http://schemas.openxmlformats.org/drawingml/2006/main" name="Office Theme">
   <a:themeElements>

--- a/Dissertation/Presentation1.pptx
+++ b/Dissertation/Presentation1.pptx
@@ -12,6 +12,7 @@
     <p:sldId id="259" r:id="rId6"/>
     <p:sldId id="261" r:id="rId7"/>
     <p:sldId id="262" r:id="rId8"/>
+    <p:sldId id="263" r:id="rId9"/>
   </p:sldIdLst>
   <p:sldSz cx="9144000" cy="6858000" type="screen4x3"/>
   <p:notesSz cx="6858000" cy="9144000"/>
@@ -294,7 +295,7 @@
           <a:p>
             <a:fld id="{6D657F06-4D96-43BC-A84C-9C90B530D5F7}" type="datetimeFigureOut">
               <a:rPr lang="en-US" smtClean="0"/>
-              <a:t>12/14/2010</a:t>
+              <a:t>1/16/2011</a:t>
             </a:fld>
             <a:endParaRPr lang="en-US"/>
           </a:p>
@@ -464,7 +465,7 @@
           <a:p>
             <a:fld id="{6D657F06-4D96-43BC-A84C-9C90B530D5F7}" type="datetimeFigureOut">
               <a:rPr lang="en-US" smtClean="0"/>
-              <a:t>12/14/2010</a:t>
+              <a:t>1/16/2011</a:t>
             </a:fld>
             <a:endParaRPr lang="en-US"/>
           </a:p>
@@ -644,7 +645,7 @@
           <a:p>
             <a:fld id="{6D657F06-4D96-43BC-A84C-9C90B530D5F7}" type="datetimeFigureOut">
               <a:rPr lang="en-US" smtClean="0"/>
-              <a:t>12/14/2010</a:t>
+              <a:t>1/16/2011</a:t>
             </a:fld>
             <a:endParaRPr lang="en-US"/>
           </a:p>
@@ -814,7 +815,7 @@
           <a:p>
             <a:fld id="{6D657F06-4D96-43BC-A84C-9C90B530D5F7}" type="datetimeFigureOut">
               <a:rPr lang="en-US" smtClean="0"/>
-              <a:t>12/14/2010</a:t>
+              <a:t>1/16/2011</a:t>
             </a:fld>
             <a:endParaRPr lang="en-US"/>
           </a:p>
@@ -1060,7 +1061,7 @@
           <a:p>
             <a:fld id="{6D657F06-4D96-43BC-A84C-9C90B530D5F7}" type="datetimeFigureOut">
               <a:rPr lang="en-US" smtClean="0"/>
-              <a:t>12/14/2010</a:t>
+              <a:t>1/16/2011</a:t>
             </a:fld>
             <a:endParaRPr lang="en-US"/>
           </a:p>
@@ -1348,7 +1349,7 @@
           <a:p>
             <a:fld id="{6D657F06-4D96-43BC-A84C-9C90B530D5F7}" type="datetimeFigureOut">
               <a:rPr lang="en-US" smtClean="0"/>
-              <a:t>12/14/2010</a:t>
+              <a:t>1/16/2011</a:t>
             </a:fld>
             <a:endParaRPr lang="en-US"/>
           </a:p>
@@ -1770,7 +1771,7 @@
           <a:p>
             <a:fld id="{6D657F06-4D96-43BC-A84C-9C90B530D5F7}" type="datetimeFigureOut">
               <a:rPr lang="en-US" smtClean="0"/>
-              <a:t>12/14/2010</a:t>
+              <a:t>1/16/2011</a:t>
             </a:fld>
             <a:endParaRPr lang="en-US"/>
           </a:p>
@@ -1888,7 +1889,7 @@
           <a:p>
             <a:fld id="{6D657F06-4D96-43BC-A84C-9C90B530D5F7}" type="datetimeFigureOut">
               <a:rPr lang="en-US" smtClean="0"/>
-              <a:t>12/14/2010</a:t>
+              <a:t>1/16/2011</a:t>
             </a:fld>
             <a:endParaRPr lang="en-US"/>
           </a:p>
@@ -1983,7 +1984,7 @@
           <a:p>
             <a:fld id="{6D657F06-4D96-43BC-A84C-9C90B530D5F7}" type="datetimeFigureOut">
               <a:rPr lang="en-US" smtClean="0"/>
-              <a:t>12/14/2010</a:t>
+              <a:t>1/16/2011</a:t>
             </a:fld>
             <a:endParaRPr lang="en-US"/>
           </a:p>
@@ -2260,7 +2261,7 @@
           <a:p>
             <a:fld id="{6D657F06-4D96-43BC-A84C-9C90B530D5F7}" type="datetimeFigureOut">
               <a:rPr lang="en-US" smtClean="0"/>
-              <a:t>12/14/2010</a:t>
+              <a:t>1/16/2011</a:t>
             </a:fld>
             <a:endParaRPr lang="en-US"/>
           </a:p>
@@ -2513,7 +2514,7 @@
           <a:p>
             <a:fld id="{6D657F06-4D96-43BC-A84C-9C90B530D5F7}" type="datetimeFigureOut">
               <a:rPr lang="en-US" smtClean="0"/>
-              <a:t>12/14/2010</a:t>
+              <a:t>1/16/2011</a:t>
             </a:fld>
             <a:endParaRPr lang="en-US"/>
           </a:p>
@@ -2726,7 +2727,7 @@
           <a:p>
             <a:fld id="{6D657F06-4D96-43BC-A84C-9C90B530D5F7}" type="datetimeFigureOut">
               <a:rPr lang="en-US" smtClean="0"/>
-              <a:t>12/14/2010</a:t>
+              <a:t>1/16/2011</a:t>
             </a:fld>
             <a:endParaRPr lang="en-US"/>
           </a:p>
@@ -25262,10 +25263,6 @@
               </a:rPr>
               <a:t>Data</a:t>
             </a:r>
-            <a:endParaRPr lang="en-US" dirty="0">
-              <a:latin typeface="Times New Roman" pitchFamily="18" charset="0"/>
-              <a:cs typeface="Times New Roman" pitchFamily="18" charset="0"/>
-            </a:endParaRPr>
           </a:p>
         </p:txBody>
       </p:sp>
@@ -25615,6 +25612,657 @@
   <p:clrMapOvr>
     <a:masterClrMapping/>
   </p:clrMapOvr>
+</p:sld>
+</file>
+
+<file path=ppt/slides/slide8.xml><?xml version="1.0" encoding="utf-8"?>
+<p:sld xmlns:a="http://schemas.openxmlformats.org/drawingml/2006/main" xmlns:r="http://schemas.openxmlformats.org/officeDocument/2006/relationships" xmlns:p="http://schemas.openxmlformats.org/presentationml/2006/main">
+  <p:cSld>
+    <p:spTree>
+      <p:nvGrpSpPr>
+        <p:cNvPr id="1" name=""/>
+        <p:cNvGrpSpPr/>
+        <p:nvPr/>
+      </p:nvGrpSpPr>
+      <p:grpSpPr>
+        <a:xfrm>
+          <a:off x="0" y="0"/>
+          <a:ext cx="0" cy="0"/>
+          <a:chOff x="0" y="0"/>
+          <a:chExt cx="0" cy="0"/>
+        </a:xfrm>
+      </p:grpSpPr>
+      <p:pic>
+        <p:nvPicPr>
+          <p:cNvPr id="1026" name="Picture 2"/>
+          <p:cNvPicPr>
+            <a:picLocks noChangeAspect="1" noChangeArrowheads="1"/>
+          </p:cNvPicPr>
+          <p:nvPr/>
+        </p:nvPicPr>
+        <p:blipFill>
+          <a:blip r:embed="rId2">
+            <a:extLst>
+              <a:ext uri="{28A0092B-C50C-407E-A947-70E740481C1C}">
+                <a14:useLocalDpi xmlns:a14="http://schemas.microsoft.com/office/drawing/2010/main" val="0"/>
+              </a:ext>
+            </a:extLst>
+          </a:blip>
+          <a:srcRect/>
+          <a:stretch>
+            <a:fillRect/>
+          </a:stretch>
+        </p:blipFill>
+        <p:spPr bwMode="auto">
+          <a:xfrm>
+            <a:off x="3048000" y="1058119"/>
+            <a:ext cx="3048000" cy="4947256"/>
+          </a:xfrm>
+          <a:prstGeom prst="rect">
+            <a:avLst/>
+          </a:prstGeom>
+          <a:noFill/>
+          <a:ln>
+            <a:noFill/>
+          </a:ln>
+          <a:effectLst/>
+          <a:extLst>
+            <a:ext uri="{909E8E84-426E-40DD-AFC4-6F175D3DCCD1}">
+              <a14:hiddenFill xmlns:a14="http://schemas.microsoft.com/office/drawing/2010/main">
+                <a:solidFill>
+                  <a:schemeClr val="accent1"/>
+                </a:solidFill>
+              </a14:hiddenFill>
+            </a:ext>
+            <a:ext uri="{91240B29-F687-4F45-9708-019B960494DF}">
+              <a14:hiddenLine xmlns:a14="http://schemas.microsoft.com/office/drawing/2010/main" w="9525">
+                <a:solidFill>
+                  <a:schemeClr val="tx1"/>
+                </a:solidFill>
+                <a:miter lim="800000"/>
+                <a:headEnd/>
+                <a:tailEnd/>
+              </a14:hiddenLine>
+            </a:ext>
+            <a:ext uri="{AF507438-7753-43E0-B8FC-AC1667EBCBE1}">
+              <a14:hiddenEffects xmlns:a14="http://schemas.microsoft.com/office/drawing/2010/main">
+                <a:effectLst>
+                  <a:outerShdw dist="35921" dir="2700000" algn="ctr" rotWithShape="0">
+                    <a:schemeClr val="bg2"/>
+                  </a:outerShdw>
+                </a:effectLst>
+              </a14:hiddenEffects>
+            </a:ext>
+          </a:extLst>
+        </p:spPr>
+      </p:pic>
+      <p:sp>
+        <p:nvSpPr>
+          <p:cNvPr id="4" name="TextBox 3"/>
+          <p:cNvSpPr txBox="1"/>
+          <p:nvPr/>
+        </p:nvSpPr>
+        <p:spPr>
+          <a:xfrm>
+            <a:off x="685800" y="1219200"/>
+            <a:ext cx="988732" cy="369332"/>
+          </a:xfrm>
+          <a:prstGeom prst="rect">
+            <a:avLst/>
+          </a:prstGeom>
+          <a:noFill/>
+        </p:spPr>
+        <p:txBody>
+          <a:bodyPr wrap="none" rtlCol="0">
+            <a:spAutoFit/>
+          </a:bodyPr>
+          <a:lstStyle/>
+          <a:p>
+            <a:r>
+              <a:rPr lang="en-US" dirty="0" smtClean="0"/>
+              <a:t>Frontalis</a:t>
+            </a:r>
+            <a:endParaRPr lang="en-US" dirty="0"/>
+          </a:p>
+        </p:txBody>
+      </p:sp>
+      <p:cxnSp>
+        <p:nvCxnSpPr>
+          <p:cNvPr id="6" name="Elbow Connector 5"/>
+          <p:cNvCxnSpPr>
+            <a:stCxn id="4" idx="3"/>
+          </p:cNvCxnSpPr>
+          <p:nvPr/>
+        </p:nvCxnSpPr>
+        <p:spPr>
+          <a:xfrm>
+            <a:off x="1674532" y="1403866"/>
+            <a:ext cx="2287868" cy="729734"/>
+          </a:xfrm>
+          <a:prstGeom prst="bentConnector3">
+            <a:avLst/>
+          </a:prstGeom>
+          <a:ln w="31750">
+            <a:solidFill>
+              <a:schemeClr val="tx1"/>
+            </a:solidFill>
+            <a:tailEnd type="triangle"/>
+          </a:ln>
+        </p:spPr>
+        <p:style>
+          <a:lnRef idx="1">
+            <a:schemeClr val="accent1"/>
+          </a:lnRef>
+          <a:fillRef idx="0">
+            <a:schemeClr val="accent1"/>
+          </a:fillRef>
+          <a:effectRef idx="0">
+            <a:schemeClr val="accent1"/>
+          </a:effectRef>
+          <a:fontRef idx="minor">
+            <a:schemeClr val="tx1"/>
+          </a:fontRef>
+        </p:style>
+      </p:cxnSp>
+      <p:sp>
+        <p:nvSpPr>
+          <p:cNvPr id="8" name="TextBox 7"/>
+          <p:cNvSpPr txBox="1"/>
+          <p:nvPr/>
+        </p:nvSpPr>
+        <p:spPr>
+          <a:xfrm>
+            <a:off x="228600" y="2280213"/>
+            <a:ext cx="1728358" cy="369332"/>
+          </a:xfrm>
+          <a:prstGeom prst="rect">
+            <a:avLst/>
+          </a:prstGeom>
+          <a:noFill/>
+        </p:spPr>
+        <p:txBody>
+          <a:bodyPr wrap="none" rtlCol="0">
+            <a:spAutoFit/>
+          </a:bodyPr>
+          <a:lstStyle/>
+          <a:p>
+            <a:r>
+              <a:rPr lang="en-US" dirty="0" smtClean="0"/>
+              <a:t>Orbicularis Oculi</a:t>
+            </a:r>
+            <a:endParaRPr lang="en-US" dirty="0"/>
+          </a:p>
+        </p:txBody>
+      </p:sp>
+      <p:cxnSp>
+        <p:nvCxnSpPr>
+          <p:cNvPr id="9" name="Elbow Connector 8"/>
+          <p:cNvCxnSpPr>
+            <a:stCxn id="8" idx="3"/>
+          </p:cNvCxnSpPr>
+          <p:nvPr/>
+        </p:nvCxnSpPr>
+        <p:spPr>
+          <a:xfrm>
+            <a:off x="1956958" y="2464879"/>
+            <a:ext cx="2005442" cy="278321"/>
+          </a:xfrm>
+          <a:prstGeom prst="bentConnector3">
+            <a:avLst/>
+          </a:prstGeom>
+          <a:ln w="31750">
+            <a:solidFill>
+              <a:schemeClr val="tx1"/>
+            </a:solidFill>
+            <a:tailEnd type="triangle"/>
+          </a:ln>
+        </p:spPr>
+        <p:style>
+          <a:lnRef idx="1">
+            <a:schemeClr val="accent1"/>
+          </a:lnRef>
+          <a:fillRef idx="0">
+            <a:schemeClr val="accent1"/>
+          </a:fillRef>
+          <a:effectRef idx="0">
+            <a:schemeClr val="accent1"/>
+          </a:effectRef>
+          <a:fontRef idx="minor">
+            <a:schemeClr val="tx1"/>
+          </a:fontRef>
+        </p:style>
+      </p:cxnSp>
+      <p:sp>
+        <p:nvSpPr>
+          <p:cNvPr id="11" name="TextBox 10"/>
+          <p:cNvSpPr txBox="1"/>
+          <p:nvPr/>
+        </p:nvSpPr>
+        <p:spPr>
+          <a:xfrm>
+            <a:off x="358815" y="2895600"/>
+            <a:ext cx="1967590" cy="369332"/>
+          </a:xfrm>
+          <a:prstGeom prst="rect">
+            <a:avLst/>
+          </a:prstGeom>
+          <a:noFill/>
+        </p:spPr>
+        <p:txBody>
+          <a:bodyPr wrap="none" rtlCol="0">
+            <a:spAutoFit/>
+          </a:bodyPr>
+          <a:lstStyle/>
+          <a:p>
+            <a:r>
+              <a:rPr lang="en-US" dirty="0" smtClean="0"/>
+              <a:t>Zygomaticus Major</a:t>
+            </a:r>
+            <a:endParaRPr lang="en-US" dirty="0"/>
+          </a:p>
+        </p:txBody>
+      </p:sp>
+      <p:cxnSp>
+        <p:nvCxnSpPr>
+          <p:cNvPr id="12" name="Elbow Connector 11"/>
+          <p:cNvCxnSpPr>
+            <a:stCxn id="11" idx="3"/>
+          </p:cNvCxnSpPr>
+          <p:nvPr/>
+        </p:nvCxnSpPr>
+        <p:spPr>
+          <a:xfrm>
+            <a:off x="2326405" y="3080266"/>
+            <a:ext cx="1407395" cy="577334"/>
+          </a:xfrm>
+          <a:prstGeom prst="bentConnector3">
+            <a:avLst/>
+          </a:prstGeom>
+          <a:ln w="31750">
+            <a:solidFill>
+              <a:schemeClr val="tx1"/>
+            </a:solidFill>
+            <a:tailEnd type="triangle"/>
+          </a:ln>
+        </p:spPr>
+        <p:style>
+          <a:lnRef idx="1">
+            <a:schemeClr val="accent1"/>
+          </a:lnRef>
+          <a:fillRef idx="0">
+            <a:schemeClr val="accent1"/>
+          </a:fillRef>
+          <a:effectRef idx="0">
+            <a:schemeClr val="accent1"/>
+          </a:effectRef>
+          <a:fontRef idx="minor">
+            <a:schemeClr val="tx1"/>
+          </a:fontRef>
+        </p:style>
+      </p:cxnSp>
+      <p:sp>
+        <p:nvSpPr>
+          <p:cNvPr id="14" name="TextBox 13"/>
+          <p:cNvSpPr txBox="1"/>
+          <p:nvPr/>
+        </p:nvSpPr>
+        <p:spPr>
+          <a:xfrm>
+            <a:off x="251749" y="3733800"/>
+            <a:ext cx="1625766" cy="369332"/>
+          </a:xfrm>
+          <a:prstGeom prst="rect">
+            <a:avLst/>
+          </a:prstGeom>
+          <a:noFill/>
+        </p:spPr>
+        <p:txBody>
+          <a:bodyPr wrap="none" rtlCol="0">
+            <a:spAutoFit/>
+          </a:bodyPr>
+          <a:lstStyle/>
+          <a:p>
+            <a:r>
+              <a:rPr lang="en-US" dirty="0" smtClean="0"/>
+              <a:t>Orbicularis </a:t>
+            </a:r>
+            <a:r>
+              <a:rPr lang="en-US" dirty="0" smtClean="0"/>
+              <a:t>Oris</a:t>
+            </a:r>
+            <a:endParaRPr lang="en-US" dirty="0"/>
+          </a:p>
+        </p:txBody>
+      </p:sp>
+      <p:cxnSp>
+        <p:nvCxnSpPr>
+          <p:cNvPr id="15" name="Elbow Connector 14"/>
+          <p:cNvCxnSpPr>
+            <a:stCxn id="14" idx="3"/>
+          </p:cNvCxnSpPr>
+          <p:nvPr/>
+        </p:nvCxnSpPr>
+        <p:spPr>
+          <a:xfrm>
+            <a:off x="1877515" y="3918466"/>
+            <a:ext cx="2313485" cy="272534"/>
+          </a:xfrm>
+          <a:prstGeom prst="bentConnector3">
+            <a:avLst/>
+          </a:prstGeom>
+          <a:ln w="31750">
+            <a:solidFill>
+              <a:schemeClr val="tx1"/>
+            </a:solidFill>
+            <a:tailEnd type="triangle"/>
+          </a:ln>
+        </p:spPr>
+        <p:style>
+          <a:lnRef idx="1">
+            <a:schemeClr val="accent1"/>
+          </a:lnRef>
+          <a:fillRef idx="0">
+            <a:schemeClr val="accent1"/>
+          </a:fillRef>
+          <a:effectRef idx="0">
+            <a:schemeClr val="accent1"/>
+          </a:effectRef>
+          <a:fontRef idx="minor">
+            <a:schemeClr val="tx1"/>
+          </a:fontRef>
+        </p:style>
+      </p:cxnSp>
+      <p:sp>
+        <p:nvSpPr>
+          <p:cNvPr id="16" name="Rectangle 15"/>
+          <p:cNvSpPr/>
+          <p:nvPr/>
+        </p:nvSpPr>
+        <p:spPr>
+          <a:xfrm>
+            <a:off x="445175" y="5204843"/>
+            <a:ext cx="997261" cy="369332"/>
+          </a:xfrm>
+          <a:prstGeom prst="rect">
+            <a:avLst/>
+          </a:prstGeom>
+        </p:spPr>
+        <p:txBody>
+          <a:bodyPr wrap="none">
+            <a:spAutoFit/>
+          </a:bodyPr>
+          <a:lstStyle/>
+          <a:p>
+            <a:r>
+              <a:rPr lang="en-US" dirty="0" smtClean="0"/>
+              <a:t>Mentalis</a:t>
+            </a:r>
+            <a:endParaRPr lang="en-US" dirty="0"/>
+          </a:p>
+        </p:txBody>
+      </p:sp>
+      <p:cxnSp>
+        <p:nvCxnSpPr>
+          <p:cNvPr id="18" name="Elbow Connector 17"/>
+          <p:cNvCxnSpPr>
+            <a:stCxn id="16" idx="3"/>
+          </p:cNvCxnSpPr>
+          <p:nvPr/>
+        </p:nvCxnSpPr>
+        <p:spPr>
+          <a:xfrm flipV="1">
+            <a:off x="1442436" y="4519043"/>
+            <a:ext cx="2983039" cy="870466"/>
+          </a:xfrm>
+          <a:prstGeom prst="bentConnector3">
+            <a:avLst>
+              <a:gd name="adj1" fmla="val 78713"/>
+            </a:avLst>
+          </a:prstGeom>
+          <a:ln w="31750">
+            <a:solidFill>
+              <a:schemeClr val="tx1"/>
+            </a:solidFill>
+            <a:tailEnd type="triangle"/>
+          </a:ln>
+        </p:spPr>
+        <p:style>
+          <a:lnRef idx="1">
+            <a:schemeClr val="accent1"/>
+          </a:lnRef>
+          <a:fillRef idx="0">
+            <a:schemeClr val="accent1"/>
+          </a:fillRef>
+          <a:effectRef idx="0">
+            <a:schemeClr val="accent1"/>
+          </a:effectRef>
+          <a:fontRef idx="minor">
+            <a:schemeClr val="tx1"/>
+          </a:fontRef>
+        </p:style>
+      </p:cxnSp>
+      <p:sp>
+        <p:nvSpPr>
+          <p:cNvPr id="20" name="Rectangle 19"/>
+          <p:cNvSpPr/>
+          <p:nvPr/>
+        </p:nvSpPr>
+        <p:spPr>
+          <a:xfrm>
+            <a:off x="331807" y="4595336"/>
+            <a:ext cx="2516523" cy="369332"/>
+          </a:xfrm>
+          <a:prstGeom prst="rect">
+            <a:avLst/>
+          </a:prstGeom>
+        </p:spPr>
+        <p:txBody>
+          <a:bodyPr wrap="none">
+            <a:spAutoFit/>
+          </a:bodyPr>
+          <a:lstStyle/>
+          <a:p>
+            <a:r>
+              <a:rPr lang="en-US" dirty="0" smtClean="0"/>
+              <a:t>Depressor Labii Inferioris</a:t>
+            </a:r>
+            <a:endParaRPr lang="en-US" dirty="0"/>
+          </a:p>
+        </p:txBody>
+      </p:sp>
+      <p:cxnSp>
+        <p:nvCxnSpPr>
+          <p:cNvPr id="21" name="Elbow Connector 20"/>
+          <p:cNvCxnSpPr/>
+          <p:nvPr/>
+        </p:nvCxnSpPr>
+        <p:spPr>
+          <a:xfrm flipV="1">
+            <a:off x="2895600" y="4419600"/>
+            <a:ext cx="1342670" cy="360402"/>
+          </a:xfrm>
+          <a:prstGeom prst="bentConnector3">
+            <a:avLst/>
+          </a:prstGeom>
+          <a:ln w="31750">
+            <a:solidFill>
+              <a:schemeClr val="tx1"/>
+            </a:solidFill>
+            <a:tailEnd type="triangle"/>
+          </a:ln>
+        </p:spPr>
+        <p:style>
+          <a:lnRef idx="1">
+            <a:schemeClr val="accent1"/>
+          </a:lnRef>
+          <a:fillRef idx="0">
+            <a:schemeClr val="accent1"/>
+          </a:fillRef>
+          <a:effectRef idx="0">
+            <a:schemeClr val="accent1"/>
+          </a:effectRef>
+          <a:fontRef idx="minor">
+            <a:schemeClr val="tx1"/>
+          </a:fontRef>
+        </p:style>
+      </p:cxnSp>
+      <p:sp>
+        <p:nvSpPr>
+          <p:cNvPr id="26" name="TextBox 25"/>
+          <p:cNvSpPr txBox="1"/>
+          <p:nvPr/>
+        </p:nvSpPr>
+        <p:spPr>
+          <a:xfrm>
+            <a:off x="6324600" y="2583690"/>
+            <a:ext cx="1977208" cy="369332"/>
+          </a:xfrm>
+          <a:prstGeom prst="rect">
+            <a:avLst/>
+          </a:prstGeom>
+          <a:noFill/>
+        </p:spPr>
+        <p:txBody>
+          <a:bodyPr wrap="none" rtlCol="0">
+            <a:spAutoFit/>
+          </a:bodyPr>
+          <a:lstStyle/>
+          <a:p>
+            <a:r>
+              <a:rPr lang="en-US" dirty="0" smtClean="0"/>
+              <a:t>Zygomaticus Minor</a:t>
+            </a:r>
+            <a:endParaRPr lang="en-US" dirty="0"/>
+          </a:p>
+        </p:txBody>
+      </p:sp>
+      <p:cxnSp>
+        <p:nvCxnSpPr>
+          <p:cNvPr id="27" name="Elbow Connector 26"/>
+          <p:cNvCxnSpPr>
+            <a:stCxn id="26" idx="1"/>
+          </p:cNvCxnSpPr>
+          <p:nvPr/>
+        </p:nvCxnSpPr>
+        <p:spPr>
+          <a:xfrm rot="10800000" flipV="1">
+            <a:off x="5334000" y="2768355"/>
+            <a:ext cx="990600" cy="763391"/>
+          </a:xfrm>
+          <a:prstGeom prst="bentConnector3">
+            <a:avLst>
+              <a:gd name="adj1" fmla="val 20789"/>
+            </a:avLst>
+          </a:prstGeom>
+          <a:ln w="31750">
+            <a:solidFill>
+              <a:schemeClr val="tx1"/>
+            </a:solidFill>
+            <a:tailEnd type="triangle"/>
+          </a:ln>
+        </p:spPr>
+        <p:style>
+          <a:lnRef idx="1">
+            <a:schemeClr val="accent1"/>
+          </a:lnRef>
+          <a:fillRef idx="0">
+            <a:schemeClr val="accent1"/>
+          </a:fillRef>
+          <a:effectRef idx="0">
+            <a:schemeClr val="accent1"/>
+          </a:effectRef>
+          <a:fontRef idx="minor">
+            <a:schemeClr val="tx1"/>
+          </a:fontRef>
+        </p:style>
+      </p:cxnSp>
+      <p:sp>
+        <p:nvSpPr>
+          <p:cNvPr id="30" name="TextBox 29"/>
+          <p:cNvSpPr txBox="1"/>
+          <p:nvPr/>
+        </p:nvSpPr>
+        <p:spPr>
+          <a:xfrm>
+            <a:off x="6334218" y="1403866"/>
+            <a:ext cx="1967590" cy="646331"/>
+          </a:xfrm>
+          <a:prstGeom prst="rect">
+            <a:avLst/>
+          </a:prstGeom>
+          <a:noFill/>
+        </p:spPr>
+        <p:txBody>
+          <a:bodyPr wrap="square" rtlCol="0">
+            <a:spAutoFit/>
+          </a:bodyPr>
+          <a:lstStyle/>
+          <a:p>
+            <a:r>
+              <a:rPr lang="en-US" dirty="0" smtClean="0"/>
+              <a:t>Levator Palpebrae Superioris</a:t>
+            </a:r>
+            <a:endParaRPr lang="en-US" dirty="0"/>
+          </a:p>
+        </p:txBody>
+      </p:sp>
+      <p:cxnSp>
+        <p:nvCxnSpPr>
+          <p:cNvPr id="31" name="Elbow Connector 30"/>
+          <p:cNvCxnSpPr>
+            <a:stCxn id="30" idx="1"/>
+          </p:cNvCxnSpPr>
+          <p:nvPr/>
+        </p:nvCxnSpPr>
+        <p:spPr>
+          <a:xfrm rot="10800000" flipV="1">
+            <a:off x="5181600" y="1727032"/>
+            <a:ext cx="1152618" cy="1041322"/>
+          </a:xfrm>
+          <a:prstGeom prst="bentConnector3">
+            <a:avLst>
+              <a:gd name="adj1" fmla="val 27787"/>
+            </a:avLst>
+          </a:prstGeom>
+          <a:ln w="31750">
+            <a:solidFill>
+              <a:schemeClr val="tx1"/>
+            </a:solidFill>
+            <a:tailEnd type="triangle"/>
+          </a:ln>
+        </p:spPr>
+        <p:style>
+          <a:lnRef idx="1">
+            <a:schemeClr val="accent1"/>
+          </a:lnRef>
+          <a:fillRef idx="0">
+            <a:schemeClr val="accent1"/>
+          </a:fillRef>
+          <a:effectRef idx="0">
+            <a:schemeClr val="accent1"/>
+          </a:effectRef>
+          <a:fontRef idx="minor">
+            <a:schemeClr val="tx1"/>
+          </a:fontRef>
+        </p:style>
+      </p:cxnSp>
+    </p:spTree>
+    <p:extLst>
+      <p:ext uri="{BB962C8B-B14F-4D97-AF65-F5344CB8AC3E}">
+        <p14:creationId xmlns:p14="http://schemas.microsoft.com/office/powerpoint/2010/main" val="1499761884"/>
+      </p:ext>
+    </p:extLst>
+  </p:cSld>
+  <p:clrMapOvr>
+    <a:masterClrMapping/>
+  </p:clrMapOvr>
+  <p:timing>
+    <p:tnLst>
+      <p:par>
+        <p:cTn id="1" dur="indefinite" restart="never" nodeType="tmRoot"/>
+      </p:par>
+    </p:tnLst>
+  </p:timing>
 </p:sld>
 </file>
 

--- a/Dissertation/Presentation1.pptx
+++ b/Dissertation/Presentation1.pptx
@@ -10,9 +10,10 @@
     <p:sldId id="257" r:id="rId4"/>
     <p:sldId id="258" r:id="rId5"/>
     <p:sldId id="259" r:id="rId6"/>
-    <p:sldId id="261" r:id="rId7"/>
-    <p:sldId id="262" r:id="rId8"/>
-    <p:sldId id="263" r:id="rId9"/>
+    <p:sldId id="264" r:id="rId7"/>
+    <p:sldId id="261" r:id="rId8"/>
+    <p:sldId id="262" r:id="rId9"/>
+    <p:sldId id="263" r:id="rId10"/>
   </p:sldIdLst>
   <p:sldSz cx="9144000" cy="6858000" type="screen4x3"/>
   <p:notesSz cx="6858000" cy="9144000"/>
@@ -295,7 +296,7 @@
           <a:p>
             <a:fld id="{6D657F06-4D96-43BC-A84C-9C90B530D5F7}" type="datetimeFigureOut">
               <a:rPr lang="en-US" smtClean="0"/>
-              <a:t>1/16/2011</a:t>
+              <a:t>3/3/2011</a:t>
             </a:fld>
             <a:endParaRPr lang="en-US"/>
           </a:p>
@@ -465,7 +466,7 @@
           <a:p>
             <a:fld id="{6D657F06-4D96-43BC-A84C-9C90B530D5F7}" type="datetimeFigureOut">
               <a:rPr lang="en-US" smtClean="0"/>
-              <a:t>1/16/2011</a:t>
+              <a:t>3/3/2011</a:t>
             </a:fld>
             <a:endParaRPr lang="en-US"/>
           </a:p>
@@ -645,7 +646,7 @@
           <a:p>
             <a:fld id="{6D657F06-4D96-43BC-A84C-9C90B530D5F7}" type="datetimeFigureOut">
               <a:rPr lang="en-US" smtClean="0"/>
-              <a:t>1/16/2011</a:t>
+              <a:t>3/3/2011</a:t>
             </a:fld>
             <a:endParaRPr lang="en-US"/>
           </a:p>
@@ -815,7 +816,7 @@
           <a:p>
             <a:fld id="{6D657F06-4D96-43BC-A84C-9C90B530D5F7}" type="datetimeFigureOut">
               <a:rPr lang="en-US" smtClean="0"/>
-              <a:t>1/16/2011</a:t>
+              <a:t>3/3/2011</a:t>
             </a:fld>
             <a:endParaRPr lang="en-US"/>
           </a:p>
@@ -1061,7 +1062,7 @@
           <a:p>
             <a:fld id="{6D657F06-4D96-43BC-A84C-9C90B530D5F7}" type="datetimeFigureOut">
               <a:rPr lang="en-US" smtClean="0"/>
-              <a:t>1/16/2011</a:t>
+              <a:t>3/3/2011</a:t>
             </a:fld>
             <a:endParaRPr lang="en-US"/>
           </a:p>
@@ -1349,7 +1350,7 @@
           <a:p>
             <a:fld id="{6D657F06-4D96-43BC-A84C-9C90B530D5F7}" type="datetimeFigureOut">
               <a:rPr lang="en-US" smtClean="0"/>
-              <a:t>1/16/2011</a:t>
+              <a:t>3/3/2011</a:t>
             </a:fld>
             <a:endParaRPr lang="en-US"/>
           </a:p>
@@ -1771,7 +1772,7 @@
           <a:p>
             <a:fld id="{6D657F06-4D96-43BC-A84C-9C90B530D5F7}" type="datetimeFigureOut">
               <a:rPr lang="en-US" smtClean="0"/>
-              <a:t>1/16/2011</a:t>
+              <a:t>3/3/2011</a:t>
             </a:fld>
             <a:endParaRPr lang="en-US"/>
           </a:p>
@@ -1889,7 +1890,7 @@
           <a:p>
             <a:fld id="{6D657F06-4D96-43BC-A84C-9C90B530D5F7}" type="datetimeFigureOut">
               <a:rPr lang="en-US" smtClean="0"/>
-              <a:t>1/16/2011</a:t>
+              <a:t>3/3/2011</a:t>
             </a:fld>
             <a:endParaRPr lang="en-US"/>
           </a:p>
@@ -1984,7 +1985,7 @@
           <a:p>
             <a:fld id="{6D657F06-4D96-43BC-A84C-9C90B530D5F7}" type="datetimeFigureOut">
               <a:rPr lang="en-US" smtClean="0"/>
-              <a:t>1/16/2011</a:t>
+              <a:t>3/3/2011</a:t>
             </a:fld>
             <a:endParaRPr lang="en-US"/>
           </a:p>
@@ -2261,7 +2262,7 @@
           <a:p>
             <a:fld id="{6D657F06-4D96-43BC-A84C-9C90B530D5F7}" type="datetimeFigureOut">
               <a:rPr lang="en-US" smtClean="0"/>
-              <a:t>1/16/2011</a:t>
+              <a:t>3/3/2011</a:t>
             </a:fld>
             <a:endParaRPr lang="en-US"/>
           </a:p>
@@ -2514,7 +2515,7 @@
           <a:p>
             <a:fld id="{6D657F06-4D96-43BC-A84C-9C90B530D5F7}" type="datetimeFigureOut">
               <a:rPr lang="en-US" smtClean="0"/>
-              <a:t>1/16/2011</a:t>
+              <a:t>3/3/2011</a:t>
             </a:fld>
             <a:endParaRPr lang="en-US"/>
           </a:p>
@@ -2727,7 +2728,7 @@
           <a:p>
             <a:fld id="{6D657F06-4D96-43BC-A84C-9C90B530D5F7}" type="datetimeFigureOut">
               <a:rPr lang="en-US" smtClean="0"/>
-              <a:t>1/16/2011</a:t>
+              <a:t>3/3/2011</a:t>
             </a:fld>
             <a:endParaRPr lang="en-US"/>
           </a:p>
@@ -23838,33 +23839,73 @@
           <a:chExt cx="0" cy="0"/>
         </a:xfrm>
       </p:grpSpPr>
-      <p:sp>
-        <p:nvSpPr>
-          <p:cNvPr id="4" name="Oval 3"/>
+      <p:pic>
+        <p:nvPicPr>
+          <p:cNvPr id="5" name="Picture 4"/>
+          <p:cNvPicPr>
+            <a:picLocks noChangeAspect="1"/>
+          </p:cNvPicPr>
+          <p:nvPr/>
+        </p:nvPicPr>
+        <p:blipFill>
+          <a:blip r:embed="rId2">
+            <a:extLst>
+              <a:ext uri="{28A0092B-C50C-407E-A947-70E740481C1C}">
+                <a14:useLocalDpi xmlns:a14="http://schemas.microsoft.com/office/drawing/2010/main" val="0"/>
+              </a:ext>
+            </a:extLst>
+          </a:blip>
+          <a:stretch>
+            <a:fillRect/>
+          </a:stretch>
+        </p:blipFill>
+        <p:spPr>
+          <a:xfrm>
+            <a:off x="914400" y="895350"/>
+            <a:ext cx="7343775" cy="5067300"/>
+          </a:xfrm>
+          <a:prstGeom prst="rect">
+            <a:avLst/>
+          </a:prstGeom>
+        </p:spPr>
+      </p:pic>
+      <p:sp>
+        <p:nvSpPr>
+          <p:cNvPr id="6" name="Rectangle 5"/>
           <p:cNvSpPr/>
           <p:nvPr/>
         </p:nvSpPr>
         <p:spPr>
           <a:xfrm>
-            <a:off x="3733800" y="2251953"/>
-            <a:ext cx="1219200" cy="1219200"/>
-          </a:xfrm>
-          <a:prstGeom prst="ellipse">
-            <a:avLst/>
-          </a:prstGeom>
-        </p:spPr>
-        <p:style>
-          <a:lnRef idx="1">
-            <a:schemeClr val="accent5"/>
-          </a:lnRef>
-          <a:fillRef idx="2">
-            <a:schemeClr val="accent5"/>
-          </a:fillRef>
-          <a:effectRef idx="1">
-            <a:schemeClr val="accent5"/>
-          </a:effectRef>
-          <a:fontRef idx="minor">
-            <a:schemeClr val="dk1"/>
+            <a:off x="2072030" y="1981200"/>
+            <a:ext cx="838200" cy="3429000"/>
+          </a:xfrm>
+          <a:prstGeom prst="rect">
+            <a:avLst/>
+          </a:prstGeom>
+          <a:solidFill>
+            <a:schemeClr val="accent1">
+              <a:alpha val="20000"/>
+            </a:schemeClr>
+          </a:solidFill>
+          <a:ln>
+            <a:noFill/>
+          </a:ln>
+        </p:spPr>
+        <p:style>
+          <a:lnRef idx="2">
+            <a:schemeClr val="accent1">
+              <a:shade val="50000"/>
+            </a:schemeClr>
+          </a:lnRef>
+          <a:fillRef idx="1">
+            <a:schemeClr val="accent1"/>
+          </a:fillRef>
+          <a:effectRef idx="0">
+            <a:schemeClr val="accent1"/>
+          </a:effectRef>
+          <a:fontRef idx="minor">
+            <a:schemeClr val="lt1"/>
           </a:fontRef>
         </p:style>
         <p:txBody>
@@ -23872,34 +23913,44 @@
           <a:lstStyle/>
           <a:p>
             <a:pPr algn="ctr"/>
-            <a:endParaRPr lang="en-US" dirty="0"/>
-          </a:p>
-        </p:txBody>
-      </p:sp>
-      <p:sp>
-        <p:nvSpPr>
-          <p:cNvPr id="5" name="Oval 4"/>
+            <a:endParaRPr lang="en-US"/>
+          </a:p>
+        </p:txBody>
+      </p:sp>
+      <p:sp>
+        <p:nvSpPr>
+          <p:cNvPr id="7" name="Rectangle 6"/>
           <p:cNvSpPr/>
           <p:nvPr/>
         </p:nvSpPr>
         <p:spPr>
           <a:xfrm>
-            <a:off x="1729902" y="1008434"/>
-            <a:ext cx="609600" cy="609600"/>
-          </a:xfrm>
-          <a:prstGeom prst="ellipse">
-            <a:avLst/>
-          </a:prstGeom>
-        </p:spPr>
-        <p:style>
-          <a:lnRef idx="1">
-            <a:schemeClr val="accent2"/>
-          </a:lnRef>
-          <a:fillRef idx="3">
-            <a:schemeClr val="accent2"/>
-          </a:fillRef>
-          <a:effectRef idx="2">
-            <a:schemeClr val="accent2"/>
+            <a:off x="2895600" y="1969009"/>
+            <a:ext cx="838200" cy="3429000"/>
+          </a:xfrm>
+          <a:prstGeom prst="rect">
+            <a:avLst/>
+          </a:prstGeom>
+          <a:solidFill>
+            <a:schemeClr val="accent1">
+              <a:alpha val="20000"/>
+            </a:schemeClr>
+          </a:solidFill>
+          <a:ln>
+            <a:noFill/>
+          </a:ln>
+        </p:spPr>
+        <p:style>
+          <a:lnRef idx="2">
+            <a:schemeClr val="accent1">
+              <a:shade val="50000"/>
+            </a:schemeClr>
+          </a:lnRef>
+          <a:fillRef idx="1">
+            <a:schemeClr val="accent1"/>
+          </a:fillRef>
+          <a:effectRef idx="0">
+            <a:schemeClr val="accent1"/>
           </a:effectRef>
           <a:fontRef idx="minor">
             <a:schemeClr val="lt1"/>
@@ -23916,28 +23967,38 @@
       </p:sp>
       <p:sp>
         <p:nvSpPr>
-          <p:cNvPr id="6" name="Oval 5"/>
+          <p:cNvPr id="8" name="Rectangle 7"/>
           <p:cNvSpPr/>
           <p:nvPr/>
         </p:nvSpPr>
         <p:spPr>
           <a:xfrm>
-            <a:off x="2514600" y="1008434"/>
-            <a:ext cx="609600" cy="609600"/>
-          </a:xfrm>
-          <a:prstGeom prst="ellipse">
-            <a:avLst/>
-          </a:prstGeom>
-        </p:spPr>
-        <p:style>
-          <a:lnRef idx="1">
-            <a:schemeClr val="accent2"/>
-          </a:lnRef>
-          <a:fillRef idx="3">
-            <a:schemeClr val="accent2"/>
-          </a:fillRef>
-          <a:effectRef idx="2">
-            <a:schemeClr val="accent2"/>
+            <a:off x="3733800" y="1981200"/>
+            <a:ext cx="762000" cy="3429000"/>
+          </a:xfrm>
+          <a:prstGeom prst="rect">
+            <a:avLst/>
+          </a:prstGeom>
+          <a:solidFill>
+            <a:schemeClr val="accent1">
+              <a:alpha val="20000"/>
+            </a:schemeClr>
+          </a:solidFill>
+          <a:ln>
+            <a:noFill/>
+          </a:ln>
+        </p:spPr>
+        <p:style>
+          <a:lnRef idx="2">
+            <a:schemeClr val="accent1">
+              <a:shade val="50000"/>
+            </a:schemeClr>
+          </a:lnRef>
+          <a:fillRef idx="1">
+            <a:schemeClr val="accent1"/>
+          </a:fillRef>
+          <a:effectRef idx="0">
+            <a:schemeClr val="accent1"/>
           </a:effectRef>
           <a:fontRef idx="minor">
             <a:schemeClr val="lt1"/>
@@ -23954,28 +24015,38 @@
       </p:sp>
       <p:sp>
         <p:nvSpPr>
-          <p:cNvPr id="7" name="Oval 6"/>
+          <p:cNvPr id="9" name="Rectangle 8"/>
           <p:cNvSpPr/>
           <p:nvPr/>
         </p:nvSpPr>
         <p:spPr>
           <a:xfrm>
-            <a:off x="3352800" y="1006813"/>
-            <a:ext cx="609600" cy="609600"/>
-          </a:xfrm>
-          <a:prstGeom prst="ellipse">
-            <a:avLst/>
-          </a:prstGeom>
-        </p:spPr>
-        <p:style>
-          <a:lnRef idx="1">
-            <a:schemeClr val="accent2"/>
-          </a:lnRef>
-          <a:fillRef idx="3">
-            <a:schemeClr val="accent2"/>
-          </a:fillRef>
-          <a:effectRef idx="2">
-            <a:schemeClr val="accent2"/>
+            <a:off x="4557370" y="1969009"/>
+            <a:ext cx="838200" cy="3429000"/>
+          </a:xfrm>
+          <a:prstGeom prst="rect">
+            <a:avLst/>
+          </a:prstGeom>
+          <a:solidFill>
+            <a:schemeClr val="accent1">
+              <a:alpha val="20000"/>
+            </a:schemeClr>
+          </a:solidFill>
+          <a:ln>
+            <a:noFill/>
+          </a:ln>
+        </p:spPr>
+        <p:style>
+          <a:lnRef idx="2">
+            <a:schemeClr val="accent1">
+              <a:shade val="50000"/>
+            </a:schemeClr>
+          </a:lnRef>
+          <a:fillRef idx="1">
+            <a:schemeClr val="accent1"/>
+          </a:fillRef>
+          <a:effectRef idx="0">
+            <a:schemeClr val="accent1"/>
           </a:effectRef>
           <a:fontRef idx="minor">
             <a:schemeClr val="lt1"/>
@@ -23992,31 +24063,41 @@
       </p:sp>
       <p:sp>
         <p:nvSpPr>
-          <p:cNvPr id="8" name="Rounded Rectangle 7"/>
+          <p:cNvPr id="10" name="Rectangle 9"/>
           <p:cNvSpPr/>
           <p:nvPr/>
         </p:nvSpPr>
         <p:spPr>
           <a:xfrm>
-            <a:off x="2286000" y="2480553"/>
-            <a:ext cx="1066800" cy="762000"/>
-          </a:xfrm>
-          <a:prstGeom prst="roundRect">
-            <a:avLst/>
-          </a:prstGeom>
-        </p:spPr>
-        <p:style>
-          <a:lnRef idx="1">
-            <a:schemeClr val="accent6"/>
-          </a:lnRef>
-          <a:fillRef idx="2">
-            <a:schemeClr val="accent6"/>
-          </a:fillRef>
-          <a:effectRef idx="1">
-            <a:schemeClr val="accent6"/>
-          </a:effectRef>
-          <a:fontRef idx="minor">
-            <a:schemeClr val="dk1"/>
+            <a:off x="5361128" y="1981200"/>
+            <a:ext cx="838200" cy="3429000"/>
+          </a:xfrm>
+          <a:prstGeom prst="rect">
+            <a:avLst/>
+          </a:prstGeom>
+          <a:solidFill>
+            <a:schemeClr val="accent1">
+              <a:alpha val="20000"/>
+            </a:schemeClr>
+          </a:solidFill>
+          <a:ln>
+            <a:noFill/>
+          </a:ln>
+        </p:spPr>
+        <p:style>
+          <a:lnRef idx="2">
+            <a:schemeClr val="accent1">
+              <a:shade val="50000"/>
+            </a:schemeClr>
+          </a:lnRef>
+          <a:fillRef idx="1">
+            <a:schemeClr val="accent1"/>
+          </a:fillRef>
+          <a:effectRef idx="0">
+            <a:schemeClr val="accent1"/>
+          </a:effectRef>
+          <a:fontRef idx="minor">
+            <a:schemeClr val="lt1"/>
           </a:fontRef>
         </p:style>
         <p:txBody>
@@ -24030,31 +24111,41 @@
       </p:sp>
       <p:sp>
         <p:nvSpPr>
-          <p:cNvPr id="9" name="Rounded Rectangle 8"/>
+          <p:cNvPr id="11" name="Rectangle 10"/>
           <p:cNvSpPr/>
           <p:nvPr/>
         </p:nvSpPr>
         <p:spPr>
           <a:xfrm>
-            <a:off x="5257800" y="2480553"/>
-            <a:ext cx="1066800" cy="762000"/>
-          </a:xfrm>
-          <a:prstGeom prst="roundRect">
-            <a:avLst/>
-          </a:prstGeom>
-        </p:spPr>
-        <p:style>
-          <a:lnRef idx="1">
-            <a:schemeClr val="accent6"/>
-          </a:lnRef>
-          <a:fillRef idx="2">
-            <a:schemeClr val="accent6"/>
-          </a:fillRef>
-          <a:effectRef idx="1">
-            <a:schemeClr val="accent6"/>
-          </a:effectRef>
-          <a:fontRef idx="minor">
-            <a:schemeClr val="dk1"/>
+            <a:off x="6184698" y="1969009"/>
+            <a:ext cx="838200" cy="3429000"/>
+          </a:xfrm>
+          <a:prstGeom prst="rect">
+            <a:avLst/>
+          </a:prstGeom>
+          <a:solidFill>
+            <a:schemeClr val="accent1">
+              <a:alpha val="20000"/>
+            </a:schemeClr>
+          </a:solidFill>
+          <a:ln>
+            <a:noFill/>
+          </a:ln>
+        </p:spPr>
+        <p:style>
+          <a:lnRef idx="2">
+            <a:schemeClr val="accent1">
+              <a:shade val="50000"/>
+            </a:schemeClr>
+          </a:lnRef>
+          <a:fillRef idx="1">
+            <a:schemeClr val="accent1"/>
+          </a:fillRef>
+          <a:effectRef idx="0">
+            <a:schemeClr val="accent1"/>
+          </a:effectRef>
+          <a:fontRef idx="minor">
+            <a:schemeClr val="lt1"/>
           </a:fontRef>
         </p:style>
         <p:txBody>
@@ -24066,755 +24157,10 @@
           </a:p>
         </p:txBody>
       </p:sp>
-      <p:cxnSp>
-        <p:nvCxnSpPr>
-          <p:cNvPr id="13" name="Elbow Connector 12"/>
-          <p:cNvCxnSpPr>
-            <a:stCxn id="5" idx="4"/>
-            <a:endCxn id="8" idx="0"/>
-          </p:cNvCxnSpPr>
-          <p:nvPr/>
-        </p:nvCxnSpPr>
-        <p:spPr>
-          <a:xfrm rot="16200000" flipH="1">
-            <a:off x="1995792" y="1656944"/>
-            <a:ext cx="862519" cy="784698"/>
-          </a:xfrm>
-          <a:prstGeom prst="bentConnector3">
-            <a:avLst/>
-          </a:prstGeom>
-          <a:ln w="28575">
-            <a:solidFill>
-              <a:schemeClr val="tx1"/>
-            </a:solidFill>
-            <a:tailEnd type="stealth"/>
-          </a:ln>
-        </p:spPr>
-        <p:style>
-          <a:lnRef idx="1">
-            <a:schemeClr val="accent1"/>
-          </a:lnRef>
-          <a:fillRef idx="0">
-            <a:schemeClr val="accent1"/>
-          </a:fillRef>
-          <a:effectRef idx="0">
-            <a:schemeClr val="accent1"/>
-          </a:effectRef>
-          <a:fontRef idx="minor">
-            <a:schemeClr val="tx1"/>
-          </a:fontRef>
-        </p:style>
-      </p:cxnSp>
-      <p:cxnSp>
-        <p:nvCxnSpPr>
-          <p:cNvPr id="17" name="Elbow Connector 16"/>
-          <p:cNvCxnSpPr>
-            <a:stCxn id="7" idx="4"/>
-            <a:endCxn id="8" idx="0"/>
-          </p:cNvCxnSpPr>
-          <p:nvPr/>
-        </p:nvCxnSpPr>
-        <p:spPr>
-          <a:xfrm rot="5400000">
-            <a:off x="2806430" y="1629383"/>
-            <a:ext cx="864140" cy="838200"/>
-          </a:xfrm>
-          <a:prstGeom prst="bentConnector3">
-            <a:avLst/>
-          </a:prstGeom>
-          <a:ln w="28575">
-            <a:solidFill>
-              <a:schemeClr val="tx1"/>
-            </a:solidFill>
-            <a:tailEnd type="stealth"/>
-          </a:ln>
-        </p:spPr>
-        <p:style>
-          <a:lnRef idx="1">
-            <a:schemeClr val="accent1"/>
-          </a:lnRef>
-          <a:fillRef idx="0">
-            <a:schemeClr val="accent1"/>
-          </a:fillRef>
-          <a:effectRef idx="0">
-            <a:schemeClr val="accent1"/>
-          </a:effectRef>
-          <a:fontRef idx="minor">
-            <a:schemeClr val="tx1"/>
-          </a:fontRef>
-        </p:style>
-      </p:cxnSp>
-      <p:cxnSp>
-        <p:nvCxnSpPr>
-          <p:cNvPr id="19" name="Straight Arrow Connector 18"/>
-          <p:cNvCxnSpPr>
-            <a:stCxn id="6" idx="4"/>
-            <a:endCxn id="8" idx="0"/>
-          </p:cNvCxnSpPr>
-          <p:nvPr/>
-        </p:nvCxnSpPr>
-        <p:spPr>
-          <a:xfrm>
-            <a:off x="2819400" y="1618034"/>
-            <a:ext cx="0" cy="862519"/>
-          </a:xfrm>
-          <a:prstGeom prst="straightConnector1">
-            <a:avLst/>
-          </a:prstGeom>
-          <a:ln w="28575">
-            <a:solidFill>
-              <a:schemeClr val="tx1"/>
-            </a:solidFill>
-            <a:tailEnd type="stealth"/>
-          </a:ln>
-        </p:spPr>
-        <p:style>
-          <a:lnRef idx="1">
-            <a:schemeClr val="accent1"/>
-          </a:lnRef>
-          <a:fillRef idx="0">
-            <a:schemeClr val="accent1"/>
-          </a:fillRef>
-          <a:effectRef idx="0">
-            <a:schemeClr val="accent1"/>
-          </a:effectRef>
-          <a:fontRef idx="minor">
-            <a:schemeClr val="tx1"/>
-          </a:fontRef>
-        </p:style>
-      </p:cxnSp>
-      <p:cxnSp>
-        <p:nvCxnSpPr>
-          <p:cNvPr id="21" name="Straight Arrow Connector 20"/>
-          <p:cNvCxnSpPr>
-            <a:stCxn id="8" idx="3"/>
-            <a:endCxn id="4" idx="2"/>
-          </p:cNvCxnSpPr>
-          <p:nvPr/>
-        </p:nvCxnSpPr>
-        <p:spPr>
-          <a:xfrm>
-            <a:off x="3352800" y="2861553"/>
-            <a:ext cx="381000" cy="0"/>
-          </a:xfrm>
-          <a:prstGeom prst="straightConnector1">
-            <a:avLst/>
-          </a:prstGeom>
-          <a:ln w="25400">
-            <a:solidFill>
-              <a:schemeClr val="tx1"/>
-            </a:solidFill>
-            <a:tailEnd type="stealth"/>
-          </a:ln>
-        </p:spPr>
-        <p:style>
-          <a:lnRef idx="1">
-            <a:schemeClr val="accent1"/>
-          </a:lnRef>
-          <a:fillRef idx="0">
-            <a:schemeClr val="accent1"/>
-          </a:fillRef>
-          <a:effectRef idx="0">
-            <a:schemeClr val="accent1"/>
-          </a:effectRef>
-          <a:fontRef idx="minor">
-            <a:schemeClr val="tx1"/>
-          </a:fontRef>
-        </p:style>
-      </p:cxnSp>
-      <p:cxnSp>
-        <p:nvCxnSpPr>
-          <p:cNvPr id="23" name="Straight Arrow Connector 22"/>
-          <p:cNvCxnSpPr>
-            <a:stCxn id="4" idx="6"/>
-            <a:endCxn id="9" idx="1"/>
-          </p:cNvCxnSpPr>
-          <p:nvPr/>
-        </p:nvCxnSpPr>
-        <p:spPr>
-          <a:xfrm>
-            <a:off x="4953000" y="2861553"/>
-            <a:ext cx="304800" cy="0"/>
-          </a:xfrm>
-          <a:prstGeom prst="straightConnector1">
-            <a:avLst/>
-          </a:prstGeom>
-          <a:ln w="25400">
-            <a:solidFill>
-              <a:schemeClr val="tx1"/>
-            </a:solidFill>
-            <a:tailEnd type="stealth"/>
-          </a:ln>
-        </p:spPr>
-        <p:style>
-          <a:lnRef idx="1">
-            <a:schemeClr val="accent1"/>
-          </a:lnRef>
-          <a:fillRef idx="0">
-            <a:schemeClr val="accent1"/>
-          </a:fillRef>
-          <a:effectRef idx="0">
-            <a:schemeClr val="accent1"/>
-          </a:effectRef>
-          <a:fontRef idx="minor">
-            <a:schemeClr val="tx1"/>
-          </a:fontRef>
-        </p:style>
-      </p:cxnSp>
-      <p:sp>
-        <p:nvSpPr>
-          <p:cNvPr id="24" name="Oval 23"/>
-          <p:cNvSpPr/>
-          <p:nvPr/>
-        </p:nvSpPr>
-        <p:spPr>
-          <a:xfrm>
-            <a:off x="5068112" y="3737042"/>
-            <a:ext cx="609600" cy="609600"/>
-          </a:xfrm>
-          <a:prstGeom prst="ellipse">
-            <a:avLst/>
-          </a:prstGeom>
-        </p:spPr>
-        <p:style>
-          <a:lnRef idx="1">
-            <a:schemeClr val="accent2"/>
-          </a:lnRef>
-          <a:fillRef idx="3">
-            <a:schemeClr val="accent2"/>
-          </a:fillRef>
-          <a:effectRef idx="2">
-            <a:schemeClr val="accent2"/>
-          </a:effectRef>
-          <a:fontRef idx="minor">
-            <a:schemeClr val="lt1"/>
-          </a:fontRef>
-        </p:style>
-        <p:txBody>
-          <a:bodyPr rtlCol="0" anchor="ctr"/>
-          <a:lstStyle/>
-          <a:p>
-            <a:pPr algn="ctr"/>
-            <a:endParaRPr lang="en-US"/>
-          </a:p>
-        </p:txBody>
-      </p:sp>
-      <p:sp>
-        <p:nvSpPr>
-          <p:cNvPr id="25" name="Oval 24"/>
-          <p:cNvSpPr/>
-          <p:nvPr/>
-        </p:nvSpPr>
-        <p:spPr>
-          <a:xfrm>
-            <a:off x="5906312" y="3735421"/>
-            <a:ext cx="609600" cy="609600"/>
-          </a:xfrm>
-          <a:prstGeom prst="ellipse">
-            <a:avLst/>
-          </a:prstGeom>
-        </p:spPr>
-        <p:style>
-          <a:lnRef idx="1">
-            <a:schemeClr val="accent2"/>
-          </a:lnRef>
-          <a:fillRef idx="3">
-            <a:schemeClr val="accent2"/>
-          </a:fillRef>
-          <a:effectRef idx="2">
-            <a:schemeClr val="accent2"/>
-          </a:effectRef>
-          <a:fontRef idx="minor">
-            <a:schemeClr val="lt1"/>
-          </a:fontRef>
-        </p:style>
-        <p:txBody>
-          <a:bodyPr rtlCol="0" anchor="ctr"/>
-          <a:lstStyle/>
-          <a:p>
-            <a:pPr algn="ctr"/>
-            <a:endParaRPr lang="en-US"/>
-          </a:p>
-        </p:txBody>
-      </p:sp>
-      <p:cxnSp>
-        <p:nvCxnSpPr>
-          <p:cNvPr id="27" name="Elbow Connector 26"/>
-          <p:cNvCxnSpPr>
-            <a:stCxn id="9" idx="2"/>
-            <a:endCxn id="25" idx="0"/>
-          </p:cNvCxnSpPr>
-          <p:nvPr/>
-        </p:nvCxnSpPr>
-        <p:spPr>
-          <a:xfrm rot="16200000" flipH="1">
-            <a:off x="5754722" y="3279031"/>
-            <a:ext cx="492868" cy="419912"/>
-          </a:xfrm>
-          <a:prstGeom prst="bentConnector3">
-            <a:avLst/>
-          </a:prstGeom>
-          <a:ln w="25400">
-            <a:solidFill>
-              <a:schemeClr val="tx1"/>
-            </a:solidFill>
-            <a:tailEnd type="stealth"/>
-          </a:ln>
-        </p:spPr>
-        <p:style>
-          <a:lnRef idx="1">
-            <a:schemeClr val="accent1"/>
-          </a:lnRef>
-          <a:fillRef idx="0">
-            <a:schemeClr val="accent1"/>
-          </a:fillRef>
-          <a:effectRef idx="0">
-            <a:schemeClr val="accent1"/>
-          </a:effectRef>
-          <a:fontRef idx="minor">
-            <a:schemeClr val="tx1"/>
-          </a:fontRef>
-        </p:style>
-      </p:cxnSp>
-      <p:cxnSp>
-        <p:nvCxnSpPr>
-          <p:cNvPr id="29" name="Elbow Connector 28"/>
-          <p:cNvCxnSpPr>
-            <a:stCxn id="9" idx="2"/>
-            <a:endCxn id="24" idx="0"/>
-          </p:cNvCxnSpPr>
-          <p:nvPr/>
-        </p:nvCxnSpPr>
-        <p:spPr>
-          <a:xfrm rot="5400000">
-            <a:off x="5334812" y="3280653"/>
-            <a:ext cx="494489" cy="418288"/>
-          </a:xfrm>
-          <a:prstGeom prst="bentConnector3">
-            <a:avLst/>
-          </a:prstGeom>
-          <a:ln w="25400">
-            <a:solidFill>
-              <a:schemeClr val="tx1"/>
-            </a:solidFill>
-            <a:tailEnd type="stealth"/>
-          </a:ln>
-        </p:spPr>
-        <p:style>
-          <a:lnRef idx="1">
-            <a:schemeClr val="accent1"/>
-          </a:lnRef>
-          <a:fillRef idx="0">
-            <a:schemeClr val="accent1"/>
-          </a:fillRef>
-          <a:effectRef idx="0">
-            <a:schemeClr val="accent1"/>
-          </a:effectRef>
-          <a:fontRef idx="minor">
-            <a:schemeClr val="tx1"/>
-          </a:fontRef>
-        </p:style>
-      </p:cxnSp>
-      <p:sp>
-        <p:nvSpPr>
-          <p:cNvPr id="30" name="TextBox 29"/>
-          <p:cNvSpPr txBox="1"/>
-          <p:nvPr/>
-        </p:nvSpPr>
-        <p:spPr>
-          <a:xfrm>
-            <a:off x="3795407" y="2480553"/>
-            <a:ext cx="1086257" cy="738664"/>
-          </a:xfrm>
-          <a:prstGeom prst="rect">
-            <a:avLst/>
-          </a:prstGeom>
-          <a:noFill/>
-        </p:spPr>
-        <p:txBody>
-          <a:bodyPr wrap="square" rtlCol="0">
-            <a:spAutoFit/>
-          </a:bodyPr>
-          <a:lstStyle/>
-          <a:p>
-            <a:pPr algn="ctr"/>
-            <a:r>
-              <a:rPr lang="en-US" sz="1400" dirty="0" smtClean="0"/>
-              <a:t>Social Interaction Assistant</a:t>
-            </a:r>
-            <a:endParaRPr lang="en-US" sz="1400" dirty="0"/>
-          </a:p>
-        </p:txBody>
-      </p:sp>
-      <p:sp>
-        <p:nvSpPr>
-          <p:cNvPr id="32" name="TextBox 31"/>
-          <p:cNvSpPr txBox="1"/>
-          <p:nvPr/>
-        </p:nvSpPr>
-        <p:spPr>
-          <a:xfrm>
-            <a:off x="2276271" y="2676540"/>
-            <a:ext cx="1086257" cy="307777"/>
-          </a:xfrm>
-          <a:prstGeom prst="rect">
-            <a:avLst/>
-          </a:prstGeom>
-          <a:noFill/>
-        </p:spPr>
-        <p:txBody>
-          <a:bodyPr wrap="square" rtlCol="0">
-            <a:spAutoFit/>
-          </a:bodyPr>
-          <a:lstStyle/>
-          <a:p>
-            <a:pPr algn="ctr"/>
-            <a:r>
-              <a:rPr lang="en-US" sz="1400" dirty="0" smtClean="0"/>
-              <a:t>Sensor Suite</a:t>
-            </a:r>
-            <a:endParaRPr lang="en-US" sz="1400" dirty="0"/>
-          </a:p>
-        </p:txBody>
-      </p:sp>
-      <p:sp>
-        <p:nvSpPr>
-          <p:cNvPr id="33" name="TextBox 32"/>
-          <p:cNvSpPr txBox="1"/>
-          <p:nvPr/>
-        </p:nvSpPr>
-        <p:spPr>
-          <a:xfrm>
-            <a:off x="5248071" y="2569720"/>
-            <a:ext cx="1086257" cy="523220"/>
-          </a:xfrm>
-          <a:prstGeom prst="rect">
-            <a:avLst/>
-          </a:prstGeom>
-          <a:noFill/>
-        </p:spPr>
-        <p:txBody>
-          <a:bodyPr wrap="square" rtlCol="0">
-            <a:spAutoFit/>
-          </a:bodyPr>
-          <a:lstStyle/>
-          <a:p>
-            <a:pPr algn="ctr"/>
-            <a:r>
-              <a:rPr lang="en-US" sz="1400" dirty="0" smtClean="0"/>
-              <a:t>Actuator Suite</a:t>
-            </a:r>
-            <a:endParaRPr lang="en-US" sz="1400" dirty="0"/>
-          </a:p>
-        </p:txBody>
-      </p:sp>
-      <p:sp>
-        <p:nvSpPr>
-          <p:cNvPr id="34" name="TextBox 33"/>
-          <p:cNvSpPr txBox="1"/>
-          <p:nvPr/>
-        </p:nvSpPr>
-        <p:spPr>
-          <a:xfrm>
-            <a:off x="1676400" y="1157724"/>
-            <a:ext cx="685800" cy="307777"/>
-          </a:xfrm>
-          <a:prstGeom prst="rect">
-            <a:avLst/>
-          </a:prstGeom>
-          <a:noFill/>
-        </p:spPr>
-        <p:txBody>
-          <a:bodyPr wrap="square" rtlCol="0">
-            <a:spAutoFit/>
-          </a:bodyPr>
-          <a:lstStyle/>
-          <a:p>
-            <a:pPr algn="ctr"/>
-            <a:r>
-              <a:rPr lang="en-US" sz="1400" dirty="0" smtClean="0">
-                <a:solidFill>
-                  <a:schemeClr val="bg1"/>
-                </a:solidFill>
-              </a:rPr>
-              <a:t>Visual</a:t>
-            </a:r>
-            <a:endParaRPr lang="en-US" sz="1400" dirty="0">
-              <a:solidFill>
-                <a:schemeClr val="bg1"/>
-              </a:solidFill>
-            </a:endParaRPr>
-          </a:p>
-        </p:txBody>
-      </p:sp>
-      <p:sp>
-        <p:nvSpPr>
-          <p:cNvPr id="35" name="TextBox 34"/>
-          <p:cNvSpPr txBox="1"/>
-          <p:nvPr/>
-        </p:nvSpPr>
-        <p:spPr>
-          <a:xfrm>
-            <a:off x="2485416" y="1152728"/>
-            <a:ext cx="685800" cy="307777"/>
-          </a:xfrm>
-          <a:prstGeom prst="rect">
-            <a:avLst/>
-          </a:prstGeom>
-          <a:noFill/>
-        </p:spPr>
-        <p:txBody>
-          <a:bodyPr wrap="square" rtlCol="0">
-            <a:spAutoFit/>
-          </a:bodyPr>
-          <a:lstStyle/>
-          <a:p>
-            <a:pPr algn="ctr"/>
-            <a:r>
-              <a:rPr lang="en-US" sz="1400" dirty="0" smtClean="0">
-                <a:solidFill>
-                  <a:schemeClr val="bg1"/>
-                </a:solidFill>
-              </a:rPr>
-              <a:t>Audio</a:t>
-            </a:r>
-            <a:endParaRPr lang="en-US" sz="1400" dirty="0">
-              <a:solidFill>
-                <a:schemeClr val="bg1"/>
-              </a:solidFill>
-            </a:endParaRPr>
-          </a:p>
-        </p:txBody>
-      </p:sp>
-      <p:sp>
-        <p:nvSpPr>
-          <p:cNvPr id="36" name="TextBox 35"/>
-          <p:cNvSpPr txBox="1"/>
-          <p:nvPr/>
-        </p:nvSpPr>
-        <p:spPr>
-          <a:xfrm>
-            <a:off x="3285516" y="1149617"/>
-            <a:ext cx="800100" cy="307777"/>
-          </a:xfrm>
-          <a:prstGeom prst="rect">
-            <a:avLst/>
-          </a:prstGeom>
-          <a:noFill/>
-        </p:spPr>
-        <p:txBody>
-          <a:bodyPr wrap="square" rtlCol="0">
-            <a:spAutoFit/>
-          </a:bodyPr>
-          <a:lstStyle/>
-          <a:p>
-            <a:pPr algn="ctr"/>
-            <a:r>
-              <a:rPr lang="en-US" sz="1400" dirty="0" smtClean="0">
-                <a:solidFill>
-                  <a:schemeClr val="bg1"/>
-                </a:solidFill>
-              </a:rPr>
-              <a:t>Motion</a:t>
-            </a:r>
-            <a:endParaRPr lang="en-US" sz="1400" dirty="0">
-              <a:solidFill>
-                <a:schemeClr val="bg1"/>
-              </a:solidFill>
-            </a:endParaRPr>
-          </a:p>
-        </p:txBody>
-      </p:sp>
-      <p:sp>
-        <p:nvSpPr>
-          <p:cNvPr id="37" name="TextBox 36"/>
-          <p:cNvSpPr txBox="1"/>
-          <p:nvPr/>
-        </p:nvSpPr>
-        <p:spPr>
-          <a:xfrm>
-            <a:off x="5040552" y="3866876"/>
-            <a:ext cx="685800" cy="307777"/>
-          </a:xfrm>
-          <a:prstGeom prst="rect">
-            <a:avLst/>
-          </a:prstGeom>
-          <a:noFill/>
-        </p:spPr>
-        <p:txBody>
-          <a:bodyPr wrap="square" rtlCol="0">
-            <a:spAutoFit/>
-          </a:bodyPr>
-          <a:lstStyle/>
-          <a:p>
-            <a:pPr algn="ctr"/>
-            <a:r>
-              <a:rPr lang="en-US" sz="1400" dirty="0" smtClean="0">
-                <a:solidFill>
-                  <a:schemeClr val="bg1"/>
-                </a:solidFill>
-              </a:rPr>
-              <a:t>Haptic</a:t>
-            </a:r>
-            <a:endParaRPr lang="en-US" sz="1400" dirty="0">
-              <a:solidFill>
-                <a:schemeClr val="bg1"/>
-              </a:solidFill>
-            </a:endParaRPr>
-          </a:p>
-        </p:txBody>
-      </p:sp>
-      <p:sp>
-        <p:nvSpPr>
-          <p:cNvPr id="38" name="TextBox 37"/>
-          <p:cNvSpPr txBox="1"/>
-          <p:nvPr/>
-        </p:nvSpPr>
-        <p:spPr>
-          <a:xfrm>
-            <a:off x="5849568" y="3861880"/>
-            <a:ext cx="685800" cy="307777"/>
-          </a:xfrm>
-          <a:prstGeom prst="rect">
-            <a:avLst/>
-          </a:prstGeom>
-          <a:noFill/>
-        </p:spPr>
-        <p:txBody>
-          <a:bodyPr wrap="square" rtlCol="0">
-            <a:spAutoFit/>
-          </a:bodyPr>
-          <a:lstStyle/>
-          <a:p>
-            <a:pPr algn="ctr"/>
-            <a:r>
-              <a:rPr lang="en-US" sz="1400" dirty="0" smtClean="0">
-                <a:solidFill>
-                  <a:schemeClr val="bg1"/>
-                </a:solidFill>
-              </a:rPr>
-              <a:t>Audio</a:t>
-            </a:r>
-            <a:endParaRPr lang="en-US" sz="1400" dirty="0">
-              <a:solidFill>
-                <a:schemeClr val="bg1"/>
-              </a:solidFill>
-            </a:endParaRPr>
-          </a:p>
-        </p:txBody>
-      </p:sp>
-      <p:sp>
-        <p:nvSpPr>
-          <p:cNvPr id="39" name="Oval 38"/>
-          <p:cNvSpPr/>
-          <p:nvPr/>
-        </p:nvSpPr>
-        <p:spPr>
-          <a:xfrm>
-            <a:off x="2362200" y="3505200"/>
-            <a:ext cx="1323366" cy="568713"/>
-          </a:xfrm>
-          <a:prstGeom prst="ellipse">
-            <a:avLst/>
-          </a:prstGeom>
-        </p:spPr>
-        <p:style>
-          <a:lnRef idx="1">
-            <a:schemeClr val="accent4"/>
-          </a:lnRef>
-          <a:fillRef idx="2">
-            <a:schemeClr val="accent4"/>
-          </a:fillRef>
-          <a:effectRef idx="1">
-            <a:schemeClr val="accent4"/>
-          </a:effectRef>
-          <a:fontRef idx="minor">
-            <a:schemeClr val="dk1"/>
-          </a:fontRef>
-        </p:style>
-        <p:txBody>
-          <a:bodyPr rtlCol="0" anchor="ctr"/>
-          <a:lstStyle/>
-          <a:p>
-            <a:pPr algn="ctr"/>
-            <a:endParaRPr lang="en-US"/>
-          </a:p>
-        </p:txBody>
-      </p:sp>
-      <p:sp>
-        <p:nvSpPr>
-          <p:cNvPr id="40" name="TextBox 39"/>
-          <p:cNvSpPr txBox="1"/>
-          <p:nvPr/>
-        </p:nvSpPr>
-        <p:spPr>
-          <a:xfrm>
-            <a:off x="2467583" y="3625439"/>
-            <a:ext cx="1086257" cy="307777"/>
-          </a:xfrm>
-          <a:prstGeom prst="rect">
-            <a:avLst/>
-          </a:prstGeom>
-          <a:noFill/>
-        </p:spPr>
-        <p:txBody>
-          <a:bodyPr wrap="square" rtlCol="0">
-            <a:spAutoFit/>
-          </a:bodyPr>
-          <a:lstStyle/>
-          <a:p>
-            <a:pPr algn="ctr"/>
-            <a:r>
-              <a:rPr lang="en-US" sz="1400" dirty="0" smtClean="0"/>
-              <a:t>User Input</a:t>
-            </a:r>
-            <a:endParaRPr lang="en-US" sz="1400" dirty="0"/>
-          </a:p>
-        </p:txBody>
-      </p:sp>
-      <p:cxnSp>
-        <p:nvCxnSpPr>
-          <p:cNvPr id="44" name="Straight Arrow Connector 43"/>
-          <p:cNvCxnSpPr>
-            <a:stCxn id="39" idx="7"/>
-            <a:endCxn id="4" idx="3"/>
-          </p:cNvCxnSpPr>
-          <p:nvPr/>
-        </p:nvCxnSpPr>
-        <p:spPr>
-          <a:xfrm flipV="1">
-            <a:off x="3491764" y="3292605"/>
-            <a:ext cx="420584" cy="295881"/>
-          </a:xfrm>
-          <a:prstGeom prst="straightConnector1">
-            <a:avLst/>
-          </a:prstGeom>
-          <a:ln w="25400">
-            <a:solidFill>
-              <a:schemeClr val="tx1"/>
-            </a:solidFill>
-            <a:tailEnd type="stealth"/>
-          </a:ln>
-        </p:spPr>
-        <p:style>
-          <a:lnRef idx="1">
-            <a:schemeClr val="accent1"/>
-          </a:lnRef>
-          <a:fillRef idx="0">
-            <a:schemeClr val="accent1"/>
-          </a:fillRef>
-          <a:effectRef idx="0">
-            <a:schemeClr val="accent1"/>
-          </a:effectRef>
-          <a:fontRef idx="minor">
-            <a:schemeClr val="tx1"/>
-          </a:fontRef>
-        </p:style>
-      </p:cxnSp>
     </p:spTree>
     <p:extLst>
       <p:ext uri="{BB962C8B-B14F-4D97-AF65-F5344CB8AC3E}">
-        <p14:creationId xmlns:p14="http://schemas.microsoft.com/office/powerpoint/2010/main" val="472356231"/>
+        <p14:creationId xmlns:p14="http://schemas.microsoft.com/office/powerpoint/2010/main" val="3807060238"/>
       </p:ext>
     </p:extLst>
   </p:cSld>
@@ -24841,6 +24187,1009 @@
           <a:chExt cx="0" cy="0"/>
         </a:xfrm>
       </p:grpSpPr>
+      <p:sp>
+        <p:nvSpPr>
+          <p:cNvPr id="4" name="Oval 3"/>
+          <p:cNvSpPr/>
+          <p:nvPr/>
+        </p:nvSpPr>
+        <p:spPr>
+          <a:xfrm>
+            <a:off x="3733800" y="2251953"/>
+            <a:ext cx="1219200" cy="1219200"/>
+          </a:xfrm>
+          <a:prstGeom prst="ellipse">
+            <a:avLst/>
+          </a:prstGeom>
+        </p:spPr>
+        <p:style>
+          <a:lnRef idx="1">
+            <a:schemeClr val="accent5"/>
+          </a:lnRef>
+          <a:fillRef idx="2">
+            <a:schemeClr val="accent5"/>
+          </a:fillRef>
+          <a:effectRef idx="1">
+            <a:schemeClr val="accent5"/>
+          </a:effectRef>
+          <a:fontRef idx="minor">
+            <a:schemeClr val="dk1"/>
+          </a:fontRef>
+        </p:style>
+        <p:txBody>
+          <a:bodyPr rtlCol="0" anchor="ctr"/>
+          <a:lstStyle/>
+          <a:p>
+            <a:pPr algn="ctr"/>
+            <a:endParaRPr lang="en-US" dirty="0"/>
+          </a:p>
+        </p:txBody>
+      </p:sp>
+      <p:sp>
+        <p:nvSpPr>
+          <p:cNvPr id="5" name="Oval 4"/>
+          <p:cNvSpPr/>
+          <p:nvPr/>
+        </p:nvSpPr>
+        <p:spPr>
+          <a:xfrm>
+            <a:off x="1729902" y="1008434"/>
+            <a:ext cx="609600" cy="609600"/>
+          </a:xfrm>
+          <a:prstGeom prst="ellipse">
+            <a:avLst/>
+          </a:prstGeom>
+        </p:spPr>
+        <p:style>
+          <a:lnRef idx="1">
+            <a:schemeClr val="accent2"/>
+          </a:lnRef>
+          <a:fillRef idx="3">
+            <a:schemeClr val="accent2"/>
+          </a:fillRef>
+          <a:effectRef idx="2">
+            <a:schemeClr val="accent2"/>
+          </a:effectRef>
+          <a:fontRef idx="minor">
+            <a:schemeClr val="lt1"/>
+          </a:fontRef>
+        </p:style>
+        <p:txBody>
+          <a:bodyPr rtlCol="0" anchor="ctr"/>
+          <a:lstStyle/>
+          <a:p>
+            <a:pPr algn="ctr"/>
+            <a:endParaRPr lang="en-US"/>
+          </a:p>
+        </p:txBody>
+      </p:sp>
+      <p:sp>
+        <p:nvSpPr>
+          <p:cNvPr id="6" name="Oval 5"/>
+          <p:cNvSpPr/>
+          <p:nvPr/>
+        </p:nvSpPr>
+        <p:spPr>
+          <a:xfrm>
+            <a:off x="2514600" y="1008434"/>
+            <a:ext cx="609600" cy="609600"/>
+          </a:xfrm>
+          <a:prstGeom prst="ellipse">
+            <a:avLst/>
+          </a:prstGeom>
+        </p:spPr>
+        <p:style>
+          <a:lnRef idx="1">
+            <a:schemeClr val="accent2"/>
+          </a:lnRef>
+          <a:fillRef idx="3">
+            <a:schemeClr val="accent2"/>
+          </a:fillRef>
+          <a:effectRef idx="2">
+            <a:schemeClr val="accent2"/>
+          </a:effectRef>
+          <a:fontRef idx="minor">
+            <a:schemeClr val="lt1"/>
+          </a:fontRef>
+        </p:style>
+        <p:txBody>
+          <a:bodyPr rtlCol="0" anchor="ctr"/>
+          <a:lstStyle/>
+          <a:p>
+            <a:pPr algn="ctr"/>
+            <a:endParaRPr lang="en-US"/>
+          </a:p>
+        </p:txBody>
+      </p:sp>
+      <p:sp>
+        <p:nvSpPr>
+          <p:cNvPr id="7" name="Oval 6"/>
+          <p:cNvSpPr/>
+          <p:nvPr/>
+        </p:nvSpPr>
+        <p:spPr>
+          <a:xfrm>
+            <a:off x="3352800" y="1006813"/>
+            <a:ext cx="609600" cy="609600"/>
+          </a:xfrm>
+          <a:prstGeom prst="ellipse">
+            <a:avLst/>
+          </a:prstGeom>
+        </p:spPr>
+        <p:style>
+          <a:lnRef idx="1">
+            <a:schemeClr val="accent2"/>
+          </a:lnRef>
+          <a:fillRef idx="3">
+            <a:schemeClr val="accent2"/>
+          </a:fillRef>
+          <a:effectRef idx="2">
+            <a:schemeClr val="accent2"/>
+          </a:effectRef>
+          <a:fontRef idx="minor">
+            <a:schemeClr val="lt1"/>
+          </a:fontRef>
+        </p:style>
+        <p:txBody>
+          <a:bodyPr rtlCol="0" anchor="ctr"/>
+          <a:lstStyle/>
+          <a:p>
+            <a:pPr algn="ctr"/>
+            <a:endParaRPr lang="en-US"/>
+          </a:p>
+        </p:txBody>
+      </p:sp>
+      <p:sp>
+        <p:nvSpPr>
+          <p:cNvPr id="8" name="Rounded Rectangle 7"/>
+          <p:cNvSpPr/>
+          <p:nvPr/>
+        </p:nvSpPr>
+        <p:spPr>
+          <a:xfrm>
+            <a:off x="2286000" y="2480553"/>
+            <a:ext cx="1066800" cy="762000"/>
+          </a:xfrm>
+          <a:prstGeom prst="roundRect">
+            <a:avLst/>
+          </a:prstGeom>
+        </p:spPr>
+        <p:style>
+          <a:lnRef idx="1">
+            <a:schemeClr val="accent6"/>
+          </a:lnRef>
+          <a:fillRef idx="2">
+            <a:schemeClr val="accent6"/>
+          </a:fillRef>
+          <a:effectRef idx="1">
+            <a:schemeClr val="accent6"/>
+          </a:effectRef>
+          <a:fontRef idx="minor">
+            <a:schemeClr val="dk1"/>
+          </a:fontRef>
+        </p:style>
+        <p:txBody>
+          <a:bodyPr rtlCol="0" anchor="ctr"/>
+          <a:lstStyle/>
+          <a:p>
+            <a:pPr algn="ctr"/>
+            <a:endParaRPr lang="en-US"/>
+          </a:p>
+        </p:txBody>
+      </p:sp>
+      <p:sp>
+        <p:nvSpPr>
+          <p:cNvPr id="9" name="Rounded Rectangle 8"/>
+          <p:cNvSpPr/>
+          <p:nvPr/>
+        </p:nvSpPr>
+        <p:spPr>
+          <a:xfrm>
+            <a:off x="5257800" y="2480553"/>
+            <a:ext cx="1066800" cy="762000"/>
+          </a:xfrm>
+          <a:prstGeom prst="roundRect">
+            <a:avLst/>
+          </a:prstGeom>
+        </p:spPr>
+        <p:style>
+          <a:lnRef idx="1">
+            <a:schemeClr val="accent6"/>
+          </a:lnRef>
+          <a:fillRef idx="2">
+            <a:schemeClr val="accent6"/>
+          </a:fillRef>
+          <a:effectRef idx="1">
+            <a:schemeClr val="accent6"/>
+          </a:effectRef>
+          <a:fontRef idx="minor">
+            <a:schemeClr val="dk1"/>
+          </a:fontRef>
+        </p:style>
+        <p:txBody>
+          <a:bodyPr rtlCol="0" anchor="ctr"/>
+          <a:lstStyle/>
+          <a:p>
+            <a:pPr algn="ctr"/>
+            <a:endParaRPr lang="en-US"/>
+          </a:p>
+        </p:txBody>
+      </p:sp>
+      <p:cxnSp>
+        <p:nvCxnSpPr>
+          <p:cNvPr id="13" name="Elbow Connector 12"/>
+          <p:cNvCxnSpPr>
+            <a:stCxn id="5" idx="4"/>
+            <a:endCxn id="8" idx="0"/>
+          </p:cNvCxnSpPr>
+          <p:nvPr/>
+        </p:nvCxnSpPr>
+        <p:spPr>
+          <a:xfrm rot="16200000" flipH="1">
+            <a:off x="1995792" y="1656944"/>
+            <a:ext cx="862519" cy="784698"/>
+          </a:xfrm>
+          <a:prstGeom prst="bentConnector3">
+            <a:avLst/>
+          </a:prstGeom>
+          <a:ln w="28575">
+            <a:solidFill>
+              <a:schemeClr val="tx1"/>
+            </a:solidFill>
+            <a:tailEnd type="stealth"/>
+          </a:ln>
+        </p:spPr>
+        <p:style>
+          <a:lnRef idx="1">
+            <a:schemeClr val="accent1"/>
+          </a:lnRef>
+          <a:fillRef idx="0">
+            <a:schemeClr val="accent1"/>
+          </a:fillRef>
+          <a:effectRef idx="0">
+            <a:schemeClr val="accent1"/>
+          </a:effectRef>
+          <a:fontRef idx="minor">
+            <a:schemeClr val="tx1"/>
+          </a:fontRef>
+        </p:style>
+      </p:cxnSp>
+      <p:cxnSp>
+        <p:nvCxnSpPr>
+          <p:cNvPr id="17" name="Elbow Connector 16"/>
+          <p:cNvCxnSpPr>
+            <a:stCxn id="7" idx="4"/>
+            <a:endCxn id="8" idx="0"/>
+          </p:cNvCxnSpPr>
+          <p:nvPr/>
+        </p:nvCxnSpPr>
+        <p:spPr>
+          <a:xfrm rot="5400000">
+            <a:off x="2806430" y="1629383"/>
+            <a:ext cx="864140" cy="838200"/>
+          </a:xfrm>
+          <a:prstGeom prst="bentConnector3">
+            <a:avLst/>
+          </a:prstGeom>
+          <a:ln w="28575">
+            <a:solidFill>
+              <a:schemeClr val="tx1"/>
+            </a:solidFill>
+            <a:tailEnd type="stealth"/>
+          </a:ln>
+        </p:spPr>
+        <p:style>
+          <a:lnRef idx="1">
+            <a:schemeClr val="accent1"/>
+          </a:lnRef>
+          <a:fillRef idx="0">
+            <a:schemeClr val="accent1"/>
+          </a:fillRef>
+          <a:effectRef idx="0">
+            <a:schemeClr val="accent1"/>
+          </a:effectRef>
+          <a:fontRef idx="minor">
+            <a:schemeClr val="tx1"/>
+          </a:fontRef>
+        </p:style>
+      </p:cxnSp>
+      <p:cxnSp>
+        <p:nvCxnSpPr>
+          <p:cNvPr id="19" name="Straight Arrow Connector 18"/>
+          <p:cNvCxnSpPr>
+            <a:stCxn id="6" idx="4"/>
+            <a:endCxn id="8" idx="0"/>
+          </p:cNvCxnSpPr>
+          <p:nvPr/>
+        </p:nvCxnSpPr>
+        <p:spPr>
+          <a:xfrm>
+            <a:off x="2819400" y="1618034"/>
+            <a:ext cx="0" cy="862519"/>
+          </a:xfrm>
+          <a:prstGeom prst="straightConnector1">
+            <a:avLst/>
+          </a:prstGeom>
+          <a:ln w="28575">
+            <a:solidFill>
+              <a:schemeClr val="tx1"/>
+            </a:solidFill>
+            <a:tailEnd type="stealth"/>
+          </a:ln>
+        </p:spPr>
+        <p:style>
+          <a:lnRef idx="1">
+            <a:schemeClr val="accent1"/>
+          </a:lnRef>
+          <a:fillRef idx="0">
+            <a:schemeClr val="accent1"/>
+          </a:fillRef>
+          <a:effectRef idx="0">
+            <a:schemeClr val="accent1"/>
+          </a:effectRef>
+          <a:fontRef idx="minor">
+            <a:schemeClr val="tx1"/>
+          </a:fontRef>
+        </p:style>
+      </p:cxnSp>
+      <p:cxnSp>
+        <p:nvCxnSpPr>
+          <p:cNvPr id="21" name="Straight Arrow Connector 20"/>
+          <p:cNvCxnSpPr>
+            <a:stCxn id="8" idx="3"/>
+            <a:endCxn id="4" idx="2"/>
+          </p:cNvCxnSpPr>
+          <p:nvPr/>
+        </p:nvCxnSpPr>
+        <p:spPr>
+          <a:xfrm>
+            <a:off x="3352800" y="2861553"/>
+            <a:ext cx="381000" cy="0"/>
+          </a:xfrm>
+          <a:prstGeom prst="straightConnector1">
+            <a:avLst/>
+          </a:prstGeom>
+          <a:ln w="25400">
+            <a:solidFill>
+              <a:schemeClr val="tx1"/>
+            </a:solidFill>
+            <a:tailEnd type="stealth"/>
+          </a:ln>
+        </p:spPr>
+        <p:style>
+          <a:lnRef idx="1">
+            <a:schemeClr val="accent1"/>
+          </a:lnRef>
+          <a:fillRef idx="0">
+            <a:schemeClr val="accent1"/>
+          </a:fillRef>
+          <a:effectRef idx="0">
+            <a:schemeClr val="accent1"/>
+          </a:effectRef>
+          <a:fontRef idx="minor">
+            <a:schemeClr val="tx1"/>
+          </a:fontRef>
+        </p:style>
+      </p:cxnSp>
+      <p:cxnSp>
+        <p:nvCxnSpPr>
+          <p:cNvPr id="23" name="Straight Arrow Connector 22"/>
+          <p:cNvCxnSpPr>
+            <a:stCxn id="4" idx="6"/>
+            <a:endCxn id="9" idx="1"/>
+          </p:cNvCxnSpPr>
+          <p:nvPr/>
+        </p:nvCxnSpPr>
+        <p:spPr>
+          <a:xfrm>
+            <a:off x="4953000" y="2861553"/>
+            <a:ext cx="304800" cy="0"/>
+          </a:xfrm>
+          <a:prstGeom prst="straightConnector1">
+            <a:avLst/>
+          </a:prstGeom>
+          <a:ln w="25400">
+            <a:solidFill>
+              <a:schemeClr val="tx1"/>
+            </a:solidFill>
+            <a:tailEnd type="stealth"/>
+          </a:ln>
+        </p:spPr>
+        <p:style>
+          <a:lnRef idx="1">
+            <a:schemeClr val="accent1"/>
+          </a:lnRef>
+          <a:fillRef idx="0">
+            <a:schemeClr val="accent1"/>
+          </a:fillRef>
+          <a:effectRef idx="0">
+            <a:schemeClr val="accent1"/>
+          </a:effectRef>
+          <a:fontRef idx="minor">
+            <a:schemeClr val="tx1"/>
+          </a:fontRef>
+        </p:style>
+      </p:cxnSp>
+      <p:sp>
+        <p:nvSpPr>
+          <p:cNvPr id="24" name="Oval 23"/>
+          <p:cNvSpPr/>
+          <p:nvPr/>
+        </p:nvSpPr>
+        <p:spPr>
+          <a:xfrm>
+            <a:off x="5068112" y="3737042"/>
+            <a:ext cx="609600" cy="609600"/>
+          </a:xfrm>
+          <a:prstGeom prst="ellipse">
+            <a:avLst/>
+          </a:prstGeom>
+        </p:spPr>
+        <p:style>
+          <a:lnRef idx="1">
+            <a:schemeClr val="accent2"/>
+          </a:lnRef>
+          <a:fillRef idx="3">
+            <a:schemeClr val="accent2"/>
+          </a:fillRef>
+          <a:effectRef idx="2">
+            <a:schemeClr val="accent2"/>
+          </a:effectRef>
+          <a:fontRef idx="minor">
+            <a:schemeClr val="lt1"/>
+          </a:fontRef>
+        </p:style>
+        <p:txBody>
+          <a:bodyPr rtlCol="0" anchor="ctr"/>
+          <a:lstStyle/>
+          <a:p>
+            <a:pPr algn="ctr"/>
+            <a:endParaRPr lang="en-US"/>
+          </a:p>
+        </p:txBody>
+      </p:sp>
+      <p:sp>
+        <p:nvSpPr>
+          <p:cNvPr id="25" name="Oval 24"/>
+          <p:cNvSpPr/>
+          <p:nvPr/>
+        </p:nvSpPr>
+        <p:spPr>
+          <a:xfrm>
+            <a:off x="5906312" y="3735421"/>
+            <a:ext cx="609600" cy="609600"/>
+          </a:xfrm>
+          <a:prstGeom prst="ellipse">
+            <a:avLst/>
+          </a:prstGeom>
+        </p:spPr>
+        <p:style>
+          <a:lnRef idx="1">
+            <a:schemeClr val="accent2"/>
+          </a:lnRef>
+          <a:fillRef idx="3">
+            <a:schemeClr val="accent2"/>
+          </a:fillRef>
+          <a:effectRef idx="2">
+            <a:schemeClr val="accent2"/>
+          </a:effectRef>
+          <a:fontRef idx="minor">
+            <a:schemeClr val="lt1"/>
+          </a:fontRef>
+        </p:style>
+        <p:txBody>
+          <a:bodyPr rtlCol="0" anchor="ctr"/>
+          <a:lstStyle/>
+          <a:p>
+            <a:pPr algn="ctr"/>
+            <a:endParaRPr lang="en-US"/>
+          </a:p>
+        </p:txBody>
+      </p:sp>
+      <p:cxnSp>
+        <p:nvCxnSpPr>
+          <p:cNvPr id="27" name="Elbow Connector 26"/>
+          <p:cNvCxnSpPr>
+            <a:stCxn id="9" idx="2"/>
+            <a:endCxn id="25" idx="0"/>
+          </p:cNvCxnSpPr>
+          <p:nvPr/>
+        </p:nvCxnSpPr>
+        <p:spPr>
+          <a:xfrm rot="16200000" flipH="1">
+            <a:off x="5754722" y="3279031"/>
+            <a:ext cx="492868" cy="419912"/>
+          </a:xfrm>
+          <a:prstGeom prst="bentConnector3">
+            <a:avLst/>
+          </a:prstGeom>
+          <a:ln w="25400">
+            <a:solidFill>
+              <a:schemeClr val="tx1"/>
+            </a:solidFill>
+            <a:tailEnd type="stealth"/>
+          </a:ln>
+        </p:spPr>
+        <p:style>
+          <a:lnRef idx="1">
+            <a:schemeClr val="accent1"/>
+          </a:lnRef>
+          <a:fillRef idx="0">
+            <a:schemeClr val="accent1"/>
+          </a:fillRef>
+          <a:effectRef idx="0">
+            <a:schemeClr val="accent1"/>
+          </a:effectRef>
+          <a:fontRef idx="minor">
+            <a:schemeClr val="tx1"/>
+          </a:fontRef>
+        </p:style>
+      </p:cxnSp>
+      <p:cxnSp>
+        <p:nvCxnSpPr>
+          <p:cNvPr id="29" name="Elbow Connector 28"/>
+          <p:cNvCxnSpPr>
+            <a:stCxn id="9" idx="2"/>
+            <a:endCxn id="24" idx="0"/>
+          </p:cNvCxnSpPr>
+          <p:nvPr/>
+        </p:nvCxnSpPr>
+        <p:spPr>
+          <a:xfrm rot="5400000">
+            <a:off x="5334812" y="3280653"/>
+            <a:ext cx="494489" cy="418288"/>
+          </a:xfrm>
+          <a:prstGeom prst="bentConnector3">
+            <a:avLst/>
+          </a:prstGeom>
+          <a:ln w="25400">
+            <a:solidFill>
+              <a:schemeClr val="tx1"/>
+            </a:solidFill>
+            <a:tailEnd type="stealth"/>
+          </a:ln>
+        </p:spPr>
+        <p:style>
+          <a:lnRef idx="1">
+            <a:schemeClr val="accent1"/>
+          </a:lnRef>
+          <a:fillRef idx="0">
+            <a:schemeClr val="accent1"/>
+          </a:fillRef>
+          <a:effectRef idx="0">
+            <a:schemeClr val="accent1"/>
+          </a:effectRef>
+          <a:fontRef idx="minor">
+            <a:schemeClr val="tx1"/>
+          </a:fontRef>
+        </p:style>
+      </p:cxnSp>
+      <p:sp>
+        <p:nvSpPr>
+          <p:cNvPr id="30" name="TextBox 29"/>
+          <p:cNvSpPr txBox="1"/>
+          <p:nvPr/>
+        </p:nvSpPr>
+        <p:spPr>
+          <a:xfrm>
+            <a:off x="3795407" y="2480553"/>
+            <a:ext cx="1086257" cy="738664"/>
+          </a:xfrm>
+          <a:prstGeom prst="rect">
+            <a:avLst/>
+          </a:prstGeom>
+          <a:noFill/>
+        </p:spPr>
+        <p:txBody>
+          <a:bodyPr wrap="square" rtlCol="0">
+            <a:spAutoFit/>
+          </a:bodyPr>
+          <a:lstStyle/>
+          <a:p>
+            <a:pPr algn="ctr"/>
+            <a:r>
+              <a:rPr lang="en-US" sz="1400" dirty="0" smtClean="0"/>
+              <a:t>Social Interaction Assistant</a:t>
+            </a:r>
+            <a:endParaRPr lang="en-US" sz="1400" dirty="0"/>
+          </a:p>
+        </p:txBody>
+      </p:sp>
+      <p:sp>
+        <p:nvSpPr>
+          <p:cNvPr id="32" name="TextBox 31"/>
+          <p:cNvSpPr txBox="1"/>
+          <p:nvPr/>
+        </p:nvSpPr>
+        <p:spPr>
+          <a:xfrm>
+            <a:off x="2276271" y="2676540"/>
+            <a:ext cx="1086257" cy="307777"/>
+          </a:xfrm>
+          <a:prstGeom prst="rect">
+            <a:avLst/>
+          </a:prstGeom>
+          <a:noFill/>
+        </p:spPr>
+        <p:txBody>
+          <a:bodyPr wrap="square" rtlCol="0">
+            <a:spAutoFit/>
+          </a:bodyPr>
+          <a:lstStyle/>
+          <a:p>
+            <a:pPr algn="ctr"/>
+            <a:r>
+              <a:rPr lang="en-US" sz="1400" dirty="0" smtClean="0"/>
+              <a:t>Sensor Suite</a:t>
+            </a:r>
+            <a:endParaRPr lang="en-US" sz="1400" dirty="0"/>
+          </a:p>
+        </p:txBody>
+      </p:sp>
+      <p:sp>
+        <p:nvSpPr>
+          <p:cNvPr id="33" name="TextBox 32"/>
+          <p:cNvSpPr txBox="1"/>
+          <p:nvPr/>
+        </p:nvSpPr>
+        <p:spPr>
+          <a:xfrm>
+            <a:off x="5248071" y="2569720"/>
+            <a:ext cx="1086257" cy="523220"/>
+          </a:xfrm>
+          <a:prstGeom prst="rect">
+            <a:avLst/>
+          </a:prstGeom>
+          <a:noFill/>
+        </p:spPr>
+        <p:txBody>
+          <a:bodyPr wrap="square" rtlCol="0">
+            <a:spAutoFit/>
+          </a:bodyPr>
+          <a:lstStyle/>
+          <a:p>
+            <a:pPr algn="ctr"/>
+            <a:r>
+              <a:rPr lang="en-US" sz="1400" dirty="0" smtClean="0"/>
+              <a:t>Actuator Suite</a:t>
+            </a:r>
+            <a:endParaRPr lang="en-US" sz="1400" dirty="0"/>
+          </a:p>
+        </p:txBody>
+      </p:sp>
+      <p:sp>
+        <p:nvSpPr>
+          <p:cNvPr id="34" name="TextBox 33"/>
+          <p:cNvSpPr txBox="1"/>
+          <p:nvPr/>
+        </p:nvSpPr>
+        <p:spPr>
+          <a:xfrm>
+            <a:off x="1676400" y="1157724"/>
+            <a:ext cx="685800" cy="307777"/>
+          </a:xfrm>
+          <a:prstGeom prst="rect">
+            <a:avLst/>
+          </a:prstGeom>
+          <a:noFill/>
+        </p:spPr>
+        <p:txBody>
+          <a:bodyPr wrap="square" rtlCol="0">
+            <a:spAutoFit/>
+          </a:bodyPr>
+          <a:lstStyle/>
+          <a:p>
+            <a:pPr algn="ctr"/>
+            <a:r>
+              <a:rPr lang="en-US" sz="1400" dirty="0" smtClean="0">
+                <a:solidFill>
+                  <a:schemeClr val="bg1"/>
+                </a:solidFill>
+              </a:rPr>
+              <a:t>Visual</a:t>
+            </a:r>
+            <a:endParaRPr lang="en-US" sz="1400" dirty="0">
+              <a:solidFill>
+                <a:schemeClr val="bg1"/>
+              </a:solidFill>
+            </a:endParaRPr>
+          </a:p>
+        </p:txBody>
+      </p:sp>
+      <p:sp>
+        <p:nvSpPr>
+          <p:cNvPr id="35" name="TextBox 34"/>
+          <p:cNvSpPr txBox="1"/>
+          <p:nvPr/>
+        </p:nvSpPr>
+        <p:spPr>
+          <a:xfrm>
+            <a:off x="2485416" y="1152728"/>
+            <a:ext cx="685800" cy="307777"/>
+          </a:xfrm>
+          <a:prstGeom prst="rect">
+            <a:avLst/>
+          </a:prstGeom>
+          <a:noFill/>
+        </p:spPr>
+        <p:txBody>
+          <a:bodyPr wrap="square" rtlCol="0">
+            <a:spAutoFit/>
+          </a:bodyPr>
+          <a:lstStyle/>
+          <a:p>
+            <a:pPr algn="ctr"/>
+            <a:r>
+              <a:rPr lang="en-US" sz="1400" dirty="0" smtClean="0">
+                <a:solidFill>
+                  <a:schemeClr val="bg1"/>
+                </a:solidFill>
+              </a:rPr>
+              <a:t>Audio</a:t>
+            </a:r>
+            <a:endParaRPr lang="en-US" sz="1400" dirty="0">
+              <a:solidFill>
+                <a:schemeClr val="bg1"/>
+              </a:solidFill>
+            </a:endParaRPr>
+          </a:p>
+        </p:txBody>
+      </p:sp>
+      <p:sp>
+        <p:nvSpPr>
+          <p:cNvPr id="36" name="TextBox 35"/>
+          <p:cNvSpPr txBox="1"/>
+          <p:nvPr/>
+        </p:nvSpPr>
+        <p:spPr>
+          <a:xfrm>
+            <a:off x="3285516" y="1149617"/>
+            <a:ext cx="800100" cy="307777"/>
+          </a:xfrm>
+          <a:prstGeom prst="rect">
+            <a:avLst/>
+          </a:prstGeom>
+          <a:noFill/>
+        </p:spPr>
+        <p:txBody>
+          <a:bodyPr wrap="square" rtlCol="0">
+            <a:spAutoFit/>
+          </a:bodyPr>
+          <a:lstStyle/>
+          <a:p>
+            <a:pPr algn="ctr"/>
+            <a:r>
+              <a:rPr lang="en-US" sz="1400" dirty="0" smtClean="0">
+                <a:solidFill>
+                  <a:schemeClr val="bg1"/>
+                </a:solidFill>
+              </a:rPr>
+              <a:t>Motion</a:t>
+            </a:r>
+            <a:endParaRPr lang="en-US" sz="1400" dirty="0">
+              <a:solidFill>
+                <a:schemeClr val="bg1"/>
+              </a:solidFill>
+            </a:endParaRPr>
+          </a:p>
+        </p:txBody>
+      </p:sp>
+      <p:sp>
+        <p:nvSpPr>
+          <p:cNvPr id="37" name="TextBox 36"/>
+          <p:cNvSpPr txBox="1"/>
+          <p:nvPr/>
+        </p:nvSpPr>
+        <p:spPr>
+          <a:xfrm>
+            <a:off x="5040552" y="3866876"/>
+            <a:ext cx="685800" cy="307777"/>
+          </a:xfrm>
+          <a:prstGeom prst="rect">
+            <a:avLst/>
+          </a:prstGeom>
+          <a:noFill/>
+        </p:spPr>
+        <p:txBody>
+          <a:bodyPr wrap="square" rtlCol="0">
+            <a:spAutoFit/>
+          </a:bodyPr>
+          <a:lstStyle/>
+          <a:p>
+            <a:pPr algn="ctr"/>
+            <a:r>
+              <a:rPr lang="en-US" sz="1400" dirty="0" smtClean="0">
+                <a:solidFill>
+                  <a:schemeClr val="bg1"/>
+                </a:solidFill>
+              </a:rPr>
+              <a:t>Haptic</a:t>
+            </a:r>
+            <a:endParaRPr lang="en-US" sz="1400" dirty="0">
+              <a:solidFill>
+                <a:schemeClr val="bg1"/>
+              </a:solidFill>
+            </a:endParaRPr>
+          </a:p>
+        </p:txBody>
+      </p:sp>
+      <p:sp>
+        <p:nvSpPr>
+          <p:cNvPr id="38" name="TextBox 37"/>
+          <p:cNvSpPr txBox="1"/>
+          <p:nvPr/>
+        </p:nvSpPr>
+        <p:spPr>
+          <a:xfrm>
+            <a:off x="5849568" y="3861880"/>
+            <a:ext cx="685800" cy="307777"/>
+          </a:xfrm>
+          <a:prstGeom prst="rect">
+            <a:avLst/>
+          </a:prstGeom>
+          <a:noFill/>
+        </p:spPr>
+        <p:txBody>
+          <a:bodyPr wrap="square" rtlCol="0">
+            <a:spAutoFit/>
+          </a:bodyPr>
+          <a:lstStyle/>
+          <a:p>
+            <a:pPr algn="ctr"/>
+            <a:r>
+              <a:rPr lang="en-US" sz="1400" dirty="0" smtClean="0">
+                <a:solidFill>
+                  <a:schemeClr val="bg1"/>
+                </a:solidFill>
+              </a:rPr>
+              <a:t>Audio</a:t>
+            </a:r>
+            <a:endParaRPr lang="en-US" sz="1400" dirty="0">
+              <a:solidFill>
+                <a:schemeClr val="bg1"/>
+              </a:solidFill>
+            </a:endParaRPr>
+          </a:p>
+        </p:txBody>
+      </p:sp>
+      <p:sp>
+        <p:nvSpPr>
+          <p:cNvPr id="39" name="Oval 38"/>
+          <p:cNvSpPr/>
+          <p:nvPr/>
+        </p:nvSpPr>
+        <p:spPr>
+          <a:xfrm>
+            <a:off x="2362200" y="3505200"/>
+            <a:ext cx="1323366" cy="568713"/>
+          </a:xfrm>
+          <a:prstGeom prst="ellipse">
+            <a:avLst/>
+          </a:prstGeom>
+        </p:spPr>
+        <p:style>
+          <a:lnRef idx="1">
+            <a:schemeClr val="accent4"/>
+          </a:lnRef>
+          <a:fillRef idx="2">
+            <a:schemeClr val="accent4"/>
+          </a:fillRef>
+          <a:effectRef idx="1">
+            <a:schemeClr val="accent4"/>
+          </a:effectRef>
+          <a:fontRef idx="minor">
+            <a:schemeClr val="dk1"/>
+          </a:fontRef>
+        </p:style>
+        <p:txBody>
+          <a:bodyPr rtlCol="0" anchor="ctr"/>
+          <a:lstStyle/>
+          <a:p>
+            <a:pPr algn="ctr"/>
+            <a:endParaRPr lang="en-US"/>
+          </a:p>
+        </p:txBody>
+      </p:sp>
+      <p:sp>
+        <p:nvSpPr>
+          <p:cNvPr id="40" name="TextBox 39"/>
+          <p:cNvSpPr txBox="1"/>
+          <p:nvPr/>
+        </p:nvSpPr>
+        <p:spPr>
+          <a:xfrm>
+            <a:off x="2467583" y="3625439"/>
+            <a:ext cx="1086257" cy="307777"/>
+          </a:xfrm>
+          <a:prstGeom prst="rect">
+            <a:avLst/>
+          </a:prstGeom>
+          <a:noFill/>
+        </p:spPr>
+        <p:txBody>
+          <a:bodyPr wrap="square" rtlCol="0">
+            <a:spAutoFit/>
+          </a:bodyPr>
+          <a:lstStyle/>
+          <a:p>
+            <a:pPr algn="ctr"/>
+            <a:r>
+              <a:rPr lang="en-US" sz="1400" dirty="0" smtClean="0"/>
+              <a:t>User Input</a:t>
+            </a:r>
+            <a:endParaRPr lang="en-US" sz="1400" dirty="0"/>
+          </a:p>
+        </p:txBody>
+      </p:sp>
+      <p:cxnSp>
+        <p:nvCxnSpPr>
+          <p:cNvPr id="44" name="Straight Arrow Connector 43"/>
+          <p:cNvCxnSpPr>
+            <a:stCxn id="39" idx="7"/>
+            <a:endCxn id="4" idx="3"/>
+          </p:cNvCxnSpPr>
+          <p:nvPr/>
+        </p:nvCxnSpPr>
+        <p:spPr>
+          <a:xfrm flipV="1">
+            <a:off x="3491764" y="3292605"/>
+            <a:ext cx="420584" cy="295881"/>
+          </a:xfrm>
+          <a:prstGeom prst="straightConnector1">
+            <a:avLst/>
+          </a:prstGeom>
+          <a:ln w="25400">
+            <a:solidFill>
+              <a:schemeClr val="tx1"/>
+            </a:solidFill>
+            <a:tailEnd type="stealth"/>
+          </a:ln>
+        </p:spPr>
+        <p:style>
+          <a:lnRef idx="1">
+            <a:schemeClr val="accent1"/>
+          </a:lnRef>
+          <a:fillRef idx="0">
+            <a:schemeClr val="accent1"/>
+          </a:fillRef>
+          <a:effectRef idx="0">
+            <a:schemeClr val="accent1"/>
+          </a:effectRef>
+          <a:fontRef idx="minor">
+            <a:schemeClr val="tx1"/>
+          </a:fontRef>
+        </p:style>
+      </p:cxnSp>
+    </p:spTree>
+    <p:extLst>
+      <p:ext uri="{BB962C8B-B14F-4D97-AF65-F5344CB8AC3E}">
+        <p14:creationId xmlns:p14="http://schemas.microsoft.com/office/powerpoint/2010/main" val="472356231"/>
+      </p:ext>
+    </p:extLst>
+  </p:cSld>
+  <p:clrMapOvr>
+    <a:masterClrMapping/>
+  </p:clrMapOvr>
+</p:sld>
+</file>
+
+<file path=ppt/slides/slide8.xml><?xml version="1.0" encoding="utf-8"?>
+<p:sld xmlns:a="http://schemas.openxmlformats.org/drawingml/2006/main" xmlns:r="http://schemas.openxmlformats.org/officeDocument/2006/relationships" xmlns:p="http://schemas.openxmlformats.org/presentationml/2006/main">
+  <p:cSld>
+    <p:spTree>
+      <p:nvGrpSpPr>
+        <p:cNvPr id="1" name=""/>
+        <p:cNvGrpSpPr/>
+        <p:nvPr/>
+      </p:nvGrpSpPr>
+      <p:grpSpPr>
+        <a:xfrm>
+          <a:off x="0" y="0"/>
+          <a:ext cx="0" cy="0"/>
+          <a:chOff x="0" y="0"/>
+          <a:chExt cx="0" cy="0"/>
+        </a:xfrm>
+      </p:grpSpPr>
       <p:cxnSp>
         <p:nvCxnSpPr>
           <p:cNvPr id="24" name="Straight Connector 23"/>
@@ -25615,7 +25964,7 @@
 </p:sld>
 </file>
 
-<file path=ppt/slides/slide8.xml><?xml version="1.0" encoding="utf-8"?>
+<file path=ppt/slides/slide9.xml><?xml version="1.0" encoding="utf-8"?>
 <p:sld xmlns:a="http://schemas.openxmlformats.org/drawingml/2006/main" xmlns:r="http://schemas.openxmlformats.org/officeDocument/2006/relationships" xmlns:p="http://schemas.openxmlformats.org/presentationml/2006/main">
   <p:cSld>
     <p:spTree>
@@ -25924,11 +26273,7 @@
           <a:p>
             <a:r>
               <a:rPr lang="en-US" dirty="0" smtClean="0"/>
-              <a:t>Orbicularis </a:t>
-            </a:r>
-            <a:r>
-              <a:rPr lang="en-US" dirty="0" smtClean="0"/>
-              <a:t>Oris</a:t>
+              <a:t>Orbicularis Oris</a:t>
             </a:r>
             <a:endParaRPr lang="en-US" dirty="0"/>
           </a:p>

--- a/Dissertation/Presentation1.pptx
+++ b/Dissertation/Presentation1.pptx
@@ -23847,7 +23847,7 @@
           </p:cNvPicPr>
           <p:nvPr/>
         </p:nvPicPr>
-        <p:blipFill>
+        <p:blipFill rotWithShape="1">
           <a:blip r:embed="rId2">
             <a:extLst>
               <a:ext uri="{28A0092B-C50C-407E-A947-70E740481C1C}">
@@ -23855,14 +23855,13 @@
               </a:ext>
             </a:extLst>
           </a:blip>
-          <a:stretch>
-            <a:fillRect/>
-          </a:stretch>
+          <a:srcRect l="7172" t="5285" r="8159" b="7089"/>
+          <a:stretch/>
         </p:blipFill>
         <p:spPr>
           <a:xfrm>
-            <a:off x="914400" y="895350"/>
-            <a:ext cx="7343775" cy="5067300"/>
+            <a:off x="457200" y="1208836"/>
+            <a:ext cx="6217921" cy="4440327"/>
           </a:xfrm>
           <a:prstGeom prst="rect">
             <a:avLst/>
@@ -23877,8 +23876,8 @@
         </p:nvSpPr>
         <p:spPr>
           <a:xfrm>
-            <a:off x="2072030" y="1981200"/>
-            <a:ext cx="838200" cy="3429000"/>
+            <a:off x="1088137" y="1798320"/>
+            <a:ext cx="838200" cy="3645409"/>
           </a:xfrm>
           <a:prstGeom prst="rect">
             <a:avLst/>
@@ -23925,14 +23924,111 @@
         </p:nvSpPr>
         <p:spPr>
           <a:xfrm>
-            <a:off x="2895600" y="1969009"/>
-            <a:ext cx="838200" cy="3429000"/>
+            <a:off x="1911707" y="1798320"/>
+            <a:ext cx="838200" cy="3645409"/>
           </a:xfrm>
           <a:prstGeom prst="rect">
             <a:avLst/>
           </a:prstGeom>
           <a:solidFill>
+            <a:srgbClr val="FF0000">
+              <a:alpha val="20000"/>
+            </a:srgbClr>
+          </a:solidFill>
+          <a:ln>
+            <a:noFill/>
+          </a:ln>
+        </p:spPr>
+        <p:style>
+          <a:lnRef idx="2">
             <a:schemeClr val="accent1">
+              <a:shade val="50000"/>
+            </a:schemeClr>
+          </a:lnRef>
+          <a:fillRef idx="1">
+            <a:schemeClr val="accent1"/>
+          </a:fillRef>
+          <a:effectRef idx="0">
+            <a:schemeClr val="accent1"/>
+          </a:effectRef>
+          <a:fontRef idx="minor">
+            <a:schemeClr val="lt1"/>
+          </a:fontRef>
+        </p:style>
+        <p:txBody>
+          <a:bodyPr rtlCol="0" anchor="ctr"/>
+          <a:lstStyle/>
+          <a:p>
+            <a:pPr algn="ctr"/>
+            <a:endParaRPr lang="en-US"/>
+          </a:p>
+        </p:txBody>
+      </p:sp>
+      <p:sp>
+        <p:nvSpPr>
+          <p:cNvPr id="8" name="Rectangle 7"/>
+          <p:cNvSpPr/>
+          <p:nvPr/>
+        </p:nvSpPr>
+        <p:spPr>
+          <a:xfrm>
+            <a:off x="2749907" y="1798320"/>
+            <a:ext cx="762000" cy="3645409"/>
+          </a:xfrm>
+          <a:prstGeom prst="rect">
+            <a:avLst/>
+          </a:prstGeom>
+          <a:solidFill>
+            <a:srgbClr val="92D050">
+              <a:alpha val="20000"/>
+            </a:srgbClr>
+          </a:solidFill>
+          <a:ln>
+            <a:noFill/>
+          </a:ln>
+        </p:spPr>
+        <p:style>
+          <a:lnRef idx="2">
+            <a:schemeClr val="accent1">
+              <a:shade val="50000"/>
+            </a:schemeClr>
+          </a:lnRef>
+          <a:fillRef idx="1">
+            <a:schemeClr val="accent1"/>
+          </a:fillRef>
+          <a:effectRef idx="0">
+            <a:schemeClr val="accent1"/>
+          </a:effectRef>
+          <a:fontRef idx="minor">
+            <a:schemeClr val="lt1"/>
+          </a:fontRef>
+        </p:style>
+        <p:txBody>
+          <a:bodyPr rtlCol="0" anchor="ctr"/>
+          <a:lstStyle/>
+          <a:p>
+            <a:pPr algn="ctr"/>
+            <a:endParaRPr lang="en-US"/>
+          </a:p>
+        </p:txBody>
+      </p:sp>
+      <p:sp>
+        <p:nvSpPr>
+          <p:cNvPr id="9" name="Rectangle 8"/>
+          <p:cNvSpPr/>
+          <p:nvPr/>
+        </p:nvSpPr>
+        <p:spPr>
+          <a:xfrm>
+            <a:off x="3511907" y="1798320"/>
+            <a:ext cx="838200" cy="3645409"/>
+          </a:xfrm>
+          <a:prstGeom prst="rect">
+            <a:avLst/>
+          </a:prstGeom>
+          <a:solidFill>
+            <a:schemeClr val="accent6">
+              <a:lumMod val="75000"/>
               <a:alpha val="20000"/>
             </a:schemeClr>
           </a:solidFill>
@@ -23967,20 +24063,21 @@
       </p:sp>
       <p:sp>
         <p:nvSpPr>
-          <p:cNvPr id="8" name="Rectangle 7"/>
+          <p:cNvPr id="10" name="Rectangle 9"/>
           <p:cNvSpPr/>
           <p:nvPr/>
         </p:nvSpPr>
         <p:spPr>
           <a:xfrm>
-            <a:off x="3733800" y="1981200"/>
-            <a:ext cx="762000" cy="3429000"/>
+            <a:off x="4350107" y="1798320"/>
+            <a:ext cx="762000" cy="3645409"/>
           </a:xfrm>
           <a:prstGeom prst="rect">
             <a:avLst/>
           </a:prstGeom>
           <a:solidFill>
-            <a:schemeClr val="accent1">
+            <a:schemeClr val="accent2">
+              <a:lumMod val="75000"/>
               <a:alpha val="20000"/>
             </a:schemeClr>
           </a:solidFill>
@@ -24015,20 +24112,22 @@
       </p:sp>
       <p:sp>
         <p:nvSpPr>
-          <p:cNvPr id="9" name="Rectangle 8"/>
+          <p:cNvPr id="11" name="Rectangle 10"/>
           <p:cNvSpPr/>
           <p:nvPr/>
         </p:nvSpPr>
         <p:spPr>
           <a:xfrm>
-            <a:off x="4557370" y="1969009"/>
-            <a:ext cx="838200" cy="3429000"/>
+            <a:off x="5104792" y="1798320"/>
+            <a:ext cx="838200" cy="3645409"/>
           </a:xfrm>
           <a:prstGeom prst="rect">
             <a:avLst/>
           </a:prstGeom>
           <a:solidFill>
-            <a:schemeClr val="accent1">
+            <a:schemeClr val="tx1">
+              <a:lumMod val="75000"/>
+              <a:lumOff val="25000"/>
               <a:alpha val="20000"/>
             </a:schemeClr>
           </a:solidFill>
@@ -24063,100 +24162,759 @@
       </p:sp>
       <p:sp>
         <p:nvSpPr>
-          <p:cNvPr id="10" name="Rectangle 9"/>
+          <p:cNvPr id="2" name="TextBox 1"/>
+          <p:cNvSpPr txBox="1"/>
+          <p:nvPr/>
+        </p:nvSpPr>
+        <p:spPr>
+          <a:xfrm>
+            <a:off x="1149707" y="1450933"/>
+            <a:ext cx="774571" cy="369332"/>
+          </a:xfrm>
+          <a:prstGeom prst="rect">
+            <a:avLst/>
+          </a:prstGeom>
+          <a:noFill/>
+        </p:spPr>
+        <p:txBody>
+          <a:bodyPr wrap="none" rtlCol="0">
+            <a:spAutoFit/>
+          </a:bodyPr>
+          <a:lstStyle/>
+          <a:p>
+            <a:r>
+              <a:rPr lang="en-US" dirty="0" smtClean="0">
+                <a:latin typeface="Times New Roman" pitchFamily="18" charset="0"/>
+                <a:cs typeface="Times New Roman" pitchFamily="18" charset="0"/>
+              </a:rPr>
+              <a:t>Angry</a:t>
+            </a:r>
+            <a:endParaRPr lang="en-US" dirty="0">
+              <a:latin typeface="Times New Roman" pitchFamily="18" charset="0"/>
+              <a:cs typeface="Times New Roman" pitchFamily="18" charset="0"/>
+            </a:endParaRPr>
+          </a:p>
+        </p:txBody>
+      </p:sp>
+      <p:sp>
+        <p:nvSpPr>
+          <p:cNvPr id="12" name="TextBox 11"/>
+          <p:cNvSpPr txBox="1"/>
+          <p:nvPr/>
+        </p:nvSpPr>
+        <p:spPr>
+          <a:xfrm>
+            <a:off x="1850137" y="1450933"/>
+            <a:ext cx="954107" cy="369332"/>
+          </a:xfrm>
+          <a:prstGeom prst="rect">
+            <a:avLst/>
+          </a:prstGeom>
+          <a:noFill/>
+        </p:spPr>
+        <p:txBody>
+          <a:bodyPr wrap="none" rtlCol="0">
+            <a:spAutoFit/>
+          </a:bodyPr>
+          <a:lstStyle/>
+          <a:p>
+            <a:r>
+              <a:rPr lang="en-US" dirty="0" smtClean="0">
+                <a:latin typeface="Times New Roman" pitchFamily="18" charset="0"/>
+                <a:cs typeface="Times New Roman" pitchFamily="18" charset="0"/>
+              </a:rPr>
+              <a:t>Surprise</a:t>
+            </a:r>
+            <a:endParaRPr lang="en-US" dirty="0">
+              <a:latin typeface="Times New Roman" pitchFamily="18" charset="0"/>
+              <a:cs typeface="Times New Roman" pitchFamily="18" charset="0"/>
+            </a:endParaRPr>
+          </a:p>
+        </p:txBody>
+      </p:sp>
+      <p:sp>
+        <p:nvSpPr>
+          <p:cNvPr id="13" name="TextBox 12"/>
+          <p:cNvSpPr txBox="1"/>
+          <p:nvPr/>
+        </p:nvSpPr>
+        <p:spPr>
+          <a:xfrm>
+            <a:off x="2698120" y="1450933"/>
+            <a:ext cx="889987" cy="369332"/>
+          </a:xfrm>
+          <a:prstGeom prst="rect">
+            <a:avLst/>
+          </a:prstGeom>
+          <a:noFill/>
+        </p:spPr>
+        <p:txBody>
+          <a:bodyPr wrap="none" rtlCol="0">
+            <a:spAutoFit/>
+          </a:bodyPr>
+          <a:lstStyle/>
+          <a:p>
+            <a:r>
+              <a:rPr lang="en-US" dirty="0" smtClean="0">
+                <a:latin typeface="Times New Roman" pitchFamily="18" charset="0"/>
+                <a:cs typeface="Times New Roman" pitchFamily="18" charset="0"/>
+              </a:rPr>
+              <a:t>Disgust</a:t>
+            </a:r>
+            <a:endParaRPr lang="en-US" dirty="0">
+              <a:latin typeface="Times New Roman" pitchFamily="18" charset="0"/>
+              <a:cs typeface="Times New Roman" pitchFamily="18" charset="0"/>
+            </a:endParaRPr>
+          </a:p>
+        </p:txBody>
+      </p:sp>
+      <p:sp>
+        <p:nvSpPr>
+          <p:cNvPr id="14" name="TextBox 13"/>
+          <p:cNvSpPr txBox="1"/>
+          <p:nvPr/>
+        </p:nvSpPr>
+        <p:spPr>
+          <a:xfrm>
+            <a:off x="3588107" y="1450933"/>
+            <a:ext cx="800219" cy="369332"/>
+          </a:xfrm>
+          <a:prstGeom prst="rect">
+            <a:avLst/>
+          </a:prstGeom>
+          <a:noFill/>
+        </p:spPr>
+        <p:txBody>
+          <a:bodyPr wrap="none" rtlCol="0">
+            <a:spAutoFit/>
+          </a:bodyPr>
+          <a:lstStyle/>
+          <a:p>
+            <a:r>
+              <a:rPr lang="en-US" dirty="0" smtClean="0">
+                <a:latin typeface="Times New Roman" pitchFamily="18" charset="0"/>
+                <a:cs typeface="Times New Roman" pitchFamily="18" charset="0"/>
+              </a:rPr>
+              <a:t>Happy</a:t>
+            </a:r>
+            <a:endParaRPr lang="en-US" dirty="0">
+              <a:latin typeface="Times New Roman" pitchFamily="18" charset="0"/>
+              <a:cs typeface="Times New Roman" pitchFamily="18" charset="0"/>
+            </a:endParaRPr>
+          </a:p>
+        </p:txBody>
+      </p:sp>
+      <p:sp>
+        <p:nvSpPr>
+          <p:cNvPr id="15" name="TextBox 14"/>
+          <p:cNvSpPr txBox="1"/>
+          <p:nvPr/>
+        </p:nvSpPr>
+        <p:spPr>
+          <a:xfrm>
+            <a:off x="4465649" y="1450933"/>
+            <a:ext cx="530915" cy="369332"/>
+          </a:xfrm>
+          <a:prstGeom prst="rect">
+            <a:avLst/>
+          </a:prstGeom>
+          <a:noFill/>
+        </p:spPr>
+        <p:txBody>
+          <a:bodyPr wrap="none" rtlCol="0">
+            <a:spAutoFit/>
+          </a:bodyPr>
+          <a:lstStyle/>
+          <a:p>
+            <a:r>
+              <a:rPr lang="en-US" dirty="0" smtClean="0">
+                <a:latin typeface="Times New Roman" pitchFamily="18" charset="0"/>
+                <a:cs typeface="Times New Roman" pitchFamily="18" charset="0"/>
+              </a:rPr>
+              <a:t>Sad</a:t>
+            </a:r>
+            <a:endParaRPr lang="en-US" dirty="0">
+              <a:latin typeface="Times New Roman" pitchFamily="18" charset="0"/>
+              <a:cs typeface="Times New Roman" pitchFamily="18" charset="0"/>
+            </a:endParaRPr>
+          </a:p>
+        </p:txBody>
+      </p:sp>
+      <p:sp>
+        <p:nvSpPr>
+          <p:cNvPr id="16" name="TextBox 15"/>
+          <p:cNvSpPr txBox="1"/>
+          <p:nvPr/>
+        </p:nvSpPr>
+        <p:spPr>
+          <a:xfrm>
+            <a:off x="5188307" y="1450933"/>
+            <a:ext cx="595035" cy="369332"/>
+          </a:xfrm>
+          <a:prstGeom prst="rect">
+            <a:avLst/>
+          </a:prstGeom>
+          <a:noFill/>
+        </p:spPr>
+        <p:txBody>
+          <a:bodyPr wrap="none" rtlCol="0">
+            <a:spAutoFit/>
+          </a:bodyPr>
+          <a:lstStyle/>
+          <a:p>
+            <a:r>
+              <a:rPr lang="en-US" dirty="0" smtClean="0">
+                <a:latin typeface="Times New Roman" pitchFamily="18" charset="0"/>
+                <a:cs typeface="Times New Roman" pitchFamily="18" charset="0"/>
+              </a:rPr>
+              <a:t>Fear</a:t>
+            </a:r>
+            <a:endParaRPr lang="en-US" dirty="0">
+              <a:latin typeface="Times New Roman" pitchFamily="18" charset="0"/>
+              <a:cs typeface="Times New Roman" pitchFamily="18" charset="0"/>
+            </a:endParaRPr>
+          </a:p>
+        </p:txBody>
+      </p:sp>
+      <p:sp>
+        <p:nvSpPr>
+          <p:cNvPr id="3" name="Freeform 2"/>
           <p:cNvSpPr/>
           <p:nvPr/>
         </p:nvSpPr>
         <p:spPr>
           <a:xfrm>
-            <a:off x="5361128" y="1981200"/>
-            <a:ext cx="838200" cy="3429000"/>
+            <a:off x="6002123" y="4383633"/>
+            <a:ext cx="1236269" cy="923419"/>
+          </a:xfrm>
+          <a:custGeom>
+            <a:avLst/>
+            <a:gdLst>
+              <a:gd name="connsiteX0" fmla="*/ 0 w 1236269"/>
+              <a:gd name="connsiteY0" fmla="*/ 877824 h 923419"/>
+              <a:gd name="connsiteX1" fmla="*/ 460858 w 1236269"/>
+              <a:gd name="connsiteY1" fmla="*/ 490119 h 923419"/>
+              <a:gd name="connsiteX2" fmla="*/ 402336 w 1236269"/>
+              <a:gd name="connsiteY2" fmla="*/ 914400 h 923419"/>
+              <a:gd name="connsiteX3" fmla="*/ 1236269 w 1236269"/>
+              <a:gd name="connsiteY3" fmla="*/ 0 h 923419"/>
+            </a:gdLst>
+            <a:ahLst/>
+            <a:cxnLst>
+              <a:cxn ang="0">
+                <a:pos x="connsiteX0" y="connsiteY0"/>
+              </a:cxn>
+              <a:cxn ang="0">
+                <a:pos x="connsiteX1" y="connsiteY1"/>
+              </a:cxn>
+              <a:cxn ang="0">
+                <a:pos x="connsiteX2" y="connsiteY2"/>
+              </a:cxn>
+              <a:cxn ang="0">
+                <a:pos x="connsiteX3" y="connsiteY3"/>
+              </a:cxn>
+            </a:cxnLst>
+            <a:rect l="l" t="t" r="r" b="b"/>
+            <a:pathLst>
+              <a:path w="1236269" h="923419">
+                <a:moveTo>
+                  <a:pt x="0" y="877824"/>
+                </a:moveTo>
+                <a:cubicBezTo>
+                  <a:pt x="196901" y="680923"/>
+                  <a:pt x="393802" y="484023"/>
+                  <a:pt x="460858" y="490119"/>
+                </a:cubicBezTo>
+                <a:cubicBezTo>
+                  <a:pt x="527914" y="496215"/>
+                  <a:pt x="273101" y="996087"/>
+                  <a:pt x="402336" y="914400"/>
+                </a:cubicBezTo>
+                <a:cubicBezTo>
+                  <a:pt x="531571" y="832713"/>
+                  <a:pt x="1107034" y="146304"/>
+                  <a:pt x="1236269" y="0"/>
+                </a:cubicBezTo>
+              </a:path>
+            </a:pathLst>
+          </a:custGeom>
+          <a:ln w="28575">
+            <a:headEnd type="stealth"/>
+            <a:tailEnd type="none"/>
+          </a:ln>
+        </p:spPr>
+        <p:style>
+          <a:lnRef idx="1">
+            <a:schemeClr val="accent1"/>
+          </a:lnRef>
+          <a:fillRef idx="0">
+            <a:schemeClr val="accent1"/>
+          </a:fillRef>
+          <a:effectRef idx="0">
+            <a:schemeClr val="accent1"/>
+          </a:effectRef>
+          <a:fontRef idx="minor">
+            <a:schemeClr val="tx1"/>
+          </a:fontRef>
+        </p:style>
+        <p:txBody>
+          <a:bodyPr rtlCol="0" anchor="ctr"/>
+          <a:lstStyle/>
+          <a:p>
+            <a:pPr algn="ctr"/>
+            <a:endParaRPr lang="en-US"/>
+          </a:p>
+        </p:txBody>
+      </p:sp>
+      <p:sp>
+        <p:nvSpPr>
+          <p:cNvPr id="17" name="Freeform 16"/>
+          <p:cNvSpPr/>
+          <p:nvPr/>
+        </p:nvSpPr>
+        <p:spPr>
+          <a:xfrm>
+            <a:off x="6152694" y="3474720"/>
+            <a:ext cx="1236269" cy="923419"/>
+          </a:xfrm>
+          <a:custGeom>
+            <a:avLst/>
+            <a:gdLst>
+              <a:gd name="connsiteX0" fmla="*/ 0 w 1236269"/>
+              <a:gd name="connsiteY0" fmla="*/ 877824 h 923419"/>
+              <a:gd name="connsiteX1" fmla="*/ 460858 w 1236269"/>
+              <a:gd name="connsiteY1" fmla="*/ 490119 h 923419"/>
+              <a:gd name="connsiteX2" fmla="*/ 402336 w 1236269"/>
+              <a:gd name="connsiteY2" fmla="*/ 914400 h 923419"/>
+              <a:gd name="connsiteX3" fmla="*/ 1236269 w 1236269"/>
+              <a:gd name="connsiteY3" fmla="*/ 0 h 923419"/>
+            </a:gdLst>
+            <a:ahLst/>
+            <a:cxnLst>
+              <a:cxn ang="0">
+                <a:pos x="connsiteX0" y="connsiteY0"/>
+              </a:cxn>
+              <a:cxn ang="0">
+                <a:pos x="connsiteX1" y="connsiteY1"/>
+              </a:cxn>
+              <a:cxn ang="0">
+                <a:pos x="connsiteX2" y="connsiteY2"/>
+              </a:cxn>
+              <a:cxn ang="0">
+                <a:pos x="connsiteX3" y="connsiteY3"/>
+              </a:cxn>
+            </a:cxnLst>
+            <a:rect l="l" t="t" r="r" b="b"/>
+            <a:pathLst>
+              <a:path w="1236269" h="923419">
+                <a:moveTo>
+                  <a:pt x="0" y="877824"/>
+                </a:moveTo>
+                <a:cubicBezTo>
+                  <a:pt x="196901" y="680923"/>
+                  <a:pt x="393802" y="484023"/>
+                  <a:pt x="460858" y="490119"/>
+                </a:cubicBezTo>
+                <a:cubicBezTo>
+                  <a:pt x="527914" y="496215"/>
+                  <a:pt x="273101" y="996087"/>
+                  <a:pt x="402336" y="914400"/>
+                </a:cubicBezTo>
+                <a:cubicBezTo>
+                  <a:pt x="531571" y="832713"/>
+                  <a:pt x="1107034" y="146304"/>
+                  <a:pt x="1236269" y="0"/>
+                </a:cubicBezTo>
+              </a:path>
+            </a:pathLst>
+          </a:custGeom>
+          <a:ln w="28575">
+            <a:headEnd type="stealth"/>
+            <a:tailEnd type="none"/>
+          </a:ln>
+        </p:spPr>
+        <p:style>
+          <a:lnRef idx="1">
+            <a:schemeClr val="accent1"/>
+          </a:lnRef>
+          <a:fillRef idx="0">
+            <a:schemeClr val="accent1"/>
+          </a:fillRef>
+          <a:effectRef idx="0">
+            <a:schemeClr val="accent1"/>
+          </a:effectRef>
+          <a:fontRef idx="minor">
+            <a:schemeClr val="tx1"/>
+          </a:fontRef>
+        </p:style>
+        <p:txBody>
+          <a:bodyPr rtlCol="0" anchor="ctr"/>
+          <a:lstStyle/>
+          <a:p>
+            <a:pPr algn="ctr"/>
+            <a:endParaRPr lang="en-US"/>
+          </a:p>
+        </p:txBody>
+      </p:sp>
+      <p:sp>
+        <p:nvSpPr>
+          <p:cNvPr id="4" name="TextBox 3"/>
+          <p:cNvSpPr txBox="1"/>
+          <p:nvPr/>
+        </p:nvSpPr>
+        <p:spPr>
+          <a:xfrm>
+            <a:off x="6858000" y="4038600"/>
+            <a:ext cx="1738617" cy="369332"/>
           </a:xfrm>
           <a:prstGeom prst="rect">
             <a:avLst/>
           </a:prstGeom>
-          <a:solidFill>
-            <a:schemeClr val="accent1">
-              <a:alpha val="20000"/>
-            </a:schemeClr>
-          </a:solidFill>
-          <a:ln>
-            <a:noFill/>
+          <a:noFill/>
+        </p:spPr>
+        <p:txBody>
+          <a:bodyPr wrap="none" rtlCol="0">
+            <a:spAutoFit/>
+          </a:bodyPr>
+          <a:lstStyle/>
+          <a:p>
+            <a:r>
+              <a:rPr lang="en-US" dirty="0" smtClean="0">
+                <a:latin typeface="Times New Roman" pitchFamily="18" charset="0"/>
+                <a:cs typeface="Times New Roman" pitchFamily="18" charset="0"/>
+              </a:rPr>
+              <a:t>Newton Method</a:t>
+            </a:r>
+            <a:endParaRPr lang="en-US" dirty="0">
+              <a:latin typeface="Times New Roman" pitchFamily="18" charset="0"/>
+              <a:cs typeface="Times New Roman" pitchFamily="18" charset="0"/>
+            </a:endParaRPr>
+          </a:p>
+        </p:txBody>
+      </p:sp>
+      <p:sp>
+        <p:nvSpPr>
+          <p:cNvPr id="18" name="TextBox 17"/>
+          <p:cNvSpPr txBox="1"/>
+          <p:nvPr/>
+        </p:nvSpPr>
+        <p:spPr>
+          <a:xfrm>
+            <a:off x="6553200" y="2581870"/>
+            <a:ext cx="1959291" cy="923330"/>
+          </a:xfrm>
+          <a:prstGeom prst="rect">
+            <a:avLst/>
+          </a:prstGeom>
+          <a:noFill/>
+        </p:spPr>
+        <p:txBody>
+          <a:bodyPr wrap="square" rtlCol="0">
+            <a:spAutoFit/>
+          </a:bodyPr>
+          <a:lstStyle/>
+          <a:p>
+            <a:pPr algn="ctr"/>
+            <a:r>
+              <a:rPr lang="en-US" dirty="0" smtClean="0">
+                <a:latin typeface="Times New Roman" pitchFamily="18" charset="0"/>
+                <a:cs typeface="Times New Roman" pitchFamily="18" charset="0"/>
+              </a:rPr>
+              <a:t>Disciplined Convex Optimization</a:t>
+            </a:r>
+            <a:endParaRPr lang="en-US" dirty="0">
+              <a:latin typeface="Times New Roman" pitchFamily="18" charset="0"/>
+              <a:cs typeface="Times New Roman" pitchFamily="18" charset="0"/>
+            </a:endParaRPr>
+          </a:p>
+        </p:txBody>
+      </p:sp>
+      <p:cxnSp>
+        <p:nvCxnSpPr>
+          <p:cNvPr id="20" name="Straight Connector 19"/>
+          <p:cNvCxnSpPr/>
+          <p:nvPr/>
+        </p:nvCxnSpPr>
+        <p:spPr>
+          <a:xfrm flipH="1" flipV="1">
+            <a:off x="1219200" y="5307052"/>
+            <a:ext cx="990600" cy="941348"/>
+          </a:xfrm>
+          <a:prstGeom prst="line">
+            <a:avLst/>
+          </a:prstGeom>
+          <a:ln w="25400">
+            <a:solidFill>
+              <a:srgbClr val="FFFF00"/>
+            </a:solidFill>
+            <a:tailEnd type="stealth"/>
           </a:ln>
         </p:spPr>
         <p:style>
-          <a:lnRef idx="2">
-            <a:schemeClr val="accent1">
-              <a:shade val="50000"/>
-            </a:schemeClr>
-          </a:lnRef>
-          <a:fillRef idx="1">
-            <a:schemeClr val="accent1"/>
-          </a:fillRef>
-          <a:effectRef idx="0">
-            <a:schemeClr val="accent1"/>
-          </a:effectRef>
-          <a:fontRef idx="minor">
-            <a:schemeClr val="lt1"/>
-          </a:fontRef>
-        </p:style>
-        <p:txBody>
-          <a:bodyPr rtlCol="0" anchor="ctr"/>
-          <a:lstStyle/>
-          <a:p>
-            <a:pPr algn="ctr"/>
-            <a:endParaRPr lang="en-US"/>
-          </a:p>
-        </p:txBody>
-      </p:sp>
-      <p:sp>
-        <p:nvSpPr>
-          <p:cNvPr id="11" name="Rectangle 10"/>
-          <p:cNvSpPr/>
-          <p:nvPr/>
-        </p:nvSpPr>
-        <p:spPr>
-          <a:xfrm>
-            <a:off x="6184698" y="1969009"/>
-            <a:ext cx="838200" cy="3429000"/>
-          </a:xfrm>
-          <a:prstGeom prst="rect">
-            <a:avLst/>
-          </a:prstGeom>
-          <a:solidFill>
-            <a:schemeClr val="accent1">
-              <a:alpha val="20000"/>
-            </a:schemeClr>
-          </a:solidFill>
-          <a:ln>
-            <a:noFill/>
+          <a:lnRef idx="1">
+            <a:schemeClr val="accent1"/>
+          </a:lnRef>
+          <a:fillRef idx="0">
+            <a:schemeClr val="accent1"/>
+          </a:fillRef>
+          <a:effectRef idx="0">
+            <a:schemeClr val="accent1"/>
+          </a:effectRef>
+          <a:fontRef idx="minor">
+            <a:schemeClr val="tx1"/>
+          </a:fontRef>
+        </p:style>
+      </p:cxnSp>
+      <p:cxnSp>
+        <p:nvCxnSpPr>
+          <p:cNvPr id="22" name="Straight Connector 21"/>
+          <p:cNvCxnSpPr/>
+          <p:nvPr/>
+        </p:nvCxnSpPr>
+        <p:spPr>
+          <a:xfrm>
+            <a:off x="2209800" y="6248400"/>
+            <a:ext cx="3733192" cy="0"/>
+          </a:xfrm>
+          <a:prstGeom prst="line">
+            <a:avLst/>
+          </a:prstGeom>
+          <a:ln w="25400">
+            <a:solidFill>
+              <a:srgbClr val="FFFF00"/>
+            </a:solidFill>
           </a:ln>
         </p:spPr>
         <p:style>
-          <a:lnRef idx="2">
-            <a:schemeClr val="accent1">
-              <a:shade val="50000"/>
-            </a:schemeClr>
-          </a:lnRef>
-          <a:fillRef idx="1">
-            <a:schemeClr val="accent1"/>
-          </a:fillRef>
-          <a:effectRef idx="0">
-            <a:schemeClr val="accent1"/>
-          </a:effectRef>
-          <a:fontRef idx="minor">
-            <a:schemeClr val="lt1"/>
-          </a:fontRef>
-        </p:style>
-        <p:txBody>
-          <a:bodyPr rtlCol="0" anchor="ctr"/>
-          <a:lstStyle/>
-          <a:p>
-            <a:pPr algn="ctr"/>
-            <a:endParaRPr lang="en-US"/>
-          </a:p>
-        </p:txBody>
-      </p:sp>
+          <a:lnRef idx="1">
+            <a:schemeClr val="accent1"/>
+          </a:lnRef>
+          <a:fillRef idx="0">
+            <a:schemeClr val="accent1"/>
+          </a:fillRef>
+          <a:effectRef idx="0">
+            <a:schemeClr val="accent1"/>
+          </a:effectRef>
+          <a:fontRef idx="minor">
+            <a:schemeClr val="tx1"/>
+          </a:fontRef>
+        </p:style>
+      </p:cxnSp>
+      <p:cxnSp>
+        <p:nvCxnSpPr>
+          <p:cNvPr id="24" name="Straight Arrow Connector 23"/>
+          <p:cNvCxnSpPr/>
+          <p:nvPr/>
+        </p:nvCxnSpPr>
+        <p:spPr>
+          <a:xfrm flipH="1" flipV="1">
+            <a:off x="2804244" y="4800600"/>
+            <a:ext cx="396156" cy="1447800"/>
+          </a:xfrm>
+          <a:prstGeom prst="straightConnector1">
+            <a:avLst/>
+          </a:prstGeom>
+          <a:ln w="25400">
+            <a:solidFill>
+              <a:srgbClr val="FFFF00"/>
+            </a:solidFill>
+            <a:tailEnd type="stealth"/>
+          </a:ln>
+        </p:spPr>
+        <p:style>
+          <a:lnRef idx="1">
+            <a:schemeClr val="accent1"/>
+          </a:lnRef>
+          <a:fillRef idx="0">
+            <a:schemeClr val="accent1"/>
+          </a:fillRef>
+          <a:effectRef idx="0">
+            <a:schemeClr val="accent1"/>
+          </a:effectRef>
+          <a:fontRef idx="minor">
+            <a:schemeClr val="tx1"/>
+          </a:fontRef>
+        </p:style>
+      </p:cxnSp>
+      <p:cxnSp>
+        <p:nvCxnSpPr>
+          <p:cNvPr id="26" name="Straight Arrow Connector 25"/>
+          <p:cNvCxnSpPr/>
+          <p:nvPr/>
+        </p:nvCxnSpPr>
+        <p:spPr>
+          <a:xfrm flipH="1" flipV="1">
+            <a:off x="3657600" y="4800600"/>
+            <a:ext cx="330616" cy="1447800"/>
+          </a:xfrm>
+          <a:prstGeom prst="straightConnector1">
+            <a:avLst/>
+          </a:prstGeom>
+          <a:ln w="25400">
+            <a:solidFill>
+              <a:srgbClr val="FFFF00"/>
+            </a:solidFill>
+            <a:tailEnd type="stealth"/>
+          </a:ln>
+        </p:spPr>
+        <p:style>
+          <a:lnRef idx="1">
+            <a:schemeClr val="accent1"/>
+          </a:lnRef>
+          <a:fillRef idx="0">
+            <a:schemeClr val="accent1"/>
+          </a:fillRef>
+          <a:effectRef idx="0">
+            <a:schemeClr val="accent1"/>
+          </a:effectRef>
+          <a:fontRef idx="minor">
+            <a:schemeClr val="tx1"/>
+          </a:fontRef>
+        </p:style>
+      </p:cxnSp>
+      <p:cxnSp>
+        <p:nvCxnSpPr>
+          <p:cNvPr id="28" name="Straight Arrow Connector 27"/>
+          <p:cNvCxnSpPr/>
+          <p:nvPr/>
+        </p:nvCxnSpPr>
+        <p:spPr>
+          <a:xfrm flipH="1" flipV="1">
+            <a:off x="4388326" y="4038600"/>
+            <a:ext cx="488474" cy="2209800"/>
+          </a:xfrm>
+          <a:prstGeom prst="straightConnector1">
+            <a:avLst/>
+          </a:prstGeom>
+          <a:ln w="25400">
+            <a:solidFill>
+              <a:srgbClr val="FFFF00"/>
+            </a:solidFill>
+            <a:tailEnd type="stealth"/>
+          </a:ln>
+        </p:spPr>
+        <p:style>
+          <a:lnRef idx="1">
+            <a:schemeClr val="accent1"/>
+          </a:lnRef>
+          <a:fillRef idx="0">
+            <a:schemeClr val="accent1"/>
+          </a:fillRef>
+          <a:effectRef idx="0">
+            <a:schemeClr val="accent1"/>
+          </a:effectRef>
+          <a:fontRef idx="minor">
+            <a:schemeClr val="tx1"/>
+          </a:fontRef>
+        </p:style>
+      </p:cxnSp>
+      <p:cxnSp>
+        <p:nvCxnSpPr>
+          <p:cNvPr id="30" name="Straight Arrow Connector 29"/>
+          <p:cNvCxnSpPr/>
+          <p:nvPr/>
+        </p:nvCxnSpPr>
+        <p:spPr>
+          <a:xfrm flipH="1" flipV="1">
+            <a:off x="5188307" y="5105400"/>
+            <a:ext cx="297517" cy="1143000"/>
+          </a:xfrm>
+          <a:prstGeom prst="straightConnector1">
+            <a:avLst/>
+          </a:prstGeom>
+          <a:ln w="25400">
+            <a:solidFill>
+              <a:srgbClr val="FFFF00"/>
+            </a:solidFill>
+            <a:tailEnd type="stealth"/>
+          </a:ln>
+        </p:spPr>
+        <p:style>
+          <a:lnRef idx="1">
+            <a:schemeClr val="accent1"/>
+          </a:lnRef>
+          <a:fillRef idx="0">
+            <a:schemeClr val="accent1"/>
+          </a:fillRef>
+          <a:effectRef idx="0">
+            <a:schemeClr val="accent1"/>
+          </a:effectRef>
+          <a:fontRef idx="minor">
+            <a:schemeClr val="tx1"/>
+          </a:fontRef>
+        </p:style>
+      </p:cxnSp>
+      <p:cxnSp>
+        <p:nvCxnSpPr>
+          <p:cNvPr id="32" name="Straight Arrow Connector 31"/>
+          <p:cNvCxnSpPr/>
+          <p:nvPr/>
+        </p:nvCxnSpPr>
+        <p:spPr>
+          <a:xfrm flipH="1" flipV="1">
+            <a:off x="2133600" y="3886200"/>
+            <a:ext cx="381000" cy="2362200"/>
+          </a:xfrm>
+          <a:prstGeom prst="straightConnector1">
+            <a:avLst/>
+          </a:prstGeom>
+          <a:ln w="25400">
+            <a:solidFill>
+              <a:srgbClr val="FFFF00"/>
+            </a:solidFill>
+            <a:tailEnd type="stealth"/>
+          </a:ln>
+        </p:spPr>
+        <p:style>
+          <a:lnRef idx="1">
+            <a:schemeClr val="accent1"/>
+          </a:lnRef>
+          <a:fillRef idx="0">
+            <a:schemeClr val="accent1"/>
+          </a:fillRef>
+          <a:effectRef idx="0">
+            <a:schemeClr val="accent1"/>
+          </a:effectRef>
+          <a:fontRef idx="minor">
+            <a:schemeClr val="tx1"/>
+          </a:fontRef>
+        </p:style>
+      </p:cxnSp>
+      <p:cxnSp>
+        <p:nvCxnSpPr>
+          <p:cNvPr id="36" name="Straight Connector 35"/>
+          <p:cNvCxnSpPr/>
+          <p:nvPr/>
+        </p:nvCxnSpPr>
+        <p:spPr>
+          <a:xfrm>
+            <a:off x="5987493" y="5443729"/>
+            <a:ext cx="0" cy="804671"/>
+          </a:xfrm>
+          <a:prstGeom prst="line">
+            <a:avLst/>
+          </a:prstGeom>
+          <a:ln w="22225">
+            <a:solidFill>
+              <a:srgbClr val="FFFF00"/>
+            </a:solidFill>
+          </a:ln>
+        </p:spPr>
+        <p:style>
+          <a:lnRef idx="1">
+            <a:schemeClr val="accent1"/>
+          </a:lnRef>
+          <a:fillRef idx="0">
+            <a:schemeClr val="accent1"/>
+          </a:fillRef>
+          <a:effectRef idx="0">
+            <a:schemeClr val="accent1"/>
+          </a:effectRef>
+          <a:fontRef idx="minor">
+            <a:schemeClr val="tx1"/>
+          </a:fontRef>
+        </p:style>
+      </p:cxnSp>
     </p:spTree>
     <p:extLst>
       <p:ext uri="{BB962C8B-B14F-4D97-AF65-F5344CB8AC3E}">
@@ -24167,6 +24925,13 @@
   <p:clrMapOvr>
     <a:masterClrMapping/>
   </p:clrMapOvr>
+  <p:timing>
+    <p:tnLst>
+      <p:par>
+        <p:cTn id="1" dur="indefinite" restart="never" nodeType="tmRoot"/>
+      </p:par>
+    </p:tnLst>
+  </p:timing>
 </p:sld>
 </file>
 

--- a/Dissertation/Presentation1.pptx
+++ b/Dissertation/Presentation1.pptx
@@ -11,9 +11,10 @@
     <p:sldId id="258" r:id="rId5"/>
     <p:sldId id="259" r:id="rId6"/>
     <p:sldId id="264" r:id="rId7"/>
-    <p:sldId id="261" r:id="rId8"/>
-    <p:sldId id="262" r:id="rId9"/>
-    <p:sldId id="263" r:id="rId10"/>
+    <p:sldId id="265" r:id="rId8"/>
+    <p:sldId id="261" r:id="rId9"/>
+    <p:sldId id="262" r:id="rId10"/>
+    <p:sldId id="263" r:id="rId11"/>
   </p:sldIdLst>
   <p:sldSz cx="9144000" cy="6858000" type="screen4x3"/>
   <p:notesSz cx="6858000" cy="9144000"/>
@@ -5799,6 +5800,653 @@
     <p:extLst>
       <p:ext uri="{BB962C8B-B14F-4D97-AF65-F5344CB8AC3E}">
         <p14:creationId xmlns:p14="http://schemas.microsoft.com/office/powerpoint/2010/main" val="3213259835"/>
+      </p:ext>
+    </p:extLst>
+  </p:cSld>
+  <p:clrMapOvr>
+    <a:masterClrMapping/>
+  </p:clrMapOvr>
+  <p:timing>
+    <p:tnLst>
+      <p:par>
+        <p:cTn id="1" dur="indefinite" restart="never" nodeType="tmRoot"/>
+      </p:par>
+    </p:tnLst>
+  </p:timing>
+</p:sld>
+</file>
+
+<file path=ppt/slides/slide10.xml><?xml version="1.0" encoding="utf-8"?>
+<p:sld xmlns:a="http://schemas.openxmlformats.org/drawingml/2006/main" xmlns:r="http://schemas.openxmlformats.org/officeDocument/2006/relationships" xmlns:p="http://schemas.openxmlformats.org/presentationml/2006/main">
+  <p:cSld>
+    <p:spTree>
+      <p:nvGrpSpPr>
+        <p:cNvPr id="1" name=""/>
+        <p:cNvGrpSpPr/>
+        <p:nvPr/>
+      </p:nvGrpSpPr>
+      <p:grpSpPr>
+        <a:xfrm>
+          <a:off x="0" y="0"/>
+          <a:ext cx="0" cy="0"/>
+          <a:chOff x="0" y="0"/>
+          <a:chExt cx="0" cy="0"/>
+        </a:xfrm>
+      </p:grpSpPr>
+      <p:pic>
+        <p:nvPicPr>
+          <p:cNvPr id="1026" name="Picture 2"/>
+          <p:cNvPicPr>
+            <a:picLocks noChangeAspect="1" noChangeArrowheads="1"/>
+          </p:cNvPicPr>
+          <p:nvPr/>
+        </p:nvPicPr>
+        <p:blipFill>
+          <a:blip r:embed="rId2">
+            <a:extLst>
+              <a:ext uri="{28A0092B-C50C-407E-A947-70E740481C1C}">
+                <a14:useLocalDpi xmlns:a14="http://schemas.microsoft.com/office/drawing/2010/main" val="0"/>
+              </a:ext>
+            </a:extLst>
+          </a:blip>
+          <a:srcRect/>
+          <a:stretch>
+            <a:fillRect/>
+          </a:stretch>
+        </p:blipFill>
+        <p:spPr bwMode="auto">
+          <a:xfrm>
+            <a:off x="3048000" y="1058119"/>
+            <a:ext cx="3048000" cy="4947256"/>
+          </a:xfrm>
+          <a:prstGeom prst="rect">
+            <a:avLst/>
+          </a:prstGeom>
+          <a:noFill/>
+          <a:ln>
+            <a:noFill/>
+          </a:ln>
+          <a:effectLst/>
+          <a:extLst>
+            <a:ext uri="{909E8E84-426E-40DD-AFC4-6F175D3DCCD1}">
+              <a14:hiddenFill xmlns:a14="http://schemas.microsoft.com/office/drawing/2010/main">
+                <a:solidFill>
+                  <a:schemeClr val="accent1"/>
+                </a:solidFill>
+              </a14:hiddenFill>
+            </a:ext>
+            <a:ext uri="{91240B29-F687-4F45-9708-019B960494DF}">
+              <a14:hiddenLine xmlns:a14="http://schemas.microsoft.com/office/drawing/2010/main" w="9525">
+                <a:solidFill>
+                  <a:schemeClr val="tx1"/>
+                </a:solidFill>
+                <a:miter lim="800000"/>
+                <a:headEnd/>
+                <a:tailEnd/>
+              </a14:hiddenLine>
+            </a:ext>
+            <a:ext uri="{AF507438-7753-43E0-B8FC-AC1667EBCBE1}">
+              <a14:hiddenEffects xmlns:a14="http://schemas.microsoft.com/office/drawing/2010/main">
+                <a:effectLst>
+                  <a:outerShdw dist="35921" dir="2700000" algn="ctr" rotWithShape="0">
+                    <a:schemeClr val="bg2"/>
+                  </a:outerShdw>
+                </a:effectLst>
+              </a14:hiddenEffects>
+            </a:ext>
+          </a:extLst>
+        </p:spPr>
+      </p:pic>
+      <p:sp>
+        <p:nvSpPr>
+          <p:cNvPr id="4" name="TextBox 3"/>
+          <p:cNvSpPr txBox="1"/>
+          <p:nvPr/>
+        </p:nvSpPr>
+        <p:spPr>
+          <a:xfrm>
+            <a:off x="685800" y="1219200"/>
+            <a:ext cx="988732" cy="369332"/>
+          </a:xfrm>
+          <a:prstGeom prst="rect">
+            <a:avLst/>
+          </a:prstGeom>
+          <a:noFill/>
+        </p:spPr>
+        <p:txBody>
+          <a:bodyPr wrap="none" rtlCol="0">
+            <a:spAutoFit/>
+          </a:bodyPr>
+          <a:lstStyle/>
+          <a:p>
+            <a:r>
+              <a:rPr lang="en-US" dirty="0" smtClean="0"/>
+              <a:t>Frontalis</a:t>
+            </a:r>
+            <a:endParaRPr lang="en-US" dirty="0"/>
+          </a:p>
+        </p:txBody>
+      </p:sp>
+      <p:cxnSp>
+        <p:nvCxnSpPr>
+          <p:cNvPr id="6" name="Elbow Connector 5"/>
+          <p:cNvCxnSpPr>
+            <a:stCxn id="4" idx="3"/>
+          </p:cNvCxnSpPr>
+          <p:nvPr/>
+        </p:nvCxnSpPr>
+        <p:spPr>
+          <a:xfrm>
+            <a:off x="1674532" y="1403866"/>
+            <a:ext cx="2287868" cy="729734"/>
+          </a:xfrm>
+          <a:prstGeom prst="bentConnector3">
+            <a:avLst/>
+          </a:prstGeom>
+          <a:ln w="31750">
+            <a:solidFill>
+              <a:schemeClr val="tx1"/>
+            </a:solidFill>
+            <a:tailEnd type="triangle"/>
+          </a:ln>
+        </p:spPr>
+        <p:style>
+          <a:lnRef idx="1">
+            <a:schemeClr val="accent1"/>
+          </a:lnRef>
+          <a:fillRef idx="0">
+            <a:schemeClr val="accent1"/>
+          </a:fillRef>
+          <a:effectRef idx="0">
+            <a:schemeClr val="accent1"/>
+          </a:effectRef>
+          <a:fontRef idx="minor">
+            <a:schemeClr val="tx1"/>
+          </a:fontRef>
+        </p:style>
+      </p:cxnSp>
+      <p:sp>
+        <p:nvSpPr>
+          <p:cNvPr id="8" name="TextBox 7"/>
+          <p:cNvSpPr txBox="1"/>
+          <p:nvPr/>
+        </p:nvSpPr>
+        <p:spPr>
+          <a:xfrm>
+            <a:off x="228600" y="2280213"/>
+            <a:ext cx="1728358" cy="369332"/>
+          </a:xfrm>
+          <a:prstGeom prst="rect">
+            <a:avLst/>
+          </a:prstGeom>
+          <a:noFill/>
+        </p:spPr>
+        <p:txBody>
+          <a:bodyPr wrap="none" rtlCol="0">
+            <a:spAutoFit/>
+          </a:bodyPr>
+          <a:lstStyle/>
+          <a:p>
+            <a:r>
+              <a:rPr lang="en-US" dirty="0" smtClean="0"/>
+              <a:t>Orbicularis Oculi</a:t>
+            </a:r>
+            <a:endParaRPr lang="en-US" dirty="0"/>
+          </a:p>
+        </p:txBody>
+      </p:sp>
+      <p:cxnSp>
+        <p:nvCxnSpPr>
+          <p:cNvPr id="9" name="Elbow Connector 8"/>
+          <p:cNvCxnSpPr>
+            <a:stCxn id="8" idx="3"/>
+          </p:cNvCxnSpPr>
+          <p:nvPr/>
+        </p:nvCxnSpPr>
+        <p:spPr>
+          <a:xfrm>
+            <a:off x="1956958" y="2464879"/>
+            <a:ext cx="2005442" cy="278321"/>
+          </a:xfrm>
+          <a:prstGeom prst="bentConnector3">
+            <a:avLst/>
+          </a:prstGeom>
+          <a:ln w="31750">
+            <a:solidFill>
+              <a:schemeClr val="tx1"/>
+            </a:solidFill>
+            <a:tailEnd type="triangle"/>
+          </a:ln>
+        </p:spPr>
+        <p:style>
+          <a:lnRef idx="1">
+            <a:schemeClr val="accent1"/>
+          </a:lnRef>
+          <a:fillRef idx="0">
+            <a:schemeClr val="accent1"/>
+          </a:fillRef>
+          <a:effectRef idx="0">
+            <a:schemeClr val="accent1"/>
+          </a:effectRef>
+          <a:fontRef idx="minor">
+            <a:schemeClr val="tx1"/>
+          </a:fontRef>
+        </p:style>
+      </p:cxnSp>
+      <p:sp>
+        <p:nvSpPr>
+          <p:cNvPr id="11" name="TextBox 10"/>
+          <p:cNvSpPr txBox="1"/>
+          <p:nvPr/>
+        </p:nvSpPr>
+        <p:spPr>
+          <a:xfrm>
+            <a:off x="358815" y="2895600"/>
+            <a:ext cx="1967590" cy="369332"/>
+          </a:xfrm>
+          <a:prstGeom prst="rect">
+            <a:avLst/>
+          </a:prstGeom>
+          <a:noFill/>
+        </p:spPr>
+        <p:txBody>
+          <a:bodyPr wrap="none" rtlCol="0">
+            <a:spAutoFit/>
+          </a:bodyPr>
+          <a:lstStyle/>
+          <a:p>
+            <a:r>
+              <a:rPr lang="en-US" dirty="0" smtClean="0"/>
+              <a:t>Zygomaticus Major</a:t>
+            </a:r>
+            <a:endParaRPr lang="en-US" dirty="0"/>
+          </a:p>
+        </p:txBody>
+      </p:sp>
+      <p:cxnSp>
+        <p:nvCxnSpPr>
+          <p:cNvPr id="12" name="Elbow Connector 11"/>
+          <p:cNvCxnSpPr>
+            <a:stCxn id="11" idx="3"/>
+          </p:cNvCxnSpPr>
+          <p:nvPr/>
+        </p:nvCxnSpPr>
+        <p:spPr>
+          <a:xfrm>
+            <a:off x="2326405" y="3080266"/>
+            <a:ext cx="1407395" cy="577334"/>
+          </a:xfrm>
+          <a:prstGeom prst="bentConnector3">
+            <a:avLst/>
+          </a:prstGeom>
+          <a:ln w="31750">
+            <a:solidFill>
+              <a:schemeClr val="tx1"/>
+            </a:solidFill>
+            <a:tailEnd type="triangle"/>
+          </a:ln>
+        </p:spPr>
+        <p:style>
+          <a:lnRef idx="1">
+            <a:schemeClr val="accent1"/>
+          </a:lnRef>
+          <a:fillRef idx="0">
+            <a:schemeClr val="accent1"/>
+          </a:fillRef>
+          <a:effectRef idx="0">
+            <a:schemeClr val="accent1"/>
+          </a:effectRef>
+          <a:fontRef idx="minor">
+            <a:schemeClr val="tx1"/>
+          </a:fontRef>
+        </p:style>
+      </p:cxnSp>
+      <p:sp>
+        <p:nvSpPr>
+          <p:cNvPr id="14" name="TextBox 13"/>
+          <p:cNvSpPr txBox="1"/>
+          <p:nvPr/>
+        </p:nvSpPr>
+        <p:spPr>
+          <a:xfrm>
+            <a:off x="251749" y="3733800"/>
+            <a:ext cx="1625766" cy="369332"/>
+          </a:xfrm>
+          <a:prstGeom prst="rect">
+            <a:avLst/>
+          </a:prstGeom>
+          <a:noFill/>
+        </p:spPr>
+        <p:txBody>
+          <a:bodyPr wrap="none" rtlCol="0">
+            <a:spAutoFit/>
+          </a:bodyPr>
+          <a:lstStyle/>
+          <a:p>
+            <a:r>
+              <a:rPr lang="en-US" dirty="0" smtClean="0"/>
+              <a:t>Orbicularis Oris</a:t>
+            </a:r>
+            <a:endParaRPr lang="en-US" dirty="0"/>
+          </a:p>
+        </p:txBody>
+      </p:sp>
+      <p:cxnSp>
+        <p:nvCxnSpPr>
+          <p:cNvPr id="15" name="Elbow Connector 14"/>
+          <p:cNvCxnSpPr>
+            <a:stCxn id="14" idx="3"/>
+          </p:cNvCxnSpPr>
+          <p:nvPr/>
+        </p:nvCxnSpPr>
+        <p:spPr>
+          <a:xfrm>
+            <a:off x="1877515" y="3918466"/>
+            <a:ext cx="2313485" cy="272534"/>
+          </a:xfrm>
+          <a:prstGeom prst="bentConnector3">
+            <a:avLst/>
+          </a:prstGeom>
+          <a:ln w="31750">
+            <a:solidFill>
+              <a:schemeClr val="tx1"/>
+            </a:solidFill>
+            <a:tailEnd type="triangle"/>
+          </a:ln>
+        </p:spPr>
+        <p:style>
+          <a:lnRef idx="1">
+            <a:schemeClr val="accent1"/>
+          </a:lnRef>
+          <a:fillRef idx="0">
+            <a:schemeClr val="accent1"/>
+          </a:fillRef>
+          <a:effectRef idx="0">
+            <a:schemeClr val="accent1"/>
+          </a:effectRef>
+          <a:fontRef idx="minor">
+            <a:schemeClr val="tx1"/>
+          </a:fontRef>
+        </p:style>
+      </p:cxnSp>
+      <p:sp>
+        <p:nvSpPr>
+          <p:cNvPr id="16" name="Rectangle 15"/>
+          <p:cNvSpPr/>
+          <p:nvPr/>
+        </p:nvSpPr>
+        <p:spPr>
+          <a:xfrm>
+            <a:off x="445175" y="5204843"/>
+            <a:ext cx="997261" cy="369332"/>
+          </a:xfrm>
+          <a:prstGeom prst="rect">
+            <a:avLst/>
+          </a:prstGeom>
+        </p:spPr>
+        <p:txBody>
+          <a:bodyPr wrap="none">
+            <a:spAutoFit/>
+          </a:bodyPr>
+          <a:lstStyle/>
+          <a:p>
+            <a:r>
+              <a:rPr lang="en-US" dirty="0" smtClean="0"/>
+              <a:t>Mentalis</a:t>
+            </a:r>
+            <a:endParaRPr lang="en-US" dirty="0"/>
+          </a:p>
+        </p:txBody>
+      </p:sp>
+      <p:cxnSp>
+        <p:nvCxnSpPr>
+          <p:cNvPr id="18" name="Elbow Connector 17"/>
+          <p:cNvCxnSpPr>
+            <a:stCxn id="16" idx="3"/>
+          </p:cNvCxnSpPr>
+          <p:nvPr/>
+        </p:nvCxnSpPr>
+        <p:spPr>
+          <a:xfrm flipV="1">
+            <a:off x="1442436" y="4519043"/>
+            <a:ext cx="2983039" cy="870466"/>
+          </a:xfrm>
+          <a:prstGeom prst="bentConnector3">
+            <a:avLst>
+              <a:gd name="adj1" fmla="val 78713"/>
+            </a:avLst>
+          </a:prstGeom>
+          <a:ln w="31750">
+            <a:solidFill>
+              <a:schemeClr val="tx1"/>
+            </a:solidFill>
+            <a:tailEnd type="triangle"/>
+          </a:ln>
+        </p:spPr>
+        <p:style>
+          <a:lnRef idx="1">
+            <a:schemeClr val="accent1"/>
+          </a:lnRef>
+          <a:fillRef idx="0">
+            <a:schemeClr val="accent1"/>
+          </a:fillRef>
+          <a:effectRef idx="0">
+            <a:schemeClr val="accent1"/>
+          </a:effectRef>
+          <a:fontRef idx="minor">
+            <a:schemeClr val="tx1"/>
+          </a:fontRef>
+        </p:style>
+      </p:cxnSp>
+      <p:sp>
+        <p:nvSpPr>
+          <p:cNvPr id="20" name="Rectangle 19"/>
+          <p:cNvSpPr/>
+          <p:nvPr/>
+        </p:nvSpPr>
+        <p:spPr>
+          <a:xfrm>
+            <a:off x="331807" y="4595336"/>
+            <a:ext cx="2516523" cy="369332"/>
+          </a:xfrm>
+          <a:prstGeom prst="rect">
+            <a:avLst/>
+          </a:prstGeom>
+        </p:spPr>
+        <p:txBody>
+          <a:bodyPr wrap="none">
+            <a:spAutoFit/>
+          </a:bodyPr>
+          <a:lstStyle/>
+          <a:p>
+            <a:r>
+              <a:rPr lang="en-US" dirty="0" smtClean="0"/>
+              <a:t>Depressor Labii Inferioris</a:t>
+            </a:r>
+            <a:endParaRPr lang="en-US" dirty="0"/>
+          </a:p>
+        </p:txBody>
+      </p:sp>
+      <p:cxnSp>
+        <p:nvCxnSpPr>
+          <p:cNvPr id="21" name="Elbow Connector 20"/>
+          <p:cNvCxnSpPr/>
+          <p:nvPr/>
+        </p:nvCxnSpPr>
+        <p:spPr>
+          <a:xfrm flipV="1">
+            <a:off x="2895600" y="4419600"/>
+            <a:ext cx="1342670" cy="360402"/>
+          </a:xfrm>
+          <a:prstGeom prst="bentConnector3">
+            <a:avLst/>
+          </a:prstGeom>
+          <a:ln w="31750">
+            <a:solidFill>
+              <a:schemeClr val="tx1"/>
+            </a:solidFill>
+            <a:tailEnd type="triangle"/>
+          </a:ln>
+        </p:spPr>
+        <p:style>
+          <a:lnRef idx="1">
+            <a:schemeClr val="accent1"/>
+          </a:lnRef>
+          <a:fillRef idx="0">
+            <a:schemeClr val="accent1"/>
+          </a:fillRef>
+          <a:effectRef idx="0">
+            <a:schemeClr val="accent1"/>
+          </a:effectRef>
+          <a:fontRef idx="minor">
+            <a:schemeClr val="tx1"/>
+          </a:fontRef>
+        </p:style>
+      </p:cxnSp>
+      <p:sp>
+        <p:nvSpPr>
+          <p:cNvPr id="26" name="TextBox 25"/>
+          <p:cNvSpPr txBox="1"/>
+          <p:nvPr/>
+        </p:nvSpPr>
+        <p:spPr>
+          <a:xfrm>
+            <a:off x="6324600" y="2583690"/>
+            <a:ext cx="1977208" cy="369332"/>
+          </a:xfrm>
+          <a:prstGeom prst="rect">
+            <a:avLst/>
+          </a:prstGeom>
+          <a:noFill/>
+        </p:spPr>
+        <p:txBody>
+          <a:bodyPr wrap="none" rtlCol="0">
+            <a:spAutoFit/>
+          </a:bodyPr>
+          <a:lstStyle/>
+          <a:p>
+            <a:r>
+              <a:rPr lang="en-US" dirty="0" smtClean="0"/>
+              <a:t>Zygomaticus Minor</a:t>
+            </a:r>
+            <a:endParaRPr lang="en-US" dirty="0"/>
+          </a:p>
+        </p:txBody>
+      </p:sp>
+      <p:cxnSp>
+        <p:nvCxnSpPr>
+          <p:cNvPr id="27" name="Elbow Connector 26"/>
+          <p:cNvCxnSpPr>
+            <a:stCxn id="26" idx="1"/>
+          </p:cNvCxnSpPr>
+          <p:nvPr/>
+        </p:nvCxnSpPr>
+        <p:spPr>
+          <a:xfrm rot="10800000" flipV="1">
+            <a:off x="5334000" y="2768355"/>
+            <a:ext cx="990600" cy="763391"/>
+          </a:xfrm>
+          <a:prstGeom prst="bentConnector3">
+            <a:avLst>
+              <a:gd name="adj1" fmla="val 20789"/>
+            </a:avLst>
+          </a:prstGeom>
+          <a:ln w="31750">
+            <a:solidFill>
+              <a:schemeClr val="tx1"/>
+            </a:solidFill>
+            <a:tailEnd type="triangle"/>
+          </a:ln>
+        </p:spPr>
+        <p:style>
+          <a:lnRef idx="1">
+            <a:schemeClr val="accent1"/>
+          </a:lnRef>
+          <a:fillRef idx="0">
+            <a:schemeClr val="accent1"/>
+          </a:fillRef>
+          <a:effectRef idx="0">
+            <a:schemeClr val="accent1"/>
+          </a:effectRef>
+          <a:fontRef idx="minor">
+            <a:schemeClr val="tx1"/>
+          </a:fontRef>
+        </p:style>
+      </p:cxnSp>
+      <p:sp>
+        <p:nvSpPr>
+          <p:cNvPr id="30" name="TextBox 29"/>
+          <p:cNvSpPr txBox="1"/>
+          <p:nvPr/>
+        </p:nvSpPr>
+        <p:spPr>
+          <a:xfrm>
+            <a:off x="6334218" y="1403866"/>
+            <a:ext cx="1967590" cy="646331"/>
+          </a:xfrm>
+          <a:prstGeom prst="rect">
+            <a:avLst/>
+          </a:prstGeom>
+          <a:noFill/>
+        </p:spPr>
+        <p:txBody>
+          <a:bodyPr wrap="square" rtlCol="0">
+            <a:spAutoFit/>
+          </a:bodyPr>
+          <a:lstStyle/>
+          <a:p>
+            <a:r>
+              <a:rPr lang="en-US" dirty="0" smtClean="0"/>
+              <a:t>Levator Palpebrae Superioris</a:t>
+            </a:r>
+            <a:endParaRPr lang="en-US" dirty="0"/>
+          </a:p>
+        </p:txBody>
+      </p:sp>
+      <p:cxnSp>
+        <p:nvCxnSpPr>
+          <p:cNvPr id="31" name="Elbow Connector 30"/>
+          <p:cNvCxnSpPr>
+            <a:stCxn id="30" idx="1"/>
+          </p:cNvCxnSpPr>
+          <p:nvPr/>
+        </p:nvCxnSpPr>
+        <p:spPr>
+          <a:xfrm rot="10800000" flipV="1">
+            <a:off x="5181600" y="1727032"/>
+            <a:ext cx="1152618" cy="1041322"/>
+          </a:xfrm>
+          <a:prstGeom prst="bentConnector3">
+            <a:avLst>
+              <a:gd name="adj1" fmla="val 27787"/>
+            </a:avLst>
+          </a:prstGeom>
+          <a:ln w="31750">
+            <a:solidFill>
+              <a:schemeClr val="tx1"/>
+            </a:solidFill>
+            <a:tailEnd type="triangle"/>
+          </a:ln>
+        </p:spPr>
+        <p:style>
+          <a:lnRef idx="1">
+            <a:schemeClr val="accent1"/>
+          </a:lnRef>
+          <a:fillRef idx="0">
+            <a:schemeClr val="accent1"/>
+          </a:fillRef>
+          <a:effectRef idx="0">
+            <a:schemeClr val="accent1"/>
+          </a:effectRef>
+          <a:fontRef idx="minor">
+            <a:schemeClr val="tx1"/>
+          </a:fontRef>
+        </p:style>
+      </p:cxnSp>
+    </p:spTree>
+    <p:extLst>
+      <p:ext uri="{BB962C8B-B14F-4D97-AF65-F5344CB8AC3E}">
+        <p14:creationId xmlns:p14="http://schemas.microsoft.com/office/powerpoint/2010/main" val="1499761884"/>
       </p:ext>
     </p:extLst>
   </p:cSld>
@@ -24952,983 +25600,40 @@
           <a:chExt cx="0" cy="0"/>
         </a:xfrm>
       </p:grpSpPr>
-      <p:sp>
-        <p:nvSpPr>
-          <p:cNvPr id="4" name="Oval 3"/>
-          <p:cNvSpPr/>
-          <p:nvPr/>
-        </p:nvSpPr>
-        <p:spPr>
-          <a:xfrm>
-            <a:off x="3733800" y="2251953"/>
-            <a:ext cx="1219200" cy="1219200"/>
-          </a:xfrm>
-          <a:prstGeom prst="ellipse">
-            <a:avLst/>
-          </a:prstGeom>
-        </p:spPr>
-        <p:style>
-          <a:lnRef idx="1">
-            <a:schemeClr val="accent5"/>
-          </a:lnRef>
-          <a:fillRef idx="2">
-            <a:schemeClr val="accent5"/>
-          </a:fillRef>
-          <a:effectRef idx="1">
-            <a:schemeClr val="accent5"/>
-          </a:effectRef>
-          <a:fontRef idx="minor">
-            <a:schemeClr val="dk1"/>
-          </a:fontRef>
-        </p:style>
-        <p:txBody>
-          <a:bodyPr rtlCol="0" anchor="ctr"/>
-          <a:lstStyle/>
-          <a:p>
-            <a:pPr algn="ctr"/>
-            <a:endParaRPr lang="en-US" dirty="0"/>
-          </a:p>
-        </p:txBody>
-      </p:sp>
-      <p:sp>
-        <p:nvSpPr>
-          <p:cNvPr id="5" name="Oval 4"/>
-          <p:cNvSpPr/>
-          <p:nvPr/>
-        </p:nvSpPr>
-        <p:spPr>
-          <a:xfrm>
-            <a:off x="1729902" y="1008434"/>
-            <a:ext cx="609600" cy="609600"/>
-          </a:xfrm>
-          <a:prstGeom prst="ellipse">
-            <a:avLst/>
-          </a:prstGeom>
-        </p:spPr>
-        <p:style>
-          <a:lnRef idx="1">
-            <a:schemeClr val="accent2"/>
-          </a:lnRef>
-          <a:fillRef idx="3">
-            <a:schemeClr val="accent2"/>
-          </a:fillRef>
-          <a:effectRef idx="2">
-            <a:schemeClr val="accent2"/>
-          </a:effectRef>
-          <a:fontRef idx="minor">
-            <a:schemeClr val="lt1"/>
-          </a:fontRef>
-        </p:style>
-        <p:txBody>
-          <a:bodyPr rtlCol="0" anchor="ctr"/>
-          <a:lstStyle/>
-          <a:p>
-            <a:pPr algn="ctr"/>
-            <a:endParaRPr lang="en-US"/>
-          </a:p>
-        </p:txBody>
-      </p:sp>
-      <p:sp>
-        <p:nvSpPr>
-          <p:cNvPr id="6" name="Oval 5"/>
-          <p:cNvSpPr/>
-          <p:nvPr/>
-        </p:nvSpPr>
-        <p:spPr>
-          <a:xfrm>
-            <a:off x="2514600" y="1008434"/>
-            <a:ext cx="609600" cy="609600"/>
-          </a:xfrm>
-          <a:prstGeom prst="ellipse">
-            <a:avLst/>
-          </a:prstGeom>
-        </p:spPr>
-        <p:style>
-          <a:lnRef idx="1">
-            <a:schemeClr val="accent2"/>
-          </a:lnRef>
-          <a:fillRef idx="3">
-            <a:schemeClr val="accent2"/>
-          </a:fillRef>
-          <a:effectRef idx="2">
-            <a:schemeClr val="accent2"/>
-          </a:effectRef>
-          <a:fontRef idx="minor">
-            <a:schemeClr val="lt1"/>
-          </a:fontRef>
-        </p:style>
-        <p:txBody>
-          <a:bodyPr rtlCol="0" anchor="ctr"/>
-          <a:lstStyle/>
-          <a:p>
-            <a:pPr algn="ctr"/>
-            <a:endParaRPr lang="en-US"/>
-          </a:p>
-        </p:txBody>
-      </p:sp>
-      <p:sp>
-        <p:nvSpPr>
-          <p:cNvPr id="7" name="Oval 6"/>
-          <p:cNvSpPr/>
-          <p:nvPr/>
-        </p:nvSpPr>
-        <p:spPr>
-          <a:xfrm>
-            <a:off x="3352800" y="1006813"/>
-            <a:ext cx="609600" cy="609600"/>
-          </a:xfrm>
-          <a:prstGeom prst="ellipse">
-            <a:avLst/>
-          </a:prstGeom>
-        </p:spPr>
-        <p:style>
-          <a:lnRef idx="1">
-            <a:schemeClr val="accent2"/>
-          </a:lnRef>
-          <a:fillRef idx="3">
-            <a:schemeClr val="accent2"/>
-          </a:fillRef>
-          <a:effectRef idx="2">
-            <a:schemeClr val="accent2"/>
-          </a:effectRef>
-          <a:fontRef idx="minor">
-            <a:schemeClr val="lt1"/>
-          </a:fontRef>
-        </p:style>
-        <p:txBody>
-          <a:bodyPr rtlCol="0" anchor="ctr"/>
-          <a:lstStyle/>
-          <a:p>
-            <a:pPr algn="ctr"/>
-            <a:endParaRPr lang="en-US"/>
-          </a:p>
-        </p:txBody>
-      </p:sp>
-      <p:sp>
-        <p:nvSpPr>
-          <p:cNvPr id="8" name="Rounded Rectangle 7"/>
-          <p:cNvSpPr/>
-          <p:nvPr/>
-        </p:nvSpPr>
-        <p:spPr>
-          <a:xfrm>
-            <a:off x="2286000" y="2480553"/>
-            <a:ext cx="1066800" cy="762000"/>
-          </a:xfrm>
-          <a:prstGeom prst="roundRect">
-            <a:avLst/>
-          </a:prstGeom>
-        </p:spPr>
-        <p:style>
-          <a:lnRef idx="1">
-            <a:schemeClr val="accent6"/>
-          </a:lnRef>
-          <a:fillRef idx="2">
-            <a:schemeClr val="accent6"/>
-          </a:fillRef>
-          <a:effectRef idx="1">
-            <a:schemeClr val="accent6"/>
-          </a:effectRef>
-          <a:fontRef idx="minor">
-            <a:schemeClr val="dk1"/>
-          </a:fontRef>
-        </p:style>
-        <p:txBody>
-          <a:bodyPr rtlCol="0" anchor="ctr"/>
-          <a:lstStyle/>
-          <a:p>
-            <a:pPr algn="ctr"/>
-            <a:endParaRPr lang="en-US"/>
-          </a:p>
-        </p:txBody>
-      </p:sp>
-      <p:sp>
-        <p:nvSpPr>
-          <p:cNvPr id="9" name="Rounded Rectangle 8"/>
-          <p:cNvSpPr/>
-          <p:nvPr/>
-        </p:nvSpPr>
-        <p:spPr>
-          <a:xfrm>
-            <a:off x="5257800" y="2480553"/>
-            <a:ext cx="1066800" cy="762000"/>
-          </a:xfrm>
-          <a:prstGeom prst="roundRect">
-            <a:avLst/>
-          </a:prstGeom>
-        </p:spPr>
-        <p:style>
-          <a:lnRef idx="1">
-            <a:schemeClr val="accent6"/>
-          </a:lnRef>
-          <a:fillRef idx="2">
-            <a:schemeClr val="accent6"/>
-          </a:fillRef>
-          <a:effectRef idx="1">
-            <a:schemeClr val="accent6"/>
-          </a:effectRef>
-          <a:fontRef idx="minor">
-            <a:schemeClr val="dk1"/>
-          </a:fontRef>
-        </p:style>
-        <p:txBody>
-          <a:bodyPr rtlCol="0" anchor="ctr"/>
-          <a:lstStyle/>
-          <a:p>
-            <a:pPr algn="ctr"/>
-            <a:endParaRPr lang="en-US"/>
-          </a:p>
-        </p:txBody>
-      </p:sp>
-      <p:cxnSp>
-        <p:nvCxnSpPr>
-          <p:cNvPr id="13" name="Elbow Connector 12"/>
-          <p:cNvCxnSpPr>
-            <a:stCxn id="5" idx="4"/>
-            <a:endCxn id="8" idx="0"/>
-          </p:cNvCxnSpPr>
-          <p:nvPr/>
-        </p:nvCxnSpPr>
-        <p:spPr>
-          <a:xfrm rot="16200000" flipH="1">
-            <a:off x="1995792" y="1656944"/>
-            <a:ext cx="862519" cy="784698"/>
-          </a:xfrm>
-          <a:prstGeom prst="bentConnector3">
-            <a:avLst/>
-          </a:prstGeom>
-          <a:ln w="28575">
-            <a:solidFill>
-              <a:schemeClr val="tx1"/>
-            </a:solidFill>
-            <a:tailEnd type="stealth"/>
-          </a:ln>
-        </p:spPr>
-        <p:style>
-          <a:lnRef idx="1">
-            <a:schemeClr val="accent1"/>
-          </a:lnRef>
-          <a:fillRef idx="0">
-            <a:schemeClr val="accent1"/>
-          </a:fillRef>
-          <a:effectRef idx="0">
-            <a:schemeClr val="accent1"/>
-          </a:effectRef>
-          <a:fontRef idx="minor">
-            <a:schemeClr val="tx1"/>
-          </a:fontRef>
-        </p:style>
-      </p:cxnSp>
-      <p:cxnSp>
-        <p:nvCxnSpPr>
-          <p:cNvPr id="17" name="Elbow Connector 16"/>
-          <p:cNvCxnSpPr>
-            <a:stCxn id="7" idx="4"/>
-            <a:endCxn id="8" idx="0"/>
-          </p:cNvCxnSpPr>
-          <p:nvPr/>
-        </p:nvCxnSpPr>
-        <p:spPr>
-          <a:xfrm rot="5400000">
-            <a:off x="2806430" y="1629383"/>
-            <a:ext cx="864140" cy="838200"/>
-          </a:xfrm>
-          <a:prstGeom prst="bentConnector3">
-            <a:avLst/>
-          </a:prstGeom>
-          <a:ln w="28575">
-            <a:solidFill>
-              <a:schemeClr val="tx1"/>
-            </a:solidFill>
-            <a:tailEnd type="stealth"/>
-          </a:ln>
-        </p:spPr>
-        <p:style>
-          <a:lnRef idx="1">
-            <a:schemeClr val="accent1"/>
-          </a:lnRef>
-          <a:fillRef idx="0">
-            <a:schemeClr val="accent1"/>
-          </a:fillRef>
-          <a:effectRef idx="0">
-            <a:schemeClr val="accent1"/>
-          </a:effectRef>
-          <a:fontRef idx="minor">
-            <a:schemeClr val="tx1"/>
-          </a:fontRef>
-        </p:style>
-      </p:cxnSp>
-      <p:cxnSp>
-        <p:nvCxnSpPr>
-          <p:cNvPr id="19" name="Straight Arrow Connector 18"/>
-          <p:cNvCxnSpPr>
-            <a:stCxn id="6" idx="4"/>
-            <a:endCxn id="8" idx="0"/>
-          </p:cNvCxnSpPr>
-          <p:nvPr/>
-        </p:nvCxnSpPr>
-        <p:spPr>
-          <a:xfrm>
-            <a:off x="2819400" y="1618034"/>
-            <a:ext cx="0" cy="862519"/>
-          </a:xfrm>
-          <a:prstGeom prst="straightConnector1">
-            <a:avLst/>
-          </a:prstGeom>
-          <a:ln w="28575">
-            <a:solidFill>
-              <a:schemeClr val="tx1"/>
-            </a:solidFill>
-            <a:tailEnd type="stealth"/>
-          </a:ln>
-        </p:spPr>
-        <p:style>
-          <a:lnRef idx="1">
-            <a:schemeClr val="accent1"/>
-          </a:lnRef>
-          <a:fillRef idx="0">
-            <a:schemeClr val="accent1"/>
-          </a:fillRef>
-          <a:effectRef idx="0">
-            <a:schemeClr val="accent1"/>
-          </a:effectRef>
-          <a:fontRef idx="minor">
-            <a:schemeClr val="tx1"/>
-          </a:fontRef>
-        </p:style>
-      </p:cxnSp>
-      <p:cxnSp>
-        <p:nvCxnSpPr>
-          <p:cNvPr id="21" name="Straight Arrow Connector 20"/>
-          <p:cNvCxnSpPr>
-            <a:stCxn id="8" idx="3"/>
-            <a:endCxn id="4" idx="2"/>
-          </p:cNvCxnSpPr>
-          <p:nvPr/>
-        </p:nvCxnSpPr>
-        <p:spPr>
-          <a:xfrm>
-            <a:off x="3352800" y="2861553"/>
-            <a:ext cx="381000" cy="0"/>
-          </a:xfrm>
-          <a:prstGeom prst="straightConnector1">
-            <a:avLst/>
-          </a:prstGeom>
-          <a:ln w="25400">
-            <a:solidFill>
-              <a:schemeClr val="tx1"/>
-            </a:solidFill>
-            <a:tailEnd type="stealth"/>
-          </a:ln>
-        </p:spPr>
-        <p:style>
-          <a:lnRef idx="1">
-            <a:schemeClr val="accent1"/>
-          </a:lnRef>
-          <a:fillRef idx="0">
-            <a:schemeClr val="accent1"/>
-          </a:fillRef>
-          <a:effectRef idx="0">
-            <a:schemeClr val="accent1"/>
-          </a:effectRef>
-          <a:fontRef idx="minor">
-            <a:schemeClr val="tx1"/>
-          </a:fontRef>
-        </p:style>
-      </p:cxnSp>
-      <p:cxnSp>
-        <p:nvCxnSpPr>
-          <p:cNvPr id="23" name="Straight Arrow Connector 22"/>
-          <p:cNvCxnSpPr>
-            <a:stCxn id="4" idx="6"/>
-            <a:endCxn id="9" idx="1"/>
-          </p:cNvCxnSpPr>
-          <p:nvPr/>
-        </p:nvCxnSpPr>
-        <p:spPr>
-          <a:xfrm>
-            <a:off x="4953000" y="2861553"/>
-            <a:ext cx="304800" cy="0"/>
-          </a:xfrm>
-          <a:prstGeom prst="straightConnector1">
-            <a:avLst/>
-          </a:prstGeom>
-          <a:ln w="25400">
-            <a:solidFill>
-              <a:schemeClr val="tx1"/>
-            </a:solidFill>
-            <a:tailEnd type="stealth"/>
-          </a:ln>
-        </p:spPr>
-        <p:style>
-          <a:lnRef idx="1">
-            <a:schemeClr val="accent1"/>
-          </a:lnRef>
-          <a:fillRef idx="0">
-            <a:schemeClr val="accent1"/>
-          </a:fillRef>
-          <a:effectRef idx="0">
-            <a:schemeClr val="accent1"/>
-          </a:effectRef>
-          <a:fontRef idx="minor">
-            <a:schemeClr val="tx1"/>
-          </a:fontRef>
-        </p:style>
-      </p:cxnSp>
-      <p:sp>
-        <p:nvSpPr>
-          <p:cNvPr id="24" name="Oval 23"/>
-          <p:cNvSpPr/>
-          <p:nvPr/>
-        </p:nvSpPr>
-        <p:spPr>
-          <a:xfrm>
-            <a:off x="5068112" y="3737042"/>
-            <a:ext cx="609600" cy="609600"/>
-          </a:xfrm>
-          <a:prstGeom prst="ellipse">
-            <a:avLst/>
-          </a:prstGeom>
-        </p:spPr>
-        <p:style>
-          <a:lnRef idx="1">
-            <a:schemeClr val="accent2"/>
-          </a:lnRef>
-          <a:fillRef idx="3">
-            <a:schemeClr val="accent2"/>
-          </a:fillRef>
-          <a:effectRef idx="2">
-            <a:schemeClr val="accent2"/>
-          </a:effectRef>
-          <a:fontRef idx="minor">
-            <a:schemeClr val="lt1"/>
-          </a:fontRef>
-        </p:style>
-        <p:txBody>
-          <a:bodyPr rtlCol="0" anchor="ctr"/>
-          <a:lstStyle/>
-          <a:p>
-            <a:pPr algn="ctr"/>
-            <a:endParaRPr lang="en-US"/>
-          </a:p>
-        </p:txBody>
-      </p:sp>
-      <p:sp>
-        <p:nvSpPr>
-          <p:cNvPr id="25" name="Oval 24"/>
-          <p:cNvSpPr/>
-          <p:nvPr/>
-        </p:nvSpPr>
-        <p:spPr>
-          <a:xfrm>
-            <a:off x="5906312" y="3735421"/>
-            <a:ext cx="609600" cy="609600"/>
-          </a:xfrm>
-          <a:prstGeom prst="ellipse">
-            <a:avLst/>
-          </a:prstGeom>
-        </p:spPr>
-        <p:style>
-          <a:lnRef idx="1">
-            <a:schemeClr val="accent2"/>
-          </a:lnRef>
-          <a:fillRef idx="3">
-            <a:schemeClr val="accent2"/>
-          </a:fillRef>
-          <a:effectRef idx="2">
-            <a:schemeClr val="accent2"/>
-          </a:effectRef>
-          <a:fontRef idx="minor">
-            <a:schemeClr val="lt1"/>
-          </a:fontRef>
-        </p:style>
-        <p:txBody>
-          <a:bodyPr rtlCol="0" anchor="ctr"/>
-          <a:lstStyle/>
-          <a:p>
-            <a:pPr algn="ctr"/>
-            <a:endParaRPr lang="en-US"/>
-          </a:p>
-        </p:txBody>
-      </p:sp>
-      <p:cxnSp>
-        <p:nvCxnSpPr>
-          <p:cNvPr id="27" name="Elbow Connector 26"/>
-          <p:cNvCxnSpPr>
-            <a:stCxn id="9" idx="2"/>
-            <a:endCxn id="25" idx="0"/>
-          </p:cNvCxnSpPr>
-          <p:nvPr/>
-        </p:nvCxnSpPr>
-        <p:spPr>
-          <a:xfrm rot="16200000" flipH="1">
-            <a:off x="5754722" y="3279031"/>
-            <a:ext cx="492868" cy="419912"/>
-          </a:xfrm>
-          <a:prstGeom prst="bentConnector3">
-            <a:avLst/>
-          </a:prstGeom>
-          <a:ln w="25400">
-            <a:solidFill>
-              <a:schemeClr val="tx1"/>
-            </a:solidFill>
-            <a:tailEnd type="stealth"/>
-          </a:ln>
-        </p:spPr>
-        <p:style>
-          <a:lnRef idx="1">
-            <a:schemeClr val="accent1"/>
-          </a:lnRef>
-          <a:fillRef idx="0">
-            <a:schemeClr val="accent1"/>
-          </a:fillRef>
-          <a:effectRef idx="0">
-            <a:schemeClr val="accent1"/>
-          </a:effectRef>
-          <a:fontRef idx="minor">
-            <a:schemeClr val="tx1"/>
-          </a:fontRef>
-        </p:style>
-      </p:cxnSp>
-      <p:cxnSp>
-        <p:nvCxnSpPr>
-          <p:cNvPr id="29" name="Elbow Connector 28"/>
-          <p:cNvCxnSpPr>
-            <a:stCxn id="9" idx="2"/>
-            <a:endCxn id="24" idx="0"/>
-          </p:cNvCxnSpPr>
-          <p:nvPr/>
-        </p:nvCxnSpPr>
-        <p:spPr>
-          <a:xfrm rot="5400000">
-            <a:off x="5334812" y="3280653"/>
-            <a:ext cx="494489" cy="418288"/>
-          </a:xfrm>
-          <a:prstGeom prst="bentConnector3">
-            <a:avLst/>
-          </a:prstGeom>
-          <a:ln w="25400">
-            <a:solidFill>
-              <a:schemeClr val="tx1"/>
-            </a:solidFill>
-            <a:tailEnd type="stealth"/>
-          </a:ln>
-        </p:spPr>
-        <p:style>
-          <a:lnRef idx="1">
-            <a:schemeClr val="accent1"/>
-          </a:lnRef>
-          <a:fillRef idx="0">
-            <a:schemeClr val="accent1"/>
-          </a:fillRef>
-          <a:effectRef idx="0">
-            <a:schemeClr val="accent1"/>
-          </a:effectRef>
-          <a:fontRef idx="minor">
-            <a:schemeClr val="tx1"/>
-          </a:fontRef>
-        </p:style>
-      </p:cxnSp>
-      <p:sp>
-        <p:nvSpPr>
-          <p:cNvPr id="30" name="TextBox 29"/>
-          <p:cNvSpPr txBox="1"/>
-          <p:nvPr/>
-        </p:nvSpPr>
-        <p:spPr>
-          <a:xfrm>
-            <a:off x="3795407" y="2480553"/>
-            <a:ext cx="1086257" cy="738664"/>
+      <p:pic>
+        <p:nvPicPr>
+          <p:cNvPr id="5" name="Picture 4"/>
+          <p:cNvPicPr>
+            <a:picLocks noChangeAspect="1"/>
+          </p:cNvPicPr>
+          <p:nvPr/>
+        </p:nvPicPr>
+        <p:blipFill>
+          <a:blip r:embed="rId2">
+            <a:extLst>
+              <a:ext uri="{28A0092B-C50C-407E-A947-70E740481C1C}">
+                <a14:useLocalDpi xmlns:a14="http://schemas.microsoft.com/office/drawing/2010/main" val="0"/>
+              </a:ext>
+            </a:extLst>
+          </a:blip>
+          <a:stretch>
+            <a:fillRect/>
+          </a:stretch>
+        </p:blipFill>
+        <p:spPr>
+          <a:xfrm>
+            <a:off x="0" y="902591"/>
+            <a:ext cx="4572000" cy="2526410"/>
           </a:xfrm>
           <a:prstGeom prst="rect">
             <a:avLst/>
           </a:prstGeom>
-          <a:noFill/>
-        </p:spPr>
-        <p:txBody>
-          <a:bodyPr wrap="square" rtlCol="0">
-            <a:spAutoFit/>
-          </a:bodyPr>
-          <a:lstStyle/>
-          <a:p>
-            <a:pPr algn="ctr"/>
-            <a:r>
-              <a:rPr lang="en-US" sz="1400" dirty="0" smtClean="0"/>
-              <a:t>Social Interaction Assistant</a:t>
-            </a:r>
-            <a:endParaRPr lang="en-US" sz="1400" dirty="0"/>
-          </a:p>
-        </p:txBody>
-      </p:sp>
-      <p:sp>
-        <p:nvSpPr>
-          <p:cNvPr id="32" name="TextBox 31"/>
-          <p:cNvSpPr txBox="1"/>
-          <p:nvPr/>
-        </p:nvSpPr>
-        <p:spPr>
-          <a:xfrm>
-            <a:off x="2276271" y="2676540"/>
-            <a:ext cx="1086257" cy="307777"/>
-          </a:xfrm>
-          <a:prstGeom prst="rect">
-            <a:avLst/>
-          </a:prstGeom>
-          <a:noFill/>
-        </p:spPr>
-        <p:txBody>
-          <a:bodyPr wrap="square" rtlCol="0">
-            <a:spAutoFit/>
-          </a:bodyPr>
-          <a:lstStyle/>
-          <a:p>
-            <a:pPr algn="ctr"/>
-            <a:r>
-              <a:rPr lang="en-US" sz="1400" dirty="0" smtClean="0"/>
-              <a:t>Sensor Suite</a:t>
-            </a:r>
-            <a:endParaRPr lang="en-US" sz="1400" dirty="0"/>
-          </a:p>
-        </p:txBody>
-      </p:sp>
-      <p:sp>
-        <p:nvSpPr>
-          <p:cNvPr id="33" name="TextBox 32"/>
-          <p:cNvSpPr txBox="1"/>
-          <p:nvPr/>
-        </p:nvSpPr>
-        <p:spPr>
-          <a:xfrm>
-            <a:off x="5248071" y="2569720"/>
-            <a:ext cx="1086257" cy="523220"/>
-          </a:xfrm>
-          <a:prstGeom prst="rect">
-            <a:avLst/>
-          </a:prstGeom>
-          <a:noFill/>
-        </p:spPr>
-        <p:txBody>
-          <a:bodyPr wrap="square" rtlCol="0">
-            <a:spAutoFit/>
-          </a:bodyPr>
-          <a:lstStyle/>
-          <a:p>
-            <a:pPr algn="ctr"/>
-            <a:r>
-              <a:rPr lang="en-US" sz="1400" dirty="0" smtClean="0"/>
-              <a:t>Actuator Suite</a:t>
-            </a:r>
-            <a:endParaRPr lang="en-US" sz="1400" dirty="0"/>
-          </a:p>
-        </p:txBody>
-      </p:sp>
-      <p:sp>
-        <p:nvSpPr>
-          <p:cNvPr id="34" name="TextBox 33"/>
-          <p:cNvSpPr txBox="1"/>
-          <p:nvPr/>
-        </p:nvSpPr>
-        <p:spPr>
-          <a:xfrm>
-            <a:off x="1676400" y="1157724"/>
-            <a:ext cx="685800" cy="307777"/>
-          </a:xfrm>
-          <a:prstGeom prst="rect">
-            <a:avLst/>
-          </a:prstGeom>
-          <a:noFill/>
-        </p:spPr>
-        <p:txBody>
-          <a:bodyPr wrap="square" rtlCol="0">
-            <a:spAutoFit/>
-          </a:bodyPr>
-          <a:lstStyle/>
-          <a:p>
-            <a:pPr algn="ctr"/>
-            <a:r>
-              <a:rPr lang="en-US" sz="1400" dirty="0" smtClean="0">
-                <a:solidFill>
-                  <a:schemeClr val="bg1"/>
-                </a:solidFill>
-              </a:rPr>
-              <a:t>Visual</a:t>
-            </a:r>
-            <a:endParaRPr lang="en-US" sz="1400" dirty="0">
-              <a:solidFill>
-                <a:schemeClr val="bg1"/>
-              </a:solidFill>
-            </a:endParaRPr>
-          </a:p>
-        </p:txBody>
-      </p:sp>
-      <p:sp>
-        <p:nvSpPr>
-          <p:cNvPr id="35" name="TextBox 34"/>
-          <p:cNvSpPr txBox="1"/>
-          <p:nvPr/>
-        </p:nvSpPr>
-        <p:spPr>
-          <a:xfrm>
-            <a:off x="2485416" y="1152728"/>
-            <a:ext cx="685800" cy="307777"/>
-          </a:xfrm>
-          <a:prstGeom prst="rect">
-            <a:avLst/>
-          </a:prstGeom>
-          <a:noFill/>
-        </p:spPr>
-        <p:txBody>
-          <a:bodyPr wrap="square" rtlCol="0">
-            <a:spAutoFit/>
-          </a:bodyPr>
-          <a:lstStyle/>
-          <a:p>
-            <a:pPr algn="ctr"/>
-            <a:r>
-              <a:rPr lang="en-US" sz="1400" dirty="0" smtClean="0">
-                <a:solidFill>
-                  <a:schemeClr val="bg1"/>
-                </a:solidFill>
-              </a:rPr>
-              <a:t>Audio</a:t>
-            </a:r>
-            <a:endParaRPr lang="en-US" sz="1400" dirty="0">
-              <a:solidFill>
-                <a:schemeClr val="bg1"/>
-              </a:solidFill>
-            </a:endParaRPr>
-          </a:p>
-        </p:txBody>
-      </p:sp>
-      <p:sp>
-        <p:nvSpPr>
-          <p:cNvPr id="36" name="TextBox 35"/>
-          <p:cNvSpPr txBox="1"/>
-          <p:nvPr/>
-        </p:nvSpPr>
-        <p:spPr>
-          <a:xfrm>
-            <a:off x="3285516" y="1149617"/>
-            <a:ext cx="800100" cy="307777"/>
-          </a:xfrm>
-          <a:prstGeom prst="rect">
-            <a:avLst/>
-          </a:prstGeom>
-          <a:noFill/>
-        </p:spPr>
-        <p:txBody>
-          <a:bodyPr wrap="square" rtlCol="0">
-            <a:spAutoFit/>
-          </a:bodyPr>
-          <a:lstStyle/>
-          <a:p>
-            <a:pPr algn="ctr"/>
-            <a:r>
-              <a:rPr lang="en-US" sz="1400" dirty="0" smtClean="0">
-                <a:solidFill>
-                  <a:schemeClr val="bg1"/>
-                </a:solidFill>
-              </a:rPr>
-              <a:t>Motion</a:t>
-            </a:r>
-            <a:endParaRPr lang="en-US" sz="1400" dirty="0">
-              <a:solidFill>
-                <a:schemeClr val="bg1"/>
-              </a:solidFill>
-            </a:endParaRPr>
-          </a:p>
-        </p:txBody>
-      </p:sp>
-      <p:sp>
-        <p:nvSpPr>
-          <p:cNvPr id="37" name="TextBox 36"/>
-          <p:cNvSpPr txBox="1"/>
-          <p:nvPr/>
-        </p:nvSpPr>
-        <p:spPr>
-          <a:xfrm>
-            <a:off x="5040552" y="3866876"/>
-            <a:ext cx="685800" cy="307777"/>
-          </a:xfrm>
-          <a:prstGeom prst="rect">
-            <a:avLst/>
-          </a:prstGeom>
-          <a:noFill/>
-        </p:spPr>
-        <p:txBody>
-          <a:bodyPr wrap="square" rtlCol="0">
-            <a:spAutoFit/>
-          </a:bodyPr>
-          <a:lstStyle/>
-          <a:p>
-            <a:pPr algn="ctr"/>
-            <a:r>
-              <a:rPr lang="en-US" sz="1400" dirty="0" smtClean="0">
-                <a:solidFill>
-                  <a:schemeClr val="bg1"/>
-                </a:solidFill>
-              </a:rPr>
-              <a:t>Haptic</a:t>
-            </a:r>
-            <a:endParaRPr lang="en-US" sz="1400" dirty="0">
-              <a:solidFill>
-                <a:schemeClr val="bg1"/>
-              </a:solidFill>
-            </a:endParaRPr>
-          </a:p>
-        </p:txBody>
-      </p:sp>
-      <p:sp>
-        <p:nvSpPr>
-          <p:cNvPr id="38" name="TextBox 37"/>
-          <p:cNvSpPr txBox="1"/>
-          <p:nvPr/>
-        </p:nvSpPr>
-        <p:spPr>
-          <a:xfrm>
-            <a:off x="5849568" y="3861880"/>
-            <a:ext cx="685800" cy="307777"/>
-          </a:xfrm>
-          <a:prstGeom prst="rect">
-            <a:avLst/>
-          </a:prstGeom>
-          <a:noFill/>
-        </p:spPr>
-        <p:txBody>
-          <a:bodyPr wrap="square" rtlCol="0">
-            <a:spAutoFit/>
-          </a:bodyPr>
-          <a:lstStyle/>
-          <a:p>
-            <a:pPr algn="ctr"/>
-            <a:r>
-              <a:rPr lang="en-US" sz="1400" dirty="0" smtClean="0">
-                <a:solidFill>
-                  <a:schemeClr val="bg1"/>
-                </a:solidFill>
-              </a:rPr>
-              <a:t>Audio</a:t>
-            </a:r>
-            <a:endParaRPr lang="en-US" sz="1400" dirty="0">
-              <a:solidFill>
-                <a:schemeClr val="bg1"/>
-              </a:solidFill>
-            </a:endParaRPr>
-          </a:p>
-        </p:txBody>
-      </p:sp>
-      <p:sp>
-        <p:nvSpPr>
-          <p:cNvPr id="39" name="Oval 38"/>
-          <p:cNvSpPr/>
-          <p:nvPr/>
-        </p:nvSpPr>
-        <p:spPr>
-          <a:xfrm>
-            <a:off x="2362200" y="3505200"/>
-            <a:ext cx="1323366" cy="568713"/>
-          </a:xfrm>
-          <a:prstGeom prst="ellipse">
-            <a:avLst/>
-          </a:prstGeom>
-        </p:spPr>
-        <p:style>
-          <a:lnRef idx="1">
-            <a:schemeClr val="accent4"/>
-          </a:lnRef>
-          <a:fillRef idx="2">
-            <a:schemeClr val="accent4"/>
-          </a:fillRef>
-          <a:effectRef idx="1">
-            <a:schemeClr val="accent4"/>
-          </a:effectRef>
-          <a:fontRef idx="minor">
-            <a:schemeClr val="dk1"/>
-          </a:fontRef>
-        </p:style>
-        <p:txBody>
-          <a:bodyPr rtlCol="0" anchor="ctr"/>
-          <a:lstStyle/>
-          <a:p>
-            <a:pPr algn="ctr"/>
-            <a:endParaRPr lang="en-US"/>
-          </a:p>
-        </p:txBody>
-      </p:sp>
-      <p:sp>
-        <p:nvSpPr>
-          <p:cNvPr id="40" name="TextBox 39"/>
-          <p:cNvSpPr txBox="1"/>
-          <p:nvPr/>
-        </p:nvSpPr>
-        <p:spPr>
-          <a:xfrm>
-            <a:off x="2467583" y="3625439"/>
-            <a:ext cx="1086257" cy="307777"/>
-          </a:xfrm>
-          <a:prstGeom prst="rect">
-            <a:avLst/>
-          </a:prstGeom>
-          <a:noFill/>
-        </p:spPr>
-        <p:txBody>
-          <a:bodyPr wrap="square" rtlCol="0">
-            <a:spAutoFit/>
-          </a:bodyPr>
-          <a:lstStyle/>
-          <a:p>
-            <a:pPr algn="ctr"/>
-            <a:r>
-              <a:rPr lang="en-US" sz="1400" dirty="0" smtClean="0"/>
-              <a:t>User Input</a:t>
-            </a:r>
-            <a:endParaRPr lang="en-US" sz="1400" dirty="0"/>
-          </a:p>
-        </p:txBody>
-      </p:sp>
-      <p:cxnSp>
-        <p:nvCxnSpPr>
-          <p:cNvPr id="44" name="Straight Arrow Connector 43"/>
-          <p:cNvCxnSpPr>
-            <a:stCxn id="39" idx="7"/>
-            <a:endCxn id="4" idx="3"/>
-          </p:cNvCxnSpPr>
-          <p:nvPr/>
-        </p:nvCxnSpPr>
-        <p:spPr>
-          <a:xfrm flipV="1">
-            <a:off x="3491764" y="3292605"/>
-            <a:ext cx="420584" cy="295881"/>
-          </a:xfrm>
-          <a:prstGeom prst="straightConnector1">
-            <a:avLst/>
-          </a:prstGeom>
-          <a:ln w="25400">
-            <a:solidFill>
-              <a:schemeClr val="tx1"/>
-            </a:solidFill>
-            <a:tailEnd type="stealth"/>
-          </a:ln>
-        </p:spPr>
-        <p:style>
-          <a:lnRef idx="1">
-            <a:schemeClr val="accent1"/>
-          </a:lnRef>
-          <a:fillRef idx="0">
-            <a:schemeClr val="accent1"/>
-          </a:fillRef>
-          <a:effectRef idx="0">
-            <a:schemeClr val="accent1"/>
-          </a:effectRef>
-          <a:fontRef idx="minor">
-            <a:schemeClr val="tx1"/>
-          </a:fontRef>
-        </p:style>
-      </p:cxnSp>
+        </p:spPr>
+      </p:pic>
     </p:spTree>
     <p:extLst>
       <p:ext uri="{BB962C8B-B14F-4D97-AF65-F5344CB8AC3E}">
-        <p14:creationId xmlns:p14="http://schemas.microsoft.com/office/powerpoint/2010/main" val="472356231"/>
+        <p14:creationId xmlns:p14="http://schemas.microsoft.com/office/powerpoint/2010/main" val="3751340968"/>
       </p:ext>
     </p:extLst>
   </p:cSld>
@@ -25955,27 +25660,256 @@
           <a:chExt cx="0" cy="0"/>
         </a:xfrm>
       </p:grpSpPr>
+      <p:sp>
+        <p:nvSpPr>
+          <p:cNvPr id="4" name="Oval 3"/>
+          <p:cNvSpPr/>
+          <p:nvPr/>
+        </p:nvSpPr>
+        <p:spPr>
+          <a:xfrm>
+            <a:off x="3733800" y="2251953"/>
+            <a:ext cx="1219200" cy="1219200"/>
+          </a:xfrm>
+          <a:prstGeom prst="ellipse">
+            <a:avLst/>
+          </a:prstGeom>
+        </p:spPr>
+        <p:style>
+          <a:lnRef idx="1">
+            <a:schemeClr val="accent5"/>
+          </a:lnRef>
+          <a:fillRef idx="2">
+            <a:schemeClr val="accent5"/>
+          </a:fillRef>
+          <a:effectRef idx="1">
+            <a:schemeClr val="accent5"/>
+          </a:effectRef>
+          <a:fontRef idx="minor">
+            <a:schemeClr val="dk1"/>
+          </a:fontRef>
+        </p:style>
+        <p:txBody>
+          <a:bodyPr rtlCol="0" anchor="ctr"/>
+          <a:lstStyle/>
+          <a:p>
+            <a:pPr algn="ctr"/>
+            <a:endParaRPr lang="en-US" dirty="0"/>
+          </a:p>
+        </p:txBody>
+      </p:sp>
+      <p:sp>
+        <p:nvSpPr>
+          <p:cNvPr id="5" name="Oval 4"/>
+          <p:cNvSpPr/>
+          <p:nvPr/>
+        </p:nvSpPr>
+        <p:spPr>
+          <a:xfrm>
+            <a:off x="1729902" y="1008434"/>
+            <a:ext cx="609600" cy="609600"/>
+          </a:xfrm>
+          <a:prstGeom prst="ellipse">
+            <a:avLst/>
+          </a:prstGeom>
+        </p:spPr>
+        <p:style>
+          <a:lnRef idx="1">
+            <a:schemeClr val="accent2"/>
+          </a:lnRef>
+          <a:fillRef idx="3">
+            <a:schemeClr val="accent2"/>
+          </a:fillRef>
+          <a:effectRef idx="2">
+            <a:schemeClr val="accent2"/>
+          </a:effectRef>
+          <a:fontRef idx="minor">
+            <a:schemeClr val="lt1"/>
+          </a:fontRef>
+        </p:style>
+        <p:txBody>
+          <a:bodyPr rtlCol="0" anchor="ctr"/>
+          <a:lstStyle/>
+          <a:p>
+            <a:pPr algn="ctr"/>
+            <a:endParaRPr lang="en-US"/>
+          </a:p>
+        </p:txBody>
+      </p:sp>
+      <p:sp>
+        <p:nvSpPr>
+          <p:cNvPr id="6" name="Oval 5"/>
+          <p:cNvSpPr/>
+          <p:nvPr/>
+        </p:nvSpPr>
+        <p:spPr>
+          <a:xfrm>
+            <a:off x="2514600" y="1008434"/>
+            <a:ext cx="609600" cy="609600"/>
+          </a:xfrm>
+          <a:prstGeom prst="ellipse">
+            <a:avLst/>
+          </a:prstGeom>
+        </p:spPr>
+        <p:style>
+          <a:lnRef idx="1">
+            <a:schemeClr val="accent2"/>
+          </a:lnRef>
+          <a:fillRef idx="3">
+            <a:schemeClr val="accent2"/>
+          </a:fillRef>
+          <a:effectRef idx="2">
+            <a:schemeClr val="accent2"/>
+          </a:effectRef>
+          <a:fontRef idx="minor">
+            <a:schemeClr val="lt1"/>
+          </a:fontRef>
+        </p:style>
+        <p:txBody>
+          <a:bodyPr rtlCol="0" anchor="ctr"/>
+          <a:lstStyle/>
+          <a:p>
+            <a:pPr algn="ctr"/>
+            <a:endParaRPr lang="en-US"/>
+          </a:p>
+        </p:txBody>
+      </p:sp>
+      <p:sp>
+        <p:nvSpPr>
+          <p:cNvPr id="7" name="Oval 6"/>
+          <p:cNvSpPr/>
+          <p:nvPr/>
+        </p:nvSpPr>
+        <p:spPr>
+          <a:xfrm>
+            <a:off x="3352800" y="1006813"/>
+            <a:ext cx="609600" cy="609600"/>
+          </a:xfrm>
+          <a:prstGeom prst="ellipse">
+            <a:avLst/>
+          </a:prstGeom>
+        </p:spPr>
+        <p:style>
+          <a:lnRef idx="1">
+            <a:schemeClr val="accent2"/>
+          </a:lnRef>
+          <a:fillRef idx="3">
+            <a:schemeClr val="accent2"/>
+          </a:fillRef>
+          <a:effectRef idx="2">
+            <a:schemeClr val="accent2"/>
+          </a:effectRef>
+          <a:fontRef idx="minor">
+            <a:schemeClr val="lt1"/>
+          </a:fontRef>
+        </p:style>
+        <p:txBody>
+          <a:bodyPr rtlCol="0" anchor="ctr"/>
+          <a:lstStyle/>
+          <a:p>
+            <a:pPr algn="ctr"/>
+            <a:endParaRPr lang="en-US"/>
+          </a:p>
+        </p:txBody>
+      </p:sp>
+      <p:sp>
+        <p:nvSpPr>
+          <p:cNvPr id="8" name="Rounded Rectangle 7"/>
+          <p:cNvSpPr/>
+          <p:nvPr/>
+        </p:nvSpPr>
+        <p:spPr>
+          <a:xfrm>
+            <a:off x="2286000" y="2480553"/>
+            <a:ext cx="1066800" cy="762000"/>
+          </a:xfrm>
+          <a:prstGeom prst="roundRect">
+            <a:avLst/>
+          </a:prstGeom>
+        </p:spPr>
+        <p:style>
+          <a:lnRef idx="1">
+            <a:schemeClr val="accent6"/>
+          </a:lnRef>
+          <a:fillRef idx="2">
+            <a:schemeClr val="accent6"/>
+          </a:fillRef>
+          <a:effectRef idx="1">
+            <a:schemeClr val="accent6"/>
+          </a:effectRef>
+          <a:fontRef idx="minor">
+            <a:schemeClr val="dk1"/>
+          </a:fontRef>
+        </p:style>
+        <p:txBody>
+          <a:bodyPr rtlCol="0" anchor="ctr"/>
+          <a:lstStyle/>
+          <a:p>
+            <a:pPr algn="ctr"/>
+            <a:endParaRPr lang="en-US"/>
+          </a:p>
+        </p:txBody>
+      </p:sp>
+      <p:sp>
+        <p:nvSpPr>
+          <p:cNvPr id="9" name="Rounded Rectangle 8"/>
+          <p:cNvSpPr/>
+          <p:nvPr/>
+        </p:nvSpPr>
+        <p:spPr>
+          <a:xfrm>
+            <a:off x="5257800" y="2480553"/>
+            <a:ext cx="1066800" cy="762000"/>
+          </a:xfrm>
+          <a:prstGeom prst="roundRect">
+            <a:avLst/>
+          </a:prstGeom>
+        </p:spPr>
+        <p:style>
+          <a:lnRef idx="1">
+            <a:schemeClr val="accent6"/>
+          </a:lnRef>
+          <a:fillRef idx="2">
+            <a:schemeClr val="accent6"/>
+          </a:fillRef>
+          <a:effectRef idx="1">
+            <a:schemeClr val="accent6"/>
+          </a:effectRef>
+          <a:fontRef idx="minor">
+            <a:schemeClr val="dk1"/>
+          </a:fontRef>
+        </p:style>
+        <p:txBody>
+          <a:bodyPr rtlCol="0" anchor="ctr"/>
+          <a:lstStyle/>
+          <a:p>
+            <a:pPr algn="ctr"/>
+            <a:endParaRPr lang="en-US"/>
+          </a:p>
+        </p:txBody>
+      </p:sp>
       <p:cxnSp>
         <p:nvCxnSpPr>
-          <p:cNvPr id="24" name="Straight Connector 23"/>
-          <p:cNvCxnSpPr/>
+          <p:cNvPr id="13" name="Elbow Connector 12"/>
+          <p:cNvCxnSpPr>
+            <a:stCxn id="5" idx="4"/>
+            <a:endCxn id="8" idx="0"/>
+          </p:cNvCxnSpPr>
           <p:nvPr/>
         </p:nvCxnSpPr>
         <p:spPr>
-          <a:xfrm>
-            <a:off x="2009775" y="1409700"/>
-            <a:ext cx="0" cy="3581400"/>
-          </a:xfrm>
-          <a:prstGeom prst="line">
-            <a:avLst/>
-          </a:prstGeom>
-          <a:ln w="22225">
+          <a:xfrm rot="16200000" flipH="1">
+            <a:off x="1995792" y="1656944"/>
+            <a:ext cx="862519" cy="784698"/>
+          </a:xfrm>
+          <a:prstGeom prst="bentConnector3">
+            <a:avLst/>
+          </a:prstGeom>
+          <a:ln w="28575">
             <a:solidFill>
-              <a:schemeClr val="bg1">
-                <a:lumMod val="75000"/>
-              </a:schemeClr>
+              <a:schemeClr val="tx1"/>
             </a:solidFill>
-            <a:prstDash val="sysDash"/>
+            <a:tailEnd type="stealth"/>
           </a:ln>
         </p:spPr>
         <p:style>
@@ -25987,477 +25921,6 @@
           </a:fillRef>
           <a:effectRef idx="0">
             <a:schemeClr val="accent1"/>
-          </a:effectRef>
-          <a:fontRef idx="minor">
-            <a:schemeClr val="tx1"/>
-          </a:fontRef>
-        </p:style>
-      </p:cxnSp>
-      <p:sp>
-        <p:nvSpPr>
-          <p:cNvPr id="26" name="Rectangle 25"/>
-          <p:cNvSpPr/>
-          <p:nvPr/>
-        </p:nvSpPr>
-        <p:spPr>
-          <a:xfrm>
-            <a:off x="180975" y="1409700"/>
-            <a:ext cx="1800225" cy="3581400"/>
-          </a:xfrm>
-          <a:prstGeom prst="rect">
-            <a:avLst/>
-          </a:prstGeom>
-          <a:solidFill>
-            <a:schemeClr val="bg1">
-              <a:lumMod val="95000"/>
-            </a:schemeClr>
-          </a:solidFill>
-          <a:ln>
-            <a:noFill/>
-          </a:ln>
-        </p:spPr>
-        <p:style>
-          <a:lnRef idx="2">
-            <a:schemeClr val="accent1">
-              <a:shade val="50000"/>
-            </a:schemeClr>
-          </a:lnRef>
-          <a:fillRef idx="1">
-            <a:schemeClr val="accent1"/>
-          </a:fillRef>
-          <a:effectRef idx="0">
-            <a:schemeClr val="accent1"/>
-          </a:effectRef>
-          <a:fontRef idx="minor">
-            <a:schemeClr val="lt1"/>
-          </a:fontRef>
-        </p:style>
-        <p:txBody>
-          <a:bodyPr rtlCol="0" anchor="ctr"/>
-          <a:lstStyle/>
-          <a:p>
-            <a:pPr algn="ctr"/>
-            <a:endParaRPr lang="en-US"/>
-          </a:p>
-        </p:txBody>
-      </p:sp>
-      <p:sp>
-        <p:nvSpPr>
-          <p:cNvPr id="25" name="Rectangle 24"/>
-          <p:cNvSpPr/>
-          <p:nvPr/>
-        </p:nvSpPr>
-        <p:spPr>
-          <a:xfrm>
-            <a:off x="2028825" y="1409700"/>
-            <a:ext cx="6219825" cy="3581400"/>
-          </a:xfrm>
-          <a:prstGeom prst="rect">
-            <a:avLst/>
-          </a:prstGeom>
-          <a:solidFill>
-            <a:schemeClr val="bg1">
-              <a:lumMod val="85000"/>
-            </a:schemeClr>
-          </a:solidFill>
-          <a:ln>
-            <a:noFill/>
-          </a:ln>
-        </p:spPr>
-        <p:style>
-          <a:lnRef idx="2">
-            <a:schemeClr val="accent1">
-              <a:shade val="50000"/>
-            </a:schemeClr>
-          </a:lnRef>
-          <a:fillRef idx="1">
-            <a:schemeClr val="accent1"/>
-          </a:fillRef>
-          <a:effectRef idx="0">
-            <a:schemeClr val="accent1"/>
-          </a:effectRef>
-          <a:fontRef idx="minor">
-            <a:schemeClr val="lt1"/>
-          </a:fontRef>
-        </p:style>
-        <p:txBody>
-          <a:bodyPr rtlCol="0" anchor="ctr"/>
-          <a:lstStyle/>
-          <a:p>
-            <a:pPr algn="ctr"/>
-            <a:endParaRPr lang="en-US"/>
-          </a:p>
-        </p:txBody>
-      </p:sp>
-      <p:sp>
-        <p:nvSpPr>
-          <p:cNvPr id="4" name="Rounded Rectangle 3"/>
-          <p:cNvSpPr/>
-          <p:nvPr/>
-        </p:nvSpPr>
-        <p:spPr>
-          <a:xfrm>
-            <a:off x="533400" y="2324100"/>
-            <a:ext cx="1219200" cy="685800"/>
-          </a:xfrm>
-          <a:prstGeom prst="roundRect">
-            <a:avLst/>
-          </a:prstGeom>
-        </p:spPr>
-        <p:style>
-          <a:lnRef idx="1">
-            <a:schemeClr val="accent3"/>
-          </a:lnRef>
-          <a:fillRef idx="2">
-            <a:schemeClr val="accent3"/>
-          </a:fillRef>
-          <a:effectRef idx="1">
-            <a:schemeClr val="accent3"/>
-          </a:effectRef>
-          <a:fontRef idx="minor">
-            <a:schemeClr val="dk1"/>
-          </a:fontRef>
-        </p:style>
-        <p:txBody>
-          <a:bodyPr rtlCol="0" anchor="ctr"/>
-          <a:lstStyle/>
-          <a:p>
-            <a:pPr algn="ctr"/>
-            <a:r>
-              <a:rPr lang="en-US" dirty="0" smtClean="0">
-                <a:latin typeface="Times New Roman" pitchFamily="18" charset="0"/>
-                <a:cs typeface="Times New Roman" pitchFamily="18" charset="0"/>
-              </a:rPr>
-              <a:t>Biometric Data</a:t>
-            </a:r>
-            <a:endParaRPr lang="en-US" dirty="0">
-              <a:latin typeface="Times New Roman" pitchFamily="18" charset="0"/>
-              <a:cs typeface="Times New Roman" pitchFamily="18" charset="0"/>
-            </a:endParaRPr>
-          </a:p>
-        </p:txBody>
-      </p:sp>
-      <p:sp>
-        <p:nvSpPr>
-          <p:cNvPr id="5" name="Rounded Rectangle 4"/>
-          <p:cNvSpPr/>
-          <p:nvPr/>
-        </p:nvSpPr>
-        <p:spPr>
-          <a:xfrm>
-            <a:off x="2171700" y="2271713"/>
-            <a:ext cx="1752600" cy="790575"/>
-          </a:xfrm>
-          <a:prstGeom prst="roundRect">
-            <a:avLst/>
-          </a:prstGeom>
-        </p:spPr>
-        <p:style>
-          <a:lnRef idx="1">
-            <a:schemeClr val="accent6"/>
-          </a:lnRef>
-          <a:fillRef idx="2">
-            <a:schemeClr val="accent6"/>
-          </a:fillRef>
-          <a:effectRef idx="1">
-            <a:schemeClr val="accent6"/>
-          </a:effectRef>
-          <a:fontRef idx="minor">
-            <a:schemeClr val="dk1"/>
-          </a:fontRef>
-        </p:style>
-        <p:txBody>
-          <a:bodyPr rtlCol="0" anchor="ctr"/>
-          <a:lstStyle/>
-          <a:p>
-            <a:pPr algn="ctr"/>
-            <a:r>
-              <a:rPr lang="en-US" dirty="0" smtClean="0">
-                <a:latin typeface="Times New Roman" pitchFamily="18" charset="0"/>
-                <a:cs typeface="Times New Roman" pitchFamily="18" charset="0"/>
-              </a:rPr>
-              <a:t>Proprietary Transformation</a:t>
-            </a:r>
-            <a:endParaRPr lang="en-US" dirty="0">
-              <a:latin typeface="Times New Roman" pitchFamily="18" charset="0"/>
-              <a:cs typeface="Times New Roman" pitchFamily="18" charset="0"/>
-            </a:endParaRPr>
-          </a:p>
-        </p:txBody>
-      </p:sp>
-      <p:sp>
-        <p:nvSpPr>
-          <p:cNvPr id="6" name="Rounded Rectangle 5"/>
-          <p:cNvSpPr/>
-          <p:nvPr/>
-        </p:nvSpPr>
-        <p:spPr>
-          <a:xfrm>
-            <a:off x="2133600" y="4191000"/>
-            <a:ext cx="1828800" cy="533400"/>
-          </a:xfrm>
-          <a:prstGeom prst="roundRect">
-            <a:avLst/>
-          </a:prstGeom>
-        </p:spPr>
-        <p:style>
-          <a:lnRef idx="1">
-            <a:schemeClr val="accent1"/>
-          </a:lnRef>
-          <a:fillRef idx="2">
-            <a:schemeClr val="accent1"/>
-          </a:fillRef>
-          <a:effectRef idx="1">
-            <a:schemeClr val="accent1"/>
-          </a:effectRef>
-          <a:fontRef idx="minor">
-            <a:schemeClr val="dk1"/>
-          </a:fontRef>
-        </p:style>
-        <p:txBody>
-          <a:bodyPr rtlCol="0" anchor="ctr"/>
-          <a:lstStyle/>
-          <a:p>
-            <a:pPr algn="ctr"/>
-            <a:r>
-              <a:rPr lang="en-US" dirty="0" smtClean="0">
-                <a:latin typeface="Times New Roman" pitchFamily="18" charset="0"/>
-                <a:cs typeface="Times New Roman" pitchFamily="18" charset="0"/>
-              </a:rPr>
-              <a:t>Transformation Parameters</a:t>
-            </a:r>
-            <a:endParaRPr lang="en-US" dirty="0">
-              <a:latin typeface="Times New Roman" pitchFamily="18" charset="0"/>
-              <a:cs typeface="Times New Roman" pitchFamily="18" charset="0"/>
-            </a:endParaRPr>
-          </a:p>
-        </p:txBody>
-      </p:sp>
-      <p:sp>
-        <p:nvSpPr>
-          <p:cNvPr id="7" name="Oval 6"/>
-          <p:cNvSpPr/>
-          <p:nvPr/>
-        </p:nvSpPr>
-        <p:spPr>
-          <a:xfrm>
-            <a:off x="2471738" y="3357562"/>
-            <a:ext cx="1152525" cy="523875"/>
-          </a:xfrm>
-          <a:prstGeom prst="ellipse">
-            <a:avLst/>
-          </a:prstGeom>
-        </p:spPr>
-        <p:style>
-          <a:lnRef idx="1">
-            <a:schemeClr val="accent2"/>
-          </a:lnRef>
-          <a:fillRef idx="2">
-            <a:schemeClr val="accent2"/>
-          </a:fillRef>
-          <a:effectRef idx="1">
-            <a:schemeClr val="accent2"/>
-          </a:effectRef>
-          <a:fontRef idx="minor">
-            <a:schemeClr val="dk1"/>
-          </a:fontRef>
-        </p:style>
-        <p:txBody>
-          <a:bodyPr rtlCol="0" anchor="ctr"/>
-          <a:lstStyle/>
-          <a:p>
-            <a:pPr algn="ctr"/>
-            <a:r>
-              <a:rPr lang="en-US" sz="1200" dirty="0" smtClean="0">
-                <a:latin typeface="Times New Roman" pitchFamily="18" charset="0"/>
-                <a:cs typeface="Times New Roman" pitchFamily="18" charset="0"/>
-              </a:rPr>
-              <a:t>Encoder</a:t>
-            </a:r>
-            <a:endParaRPr lang="en-US" dirty="0">
-              <a:latin typeface="Times New Roman" pitchFamily="18" charset="0"/>
-              <a:cs typeface="Times New Roman" pitchFamily="18" charset="0"/>
-            </a:endParaRPr>
-          </a:p>
-        </p:txBody>
-      </p:sp>
-      <p:sp>
-        <p:nvSpPr>
-          <p:cNvPr id="8" name="Rounded Rectangle 7"/>
-          <p:cNvSpPr/>
-          <p:nvPr/>
-        </p:nvSpPr>
-        <p:spPr>
-          <a:xfrm>
-            <a:off x="304800" y="3200400"/>
-            <a:ext cx="1600200" cy="838199"/>
-          </a:xfrm>
-          <a:prstGeom prst="roundRect">
-            <a:avLst/>
-          </a:prstGeom>
-        </p:spPr>
-        <p:style>
-          <a:lnRef idx="1">
-            <a:schemeClr val="accent3"/>
-          </a:lnRef>
-          <a:fillRef idx="2">
-            <a:schemeClr val="accent3"/>
-          </a:fillRef>
-          <a:effectRef idx="1">
-            <a:schemeClr val="accent3"/>
-          </a:effectRef>
-          <a:fontRef idx="minor">
-            <a:schemeClr val="dk1"/>
-          </a:fontRef>
-        </p:style>
-        <p:txBody>
-          <a:bodyPr rtlCol="0" anchor="ctr"/>
-          <a:lstStyle/>
-          <a:p>
-            <a:pPr algn="ctr"/>
-            <a:r>
-              <a:rPr lang="en-US" dirty="0" smtClean="0">
-                <a:latin typeface="Times New Roman" pitchFamily="18" charset="0"/>
-                <a:cs typeface="Times New Roman" pitchFamily="18" charset="0"/>
-              </a:rPr>
-              <a:t>User Specific Key</a:t>
-            </a:r>
-            <a:endParaRPr lang="en-US" dirty="0">
-              <a:latin typeface="Times New Roman" pitchFamily="18" charset="0"/>
-              <a:cs typeface="Times New Roman" pitchFamily="18" charset="0"/>
-            </a:endParaRPr>
-          </a:p>
-        </p:txBody>
-      </p:sp>
-      <p:sp>
-        <p:nvSpPr>
-          <p:cNvPr id="9" name="Rounded Rectangle 8"/>
-          <p:cNvSpPr/>
-          <p:nvPr/>
-        </p:nvSpPr>
-        <p:spPr>
-          <a:xfrm>
-            <a:off x="4191000" y="2271713"/>
-            <a:ext cx="1828800" cy="790575"/>
-          </a:xfrm>
-          <a:prstGeom prst="roundRect">
-            <a:avLst/>
-          </a:prstGeom>
-        </p:spPr>
-        <p:style>
-          <a:lnRef idx="1">
-            <a:schemeClr val="accent4"/>
-          </a:lnRef>
-          <a:fillRef idx="2">
-            <a:schemeClr val="accent4"/>
-          </a:fillRef>
-          <a:effectRef idx="1">
-            <a:schemeClr val="accent4"/>
-          </a:effectRef>
-          <a:fontRef idx="minor">
-            <a:schemeClr val="dk1"/>
-          </a:fontRef>
-        </p:style>
-        <p:txBody>
-          <a:bodyPr rtlCol="0" anchor="ctr"/>
-          <a:lstStyle/>
-          <a:p>
-            <a:pPr algn="ctr"/>
-            <a:r>
-              <a:rPr lang="en-US" dirty="0" smtClean="0">
-                <a:latin typeface="Times New Roman" pitchFamily="18" charset="0"/>
-                <a:cs typeface="Times New Roman" pitchFamily="18" charset="0"/>
-              </a:rPr>
-              <a:t>Transformed Biometric </a:t>
-            </a:r>
-            <a:r>
-              <a:rPr lang="en-US" dirty="0">
-                <a:latin typeface="Times New Roman" pitchFamily="18" charset="0"/>
-                <a:cs typeface="Times New Roman" pitchFamily="18" charset="0"/>
-              </a:rPr>
-              <a:t>Data</a:t>
-            </a:r>
-          </a:p>
-        </p:txBody>
-      </p:sp>
-      <p:sp>
-        <p:nvSpPr>
-          <p:cNvPr id="10" name="Rounded Rectangle 9"/>
-          <p:cNvSpPr/>
-          <p:nvPr/>
-        </p:nvSpPr>
-        <p:spPr>
-          <a:xfrm>
-            <a:off x="6248400" y="1905000"/>
-            <a:ext cx="1828800" cy="1524000"/>
-          </a:xfrm>
-          <a:prstGeom prst="roundRect">
-            <a:avLst/>
-          </a:prstGeom>
-        </p:spPr>
-        <p:style>
-          <a:lnRef idx="1">
-            <a:schemeClr val="accent5"/>
-          </a:lnRef>
-          <a:fillRef idx="2">
-            <a:schemeClr val="accent5"/>
-          </a:fillRef>
-          <a:effectRef idx="1">
-            <a:schemeClr val="accent5"/>
-          </a:effectRef>
-          <a:fontRef idx="minor">
-            <a:schemeClr val="dk1"/>
-          </a:fontRef>
-        </p:style>
-        <p:txBody>
-          <a:bodyPr rtlCol="0" anchor="ctr"/>
-          <a:lstStyle/>
-          <a:p>
-            <a:pPr algn="ctr"/>
-            <a:r>
-              <a:rPr lang="en-US" dirty="0" smtClean="0">
-                <a:latin typeface="Times New Roman" pitchFamily="18" charset="0"/>
-                <a:cs typeface="Times New Roman" pitchFamily="18" charset="0"/>
-              </a:rPr>
-              <a:t>Machine Learning towards Identification/ Verification</a:t>
-            </a:r>
-            <a:endParaRPr lang="en-US" dirty="0">
-              <a:latin typeface="Times New Roman" pitchFamily="18" charset="0"/>
-              <a:cs typeface="Times New Roman" pitchFamily="18" charset="0"/>
-            </a:endParaRPr>
-          </a:p>
-        </p:txBody>
-      </p:sp>
-      <p:cxnSp>
-        <p:nvCxnSpPr>
-          <p:cNvPr id="12" name="Straight Arrow Connector 11"/>
-          <p:cNvCxnSpPr>
-            <a:stCxn id="6" idx="0"/>
-            <a:endCxn id="7" idx="4"/>
-          </p:cNvCxnSpPr>
-          <p:nvPr/>
-        </p:nvCxnSpPr>
-        <p:spPr>
-          <a:xfrm flipV="1">
-            <a:off x="3048000" y="3881437"/>
-            <a:ext cx="1" cy="309563"/>
-          </a:xfrm>
-          <a:prstGeom prst="straightConnector1">
-            <a:avLst/>
-          </a:prstGeom>
-          <a:ln>
-            <a:tailEnd type="arrow"/>
-          </a:ln>
-        </p:spPr>
-        <p:style>
-          <a:lnRef idx="2">
-            <a:schemeClr val="dk1"/>
-          </a:lnRef>
-          <a:fillRef idx="0">
-            <a:schemeClr val="dk1"/>
-          </a:fillRef>
-          <a:effectRef idx="1">
-            <a:schemeClr val="dk1"/>
           </a:effectRef>
           <a:fontRef idx="minor">
             <a:schemeClr val="tx1"/>
@@ -26466,34 +25929,37 @@
       </p:cxnSp>
       <p:cxnSp>
         <p:nvCxnSpPr>
-          <p:cNvPr id="14" name="Straight Arrow Connector 13"/>
+          <p:cNvPr id="17" name="Elbow Connector 16"/>
           <p:cNvCxnSpPr>
-            <a:stCxn id="8" idx="3"/>
-            <a:endCxn id="7" idx="2"/>
+            <a:stCxn id="7" idx="4"/>
+            <a:endCxn id="8" idx="0"/>
           </p:cNvCxnSpPr>
           <p:nvPr/>
         </p:nvCxnSpPr>
         <p:spPr>
-          <a:xfrm>
-            <a:off x="1905000" y="3619500"/>
-            <a:ext cx="566738" cy="0"/>
-          </a:xfrm>
-          <a:prstGeom prst="straightConnector1">
-            <a:avLst/>
-          </a:prstGeom>
-          <a:ln>
-            <a:tailEnd type="arrow"/>
+          <a:xfrm rot="5400000">
+            <a:off x="2806430" y="1629383"/>
+            <a:ext cx="864140" cy="838200"/>
+          </a:xfrm>
+          <a:prstGeom prst="bentConnector3">
+            <a:avLst/>
+          </a:prstGeom>
+          <a:ln w="28575">
+            <a:solidFill>
+              <a:schemeClr val="tx1"/>
+            </a:solidFill>
+            <a:tailEnd type="stealth"/>
           </a:ln>
         </p:spPr>
         <p:style>
-          <a:lnRef idx="2">
-            <a:schemeClr val="dk1"/>
+          <a:lnRef idx="1">
+            <a:schemeClr val="accent1"/>
           </a:lnRef>
           <a:fillRef idx="0">
-            <a:schemeClr val="dk1"/>
-          </a:fillRef>
-          <a:effectRef idx="1">
-            <a:schemeClr val="dk1"/>
+            <a:schemeClr val="accent1"/>
+          </a:fillRef>
+          <a:effectRef idx="0">
+            <a:schemeClr val="accent1"/>
           </a:effectRef>
           <a:fontRef idx="minor">
             <a:schemeClr val="tx1"/>
@@ -26502,34 +25968,37 @@
       </p:cxnSp>
       <p:cxnSp>
         <p:nvCxnSpPr>
-          <p:cNvPr id="16" name="Straight Arrow Connector 15"/>
+          <p:cNvPr id="19" name="Straight Arrow Connector 18"/>
           <p:cNvCxnSpPr>
-            <a:stCxn id="7" idx="0"/>
-            <a:endCxn id="5" idx="2"/>
+            <a:stCxn id="6" idx="4"/>
+            <a:endCxn id="8" idx="0"/>
           </p:cNvCxnSpPr>
           <p:nvPr/>
         </p:nvCxnSpPr>
         <p:spPr>
-          <a:xfrm flipH="1" flipV="1">
-            <a:off x="3048000" y="3062288"/>
-            <a:ext cx="1" cy="295274"/>
+          <a:xfrm>
+            <a:off x="2819400" y="1618034"/>
+            <a:ext cx="0" cy="862519"/>
           </a:xfrm>
           <a:prstGeom prst="straightConnector1">
             <a:avLst/>
           </a:prstGeom>
-          <a:ln>
-            <a:tailEnd type="arrow"/>
+          <a:ln w="28575">
+            <a:solidFill>
+              <a:schemeClr val="tx1"/>
+            </a:solidFill>
+            <a:tailEnd type="stealth"/>
           </a:ln>
         </p:spPr>
         <p:style>
-          <a:lnRef idx="2">
-            <a:schemeClr val="dk1"/>
+          <a:lnRef idx="1">
+            <a:schemeClr val="accent1"/>
           </a:lnRef>
           <a:fillRef idx="0">
-            <a:schemeClr val="dk1"/>
-          </a:fillRef>
-          <a:effectRef idx="1">
-            <a:schemeClr val="dk1"/>
+            <a:schemeClr val="accent1"/>
+          </a:fillRef>
+          <a:effectRef idx="0">
+            <a:schemeClr val="accent1"/>
           </a:effectRef>
           <a:fontRef idx="minor">
             <a:schemeClr val="tx1"/>
@@ -26538,34 +26007,37 @@
       </p:cxnSp>
       <p:cxnSp>
         <p:nvCxnSpPr>
-          <p:cNvPr id="18" name="Straight Arrow Connector 17"/>
+          <p:cNvPr id="21" name="Straight Arrow Connector 20"/>
           <p:cNvCxnSpPr>
-            <a:stCxn id="4" idx="3"/>
-            <a:endCxn id="5" idx="1"/>
+            <a:stCxn id="8" idx="3"/>
+            <a:endCxn id="4" idx="2"/>
           </p:cNvCxnSpPr>
           <p:nvPr/>
         </p:nvCxnSpPr>
         <p:spPr>
           <a:xfrm>
-            <a:off x="1752600" y="2667000"/>
-            <a:ext cx="419100" cy="1"/>
+            <a:off x="3352800" y="2861553"/>
+            <a:ext cx="381000" cy="0"/>
           </a:xfrm>
           <a:prstGeom prst="straightConnector1">
             <a:avLst/>
           </a:prstGeom>
-          <a:ln>
-            <a:tailEnd type="arrow"/>
+          <a:ln w="25400">
+            <a:solidFill>
+              <a:schemeClr val="tx1"/>
+            </a:solidFill>
+            <a:tailEnd type="stealth"/>
           </a:ln>
         </p:spPr>
         <p:style>
-          <a:lnRef idx="2">
-            <a:schemeClr val="dk1"/>
+          <a:lnRef idx="1">
+            <a:schemeClr val="accent1"/>
           </a:lnRef>
           <a:fillRef idx="0">
-            <a:schemeClr val="dk1"/>
-          </a:fillRef>
-          <a:effectRef idx="1">
-            <a:schemeClr val="dk1"/>
+            <a:schemeClr val="accent1"/>
+          </a:fillRef>
+          <a:effectRef idx="0">
+            <a:schemeClr val="accent1"/>
           </a:effectRef>
           <a:fontRef idx="minor">
             <a:schemeClr val="tx1"/>
@@ -26574,34 +26046,152 @@
       </p:cxnSp>
       <p:cxnSp>
         <p:nvCxnSpPr>
-          <p:cNvPr id="20" name="Straight Arrow Connector 19"/>
+          <p:cNvPr id="23" name="Straight Arrow Connector 22"/>
           <p:cNvCxnSpPr>
-            <a:stCxn id="5" idx="3"/>
+            <a:stCxn id="4" idx="6"/>
             <a:endCxn id="9" idx="1"/>
           </p:cNvCxnSpPr>
           <p:nvPr/>
         </p:nvCxnSpPr>
         <p:spPr>
           <a:xfrm>
-            <a:off x="3924300" y="2667001"/>
-            <a:ext cx="266700" cy="0"/>
+            <a:off x="4953000" y="2861553"/>
+            <a:ext cx="304800" cy="0"/>
           </a:xfrm>
           <a:prstGeom prst="straightConnector1">
             <a:avLst/>
           </a:prstGeom>
-          <a:ln>
-            <a:tailEnd type="arrow"/>
+          <a:ln w="25400">
+            <a:solidFill>
+              <a:schemeClr val="tx1"/>
+            </a:solidFill>
+            <a:tailEnd type="stealth"/>
           </a:ln>
         </p:spPr>
         <p:style>
-          <a:lnRef idx="2">
-            <a:schemeClr val="dk1"/>
+          <a:lnRef idx="1">
+            <a:schemeClr val="accent1"/>
           </a:lnRef>
           <a:fillRef idx="0">
-            <a:schemeClr val="dk1"/>
-          </a:fillRef>
-          <a:effectRef idx="1">
-            <a:schemeClr val="dk1"/>
+            <a:schemeClr val="accent1"/>
+          </a:fillRef>
+          <a:effectRef idx="0">
+            <a:schemeClr val="accent1"/>
+          </a:effectRef>
+          <a:fontRef idx="minor">
+            <a:schemeClr val="tx1"/>
+          </a:fontRef>
+        </p:style>
+      </p:cxnSp>
+      <p:sp>
+        <p:nvSpPr>
+          <p:cNvPr id="24" name="Oval 23"/>
+          <p:cNvSpPr/>
+          <p:nvPr/>
+        </p:nvSpPr>
+        <p:spPr>
+          <a:xfrm>
+            <a:off x="5068112" y="3737042"/>
+            <a:ext cx="609600" cy="609600"/>
+          </a:xfrm>
+          <a:prstGeom prst="ellipse">
+            <a:avLst/>
+          </a:prstGeom>
+        </p:spPr>
+        <p:style>
+          <a:lnRef idx="1">
+            <a:schemeClr val="accent2"/>
+          </a:lnRef>
+          <a:fillRef idx="3">
+            <a:schemeClr val="accent2"/>
+          </a:fillRef>
+          <a:effectRef idx="2">
+            <a:schemeClr val="accent2"/>
+          </a:effectRef>
+          <a:fontRef idx="minor">
+            <a:schemeClr val="lt1"/>
+          </a:fontRef>
+        </p:style>
+        <p:txBody>
+          <a:bodyPr rtlCol="0" anchor="ctr"/>
+          <a:lstStyle/>
+          <a:p>
+            <a:pPr algn="ctr"/>
+            <a:endParaRPr lang="en-US"/>
+          </a:p>
+        </p:txBody>
+      </p:sp>
+      <p:sp>
+        <p:nvSpPr>
+          <p:cNvPr id="25" name="Oval 24"/>
+          <p:cNvSpPr/>
+          <p:nvPr/>
+        </p:nvSpPr>
+        <p:spPr>
+          <a:xfrm>
+            <a:off x="5906312" y="3735421"/>
+            <a:ext cx="609600" cy="609600"/>
+          </a:xfrm>
+          <a:prstGeom prst="ellipse">
+            <a:avLst/>
+          </a:prstGeom>
+        </p:spPr>
+        <p:style>
+          <a:lnRef idx="1">
+            <a:schemeClr val="accent2"/>
+          </a:lnRef>
+          <a:fillRef idx="3">
+            <a:schemeClr val="accent2"/>
+          </a:fillRef>
+          <a:effectRef idx="2">
+            <a:schemeClr val="accent2"/>
+          </a:effectRef>
+          <a:fontRef idx="minor">
+            <a:schemeClr val="lt1"/>
+          </a:fontRef>
+        </p:style>
+        <p:txBody>
+          <a:bodyPr rtlCol="0" anchor="ctr"/>
+          <a:lstStyle/>
+          <a:p>
+            <a:pPr algn="ctr"/>
+            <a:endParaRPr lang="en-US"/>
+          </a:p>
+        </p:txBody>
+      </p:sp>
+      <p:cxnSp>
+        <p:nvCxnSpPr>
+          <p:cNvPr id="27" name="Elbow Connector 26"/>
+          <p:cNvCxnSpPr>
+            <a:stCxn id="9" idx="2"/>
+            <a:endCxn id="25" idx="0"/>
+          </p:cNvCxnSpPr>
+          <p:nvPr/>
+        </p:nvCxnSpPr>
+        <p:spPr>
+          <a:xfrm rot="16200000" flipH="1">
+            <a:off x="5754722" y="3279031"/>
+            <a:ext cx="492868" cy="419912"/>
+          </a:xfrm>
+          <a:prstGeom prst="bentConnector3">
+            <a:avLst/>
+          </a:prstGeom>
+          <a:ln w="25400">
+            <a:solidFill>
+              <a:schemeClr val="tx1"/>
+            </a:solidFill>
+            <a:tailEnd type="stealth"/>
+          </a:ln>
+        </p:spPr>
+        <p:style>
+          <a:lnRef idx="1">
+            <a:schemeClr val="accent1"/>
+          </a:lnRef>
+          <a:fillRef idx="0">
+            <a:schemeClr val="accent1"/>
+          </a:fillRef>
+          <a:effectRef idx="0">
+            <a:schemeClr val="accent1"/>
           </a:effectRef>
           <a:fontRef idx="minor">
             <a:schemeClr val="tx1"/>
@@ -26610,34 +26200,37 @@
       </p:cxnSp>
       <p:cxnSp>
         <p:nvCxnSpPr>
-          <p:cNvPr id="22" name="Straight Arrow Connector 21"/>
+          <p:cNvPr id="29" name="Elbow Connector 28"/>
           <p:cNvCxnSpPr>
-            <a:stCxn id="9" idx="3"/>
-            <a:endCxn id="10" idx="1"/>
+            <a:stCxn id="9" idx="2"/>
+            <a:endCxn id="24" idx="0"/>
           </p:cNvCxnSpPr>
           <p:nvPr/>
         </p:nvCxnSpPr>
         <p:spPr>
-          <a:xfrm flipV="1">
-            <a:off x="6019800" y="2667000"/>
-            <a:ext cx="228600" cy="1"/>
-          </a:xfrm>
-          <a:prstGeom prst="straightConnector1">
-            <a:avLst/>
-          </a:prstGeom>
-          <a:ln>
-            <a:tailEnd type="arrow"/>
+          <a:xfrm rot="5400000">
+            <a:off x="5334812" y="3280653"/>
+            <a:ext cx="494489" cy="418288"/>
+          </a:xfrm>
+          <a:prstGeom prst="bentConnector3">
+            <a:avLst/>
+          </a:prstGeom>
+          <a:ln w="25400">
+            <a:solidFill>
+              <a:schemeClr val="tx1"/>
+            </a:solidFill>
+            <a:tailEnd type="stealth"/>
           </a:ln>
         </p:spPr>
         <p:style>
-          <a:lnRef idx="2">
-            <a:schemeClr val="dk1"/>
+          <a:lnRef idx="1">
+            <a:schemeClr val="accent1"/>
           </a:lnRef>
           <a:fillRef idx="0">
-            <a:schemeClr val="dk1"/>
-          </a:fillRef>
-          <a:effectRef idx="1">
-            <a:schemeClr val="dk1"/>
+            <a:schemeClr val="accent1"/>
+          </a:fillRef>
+          <a:effectRef idx="0">
+            <a:schemeClr val="accent1"/>
           </a:effectRef>
           <a:fontRef idx="minor">
             <a:schemeClr val="tx1"/>
@@ -26646,14 +26239,14 @@
       </p:cxnSp>
       <p:sp>
         <p:nvSpPr>
-          <p:cNvPr id="27" name="TextBox 26"/>
+          <p:cNvPr id="30" name="TextBox 29"/>
           <p:cNvSpPr txBox="1"/>
           <p:nvPr/>
         </p:nvSpPr>
         <p:spPr>
           <a:xfrm>
-            <a:off x="4211565" y="1516618"/>
-            <a:ext cx="1787669" cy="369332"/>
+            <a:off x="3795407" y="2480553"/>
+            <a:ext cx="1086257" cy="738664"/>
           </a:xfrm>
           <a:prstGeom prst="rect">
             <a:avLst/>
@@ -26661,35 +26254,30 @@
           <a:noFill/>
         </p:spPr>
         <p:txBody>
-          <a:bodyPr wrap="none" rtlCol="0">
+          <a:bodyPr wrap="square" rtlCol="0">
             <a:spAutoFit/>
           </a:bodyPr>
           <a:lstStyle/>
           <a:p>
+            <a:pPr algn="ctr"/>
             <a:r>
-              <a:rPr lang="en-US" dirty="0" smtClean="0">
-                <a:latin typeface="Times New Roman" pitchFamily="18" charset="0"/>
-                <a:cs typeface="Times New Roman" pitchFamily="18" charset="0"/>
-              </a:rPr>
-              <a:t>Secure / Erasable</a:t>
+              <a:rPr lang="en-US" sz="1400" dirty="0" smtClean="0"/>
+              <a:t>Social Interaction Assistant</a:t>
             </a:r>
-            <a:endParaRPr lang="en-US" dirty="0">
-              <a:latin typeface="Times New Roman" pitchFamily="18" charset="0"/>
-              <a:cs typeface="Times New Roman" pitchFamily="18" charset="0"/>
-            </a:endParaRPr>
-          </a:p>
-        </p:txBody>
-      </p:sp>
-      <p:sp>
-        <p:nvSpPr>
-          <p:cNvPr id="28" name="TextBox 27"/>
+            <a:endParaRPr lang="en-US" sz="1400" dirty="0"/>
+          </a:p>
+        </p:txBody>
+      </p:sp>
+      <p:sp>
+        <p:nvSpPr>
+          <p:cNvPr id="32" name="TextBox 31"/>
           <p:cNvSpPr txBox="1"/>
           <p:nvPr/>
         </p:nvSpPr>
         <p:spPr>
           <a:xfrm>
-            <a:off x="633269" y="1535668"/>
-            <a:ext cx="966931" cy="369332"/>
+            <a:off x="2276271" y="2676540"/>
+            <a:ext cx="1086257" cy="307777"/>
           </a:xfrm>
           <a:prstGeom prst="rect">
             <a:avLst/>
@@ -26697,29 +26285,358 @@
           <a:noFill/>
         </p:spPr>
         <p:txBody>
-          <a:bodyPr wrap="none" rtlCol="0">
+          <a:bodyPr wrap="square" rtlCol="0">
             <a:spAutoFit/>
           </a:bodyPr>
           <a:lstStyle/>
           <a:p>
+            <a:pPr algn="ctr"/>
             <a:r>
-              <a:rPr lang="en-US" dirty="0" smtClean="0">
-                <a:latin typeface="Times New Roman" pitchFamily="18" charset="0"/>
-                <a:cs typeface="Times New Roman" pitchFamily="18" charset="0"/>
+              <a:rPr lang="en-US" sz="1400" dirty="0" smtClean="0"/>
+              <a:t>Sensor Suite</a:t>
+            </a:r>
+            <a:endParaRPr lang="en-US" sz="1400" dirty="0"/>
+          </a:p>
+        </p:txBody>
+      </p:sp>
+      <p:sp>
+        <p:nvSpPr>
+          <p:cNvPr id="33" name="TextBox 32"/>
+          <p:cNvSpPr txBox="1"/>
+          <p:nvPr/>
+        </p:nvSpPr>
+        <p:spPr>
+          <a:xfrm>
+            <a:off x="5248071" y="2569720"/>
+            <a:ext cx="1086257" cy="523220"/>
+          </a:xfrm>
+          <a:prstGeom prst="rect">
+            <a:avLst/>
+          </a:prstGeom>
+          <a:noFill/>
+        </p:spPr>
+        <p:txBody>
+          <a:bodyPr wrap="square" rtlCol="0">
+            <a:spAutoFit/>
+          </a:bodyPr>
+          <a:lstStyle/>
+          <a:p>
+            <a:pPr algn="ctr"/>
+            <a:r>
+              <a:rPr lang="en-US" sz="1400" dirty="0" smtClean="0"/>
+              <a:t>Actuator Suite</a:t>
+            </a:r>
+            <a:endParaRPr lang="en-US" sz="1400" dirty="0"/>
+          </a:p>
+        </p:txBody>
+      </p:sp>
+      <p:sp>
+        <p:nvSpPr>
+          <p:cNvPr id="34" name="TextBox 33"/>
+          <p:cNvSpPr txBox="1"/>
+          <p:nvPr/>
+        </p:nvSpPr>
+        <p:spPr>
+          <a:xfrm>
+            <a:off x="1676400" y="1157724"/>
+            <a:ext cx="685800" cy="307777"/>
+          </a:xfrm>
+          <a:prstGeom prst="rect">
+            <a:avLst/>
+          </a:prstGeom>
+          <a:noFill/>
+        </p:spPr>
+        <p:txBody>
+          <a:bodyPr wrap="square" rtlCol="0">
+            <a:spAutoFit/>
+          </a:bodyPr>
+          <a:lstStyle/>
+          <a:p>
+            <a:pPr algn="ctr"/>
+            <a:r>
+              <a:rPr lang="en-US" sz="1400" dirty="0" smtClean="0">
+                <a:solidFill>
+                  <a:schemeClr val="bg1"/>
+                </a:solidFill>
               </a:rPr>
-              <a:t>Insecure</a:t>
+              <a:t>Visual</a:t>
             </a:r>
-            <a:endParaRPr lang="en-US" dirty="0">
-              <a:latin typeface="Times New Roman" pitchFamily="18" charset="0"/>
-              <a:cs typeface="Times New Roman" pitchFamily="18" charset="0"/>
+            <a:endParaRPr lang="en-US" sz="1400" dirty="0">
+              <a:solidFill>
+                <a:schemeClr val="bg1"/>
+              </a:solidFill>
             </a:endParaRPr>
           </a:p>
         </p:txBody>
       </p:sp>
+      <p:sp>
+        <p:nvSpPr>
+          <p:cNvPr id="35" name="TextBox 34"/>
+          <p:cNvSpPr txBox="1"/>
+          <p:nvPr/>
+        </p:nvSpPr>
+        <p:spPr>
+          <a:xfrm>
+            <a:off x="2485416" y="1152728"/>
+            <a:ext cx="685800" cy="307777"/>
+          </a:xfrm>
+          <a:prstGeom prst="rect">
+            <a:avLst/>
+          </a:prstGeom>
+          <a:noFill/>
+        </p:spPr>
+        <p:txBody>
+          <a:bodyPr wrap="square" rtlCol="0">
+            <a:spAutoFit/>
+          </a:bodyPr>
+          <a:lstStyle/>
+          <a:p>
+            <a:pPr algn="ctr"/>
+            <a:r>
+              <a:rPr lang="en-US" sz="1400" dirty="0" smtClean="0">
+                <a:solidFill>
+                  <a:schemeClr val="bg1"/>
+                </a:solidFill>
+              </a:rPr>
+              <a:t>Audio</a:t>
+            </a:r>
+            <a:endParaRPr lang="en-US" sz="1400" dirty="0">
+              <a:solidFill>
+                <a:schemeClr val="bg1"/>
+              </a:solidFill>
+            </a:endParaRPr>
+          </a:p>
+        </p:txBody>
+      </p:sp>
+      <p:sp>
+        <p:nvSpPr>
+          <p:cNvPr id="36" name="TextBox 35"/>
+          <p:cNvSpPr txBox="1"/>
+          <p:nvPr/>
+        </p:nvSpPr>
+        <p:spPr>
+          <a:xfrm>
+            <a:off x="3285516" y="1149617"/>
+            <a:ext cx="800100" cy="307777"/>
+          </a:xfrm>
+          <a:prstGeom prst="rect">
+            <a:avLst/>
+          </a:prstGeom>
+          <a:noFill/>
+        </p:spPr>
+        <p:txBody>
+          <a:bodyPr wrap="square" rtlCol="0">
+            <a:spAutoFit/>
+          </a:bodyPr>
+          <a:lstStyle/>
+          <a:p>
+            <a:pPr algn="ctr"/>
+            <a:r>
+              <a:rPr lang="en-US" sz="1400" dirty="0" smtClean="0">
+                <a:solidFill>
+                  <a:schemeClr val="bg1"/>
+                </a:solidFill>
+              </a:rPr>
+              <a:t>Motion</a:t>
+            </a:r>
+            <a:endParaRPr lang="en-US" sz="1400" dirty="0">
+              <a:solidFill>
+                <a:schemeClr val="bg1"/>
+              </a:solidFill>
+            </a:endParaRPr>
+          </a:p>
+        </p:txBody>
+      </p:sp>
+      <p:sp>
+        <p:nvSpPr>
+          <p:cNvPr id="37" name="TextBox 36"/>
+          <p:cNvSpPr txBox="1"/>
+          <p:nvPr/>
+        </p:nvSpPr>
+        <p:spPr>
+          <a:xfrm>
+            <a:off x="5040552" y="3866876"/>
+            <a:ext cx="685800" cy="307777"/>
+          </a:xfrm>
+          <a:prstGeom prst="rect">
+            <a:avLst/>
+          </a:prstGeom>
+          <a:noFill/>
+        </p:spPr>
+        <p:txBody>
+          <a:bodyPr wrap="square" rtlCol="0">
+            <a:spAutoFit/>
+          </a:bodyPr>
+          <a:lstStyle/>
+          <a:p>
+            <a:pPr algn="ctr"/>
+            <a:r>
+              <a:rPr lang="en-US" sz="1400" dirty="0" smtClean="0">
+                <a:solidFill>
+                  <a:schemeClr val="bg1"/>
+                </a:solidFill>
+              </a:rPr>
+              <a:t>Haptic</a:t>
+            </a:r>
+            <a:endParaRPr lang="en-US" sz="1400" dirty="0">
+              <a:solidFill>
+                <a:schemeClr val="bg1"/>
+              </a:solidFill>
+            </a:endParaRPr>
+          </a:p>
+        </p:txBody>
+      </p:sp>
+      <p:sp>
+        <p:nvSpPr>
+          <p:cNvPr id="38" name="TextBox 37"/>
+          <p:cNvSpPr txBox="1"/>
+          <p:nvPr/>
+        </p:nvSpPr>
+        <p:spPr>
+          <a:xfrm>
+            <a:off x="5849568" y="3861880"/>
+            <a:ext cx="685800" cy="307777"/>
+          </a:xfrm>
+          <a:prstGeom prst="rect">
+            <a:avLst/>
+          </a:prstGeom>
+          <a:noFill/>
+        </p:spPr>
+        <p:txBody>
+          <a:bodyPr wrap="square" rtlCol="0">
+            <a:spAutoFit/>
+          </a:bodyPr>
+          <a:lstStyle/>
+          <a:p>
+            <a:pPr algn="ctr"/>
+            <a:r>
+              <a:rPr lang="en-US" sz="1400" dirty="0" smtClean="0">
+                <a:solidFill>
+                  <a:schemeClr val="bg1"/>
+                </a:solidFill>
+              </a:rPr>
+              <a:t>Audio</a:t>
+            </a:r>
+            <a:endParaRPr lang="en-US" sz="1400" dirty="0">
+              <a:solidFill>
+                <a:schemeClr val="bg1"/>
+              </a:solidFill>
+            </a:endParaRPr>
+          </a:p>
+        </p:txBody>
+      </p:sp>
+      <p:sp>
+        <p:nvSpPr>
+          <p:cNvPr id="39" name="Oval 38"/>
+          <p:cNvSpPr/>
+          <p:nvPr/>
+        </p:nvSpPr>
+        <p:spPr>
+          <a:xfrm>
+            <a:off x="2362200" y="3505200"/>
+            <a:ext cx="1323366" cy="568713"/>
+          </a:xfrm>
+          <a:prstGeom prst="ellipse">
+            <a:avLst/>
+          </a:prstGeom>
+        </p:spPr>
+        <p:style>
+          <a:lnRef idx="1">
+            <a:schemeClr val="accent4"/>
+          </a:lnRef>
+          <a:fillRef idx="2">
+            <a:schemeClr val="accent4"/>
+          </a:fillRef>
+          <a:effectRef idx="1">
+            <a:schemeClr val="accent4"/>
+          </a:effectRef>
+          <a:fontRef idx="minor">
+            <a:schemeClr val="dk1"/>
+          </a:fontRef>
+        </p:style>
+        <p:txBody>
+          <a:bodyPr rtlCol="0" anchor="ctr"/>
+          <a:lstStyle/>
+          <a:p>
+            <a:pPr algn="ctr"/>
+            <a:endParaRPr lang="en-US"/>
+          </a:p>
+        </p:txBody>
+      </p:sp>
+      <p:sp>
+        <p:nvSpPr>
+          <p:cNvPr id="40" name="TextBox 39"/>
+          <p:cNvSpPr txBox="1"/>
+          <p:nvPr/>
+        </p:nvSpPr>
+        <p:spPr>
+          <a:xfrm>
+            <a:off x="2467583" y="3625439"/>
+            <a:ext cx="1086257" cy="307777"/>
+          </a:xfrm>
+          <a:prstGeom prst="rect">
+            <a:avLst/>
+          </a:prstGeom>
+          <a:noFill/>
+        </p:spPr>
+        <p:txBody>
+          <a:bodyPr wrap="square" rtlCol="0">
+            <a:spAutoFit/>
+          </a:bodyPr>
+          <a:lstStyle/>
+          <a:p>
+            <a:pPr algn="ctr"/>
+            <a:r>
+              <a:rPr lang="en-US" sz="1400" dirty="0" smtClean="0"/>
+              <a:t>User Input</a:t>
+            </a:r>
+            <a:endParaRPr lang="en-US" sz="1400" dirty="0"/>
+          </a:p>
+        </p:txBody>
+      </p:sp>
+      <p:cxnSp>
+        <p:nvCxnSpPr>
+          <p:cNvPr id="44" name="Straight Arrow Connector 43"/>
+          <p:cNvCxnSpPr>
+            <a:stCxn id="39" idx="7"/>
+            <a:endCxn id="4" idx="3"/>
+          </p:cNvCxnSpPr>
+          <p:nvPr/>
+        </p:nvCxnSpPr>
+        <p:spPr>
+          <a:xfrm flipV="1">
+            <a:off x="3491764" y="3292605"/>
+            <a:ext cx="420584" cy="295881"/>
+          </a:xfrm>
+          <a:prstGeom prst="straightConnector1">
+            <a:avLst/>
+          </a:prstGeom>
+          <a:ln w="25400">
+            <a:solidFill>
+              <a:schemeClr val="tx1"/>
+            </a:solidFill>
+            <a:tailEnd type="stealth"/>
+          </a:ln>
+        </p:spPr>
+        <p:style>
+          <a:lnRef idx="1">
+            <a:schemeClr val="accent1"/>
+          </a:lnRef>
+          <a:fillRef idx="0">
+            <a:schemeClr val="accent1"/>
+          </a:fillRef>
+          <a:effectRef idx="0">
+            <a:schemeClr val="accent1"/>
+          </a:effectRef>
+          <a:fontRef idx="minor">
+            <a:schemeClr val="tx1"/>
+          </a:fontRef>
+        </p:style>
+      </p:cxnSp>
     </p:spTree>
     <p:extLst>
       <p:ext uri="{BB962C8B-B14F-4D97-AF65-F5344CB8AC3E}">
-        <p14:creationId xmlns:p14="http://schemas.microsoft.com/office/powerpoint/2010/main" val="1447903743"/>
+        <p14:creationId xmlns:p14="http://schemas.microsoft.com/office/powerpoint/2010/main" val="472356231"/>
       </p:ext>
     </p:extLst>
   </p:cSld>
@@ -26746,80 +26663,705 @@
           <a:chExt cx="0" cy="0"/>
         </a:xfrm>
       </p:grpSpPr>
-      <p:pic>
-        <p:nvPicPr>
-          <p:cNvPr id="1026" name="Picture 2"/>
-          <p:cNvPicPr>
-            <a:picLocks noChangeAspect="1" noChangeArrowheads="1"/>
-          </p:cNvPicPr>
-          <p:nvPr/>
-        </p:nvPicPr>
-        <p:blipFill>
-          <a:blip r:embed="rId2">
-            <a:extLst>
-              <a:ext uri="{28A0092B-C50C-407E-A947-70E740481C1C}">
-                <a14:useLocalDpi xmlns:a14="http://schemas.microsoft.com/office/drawing/2010/main" val="0"/>
-              </a:ext>
-            </a:extLst>
-          </a:blip>
-          <a:srcRect/>
-          <a:stretch>
-            <a:fillRect/>
-          </a:stretch>
-        </p:blipFill>
-        <p:spPr bwMode="auto">
-          <a:xfrm>
-            <a:off x="3048000" y="1058119"/>
-            <a:ext cx="3048000" cy="4947256"/>
+      <p:cxnSp>
+        <p:nvCxnSpPr>
+          <p:cNvPr id="24" name="Straight Connector 23"/>
+          <p:cNvCxnSpPr/>
+          <p:nvPr/>
+        </p:nvCxnSpPr>
+        <p:spPr>
+          <a:xfrm>
+            <a:off x="2009775" y="1409700"/>
+            <a:ext cx="0" cy="3581400"/>
+          </a:xfrm>
+          <a:prstGeom prst="line">
+            <a:avLst/>
+          </a:prstGeom>
+          <a:ln w="22225">
+            <a:solidFill>
+              <a:schemeClr val="bg1">
+                <a:lumMod val="75000"/>
+              </a:schemeClr>
+            </a:solidFill>
+            <a:prstDash val="sysDash"/>
+          </a:ln>
+        </p:spPr>
+        <p:style>
+          <a:lnRef idx="1">
+            <a:schemeClr val="accent1"/>
+          </a:lnRef>
+          <a:fillRef idx="0">
+            <a:schemeClr val="accent1"/>
+          </a:fillRef>
+          <a:effectRef idx="0">
+            <a:schemeClr val="accent1"/>
+          </a:effectRef>
+          <a:fontRef idx="minor">
+            <a:schemeClr val="tx1"/>
+          </a:fontRef>
+        </p:style>
+      </p:cxnSp>
+      <p:sp>
+        <p:nvSpPr>
+          <p:cNvPr id="26" name="Rectangle 25"/>
+          <p:cNvSpPr/>
+          <p:nvPr/>
+        </p:nvSpPr>
+        <p:spPr>
+          <a:xfrm>
+            <a:off x="180975" y="1409700"/>
+            <a:ext cx="1800225" cy="3581400"/>
           </a:xfrm>
           <a:prstGeom prst="rect">
             <a:avLst/>
           </a:prstGeom>
-          <a:noFill/>
+          <a:solidFill>
+            <a:schemeClr val="bg1">
+              <a:lumMod val="95000"/>
+            </a:schemeClr>
+          </a:solidFill>
           <a:ln>
             <a:noFill/>
           </a:ln>
-          <a:effectLst/>
-          <a:extLst>
-            <a:ext uri="{909E8E84-426E-40DD-AFC4-6F175D3DCCD1}">
-              <a14:hiddenFill xmlns:a14="http://schemas.microsoft.com/office/drawing/2010/main">
-                <a:solidFill>
-                  <a:schemeClr val="accent1"/>
-                </a:solidFill>
-              </a14:hiddenFill>
-            </a:ext>
-            <a:ext uri="{91240B29-F687-4F45-9708-019B960494DF}">
-              <a14:hiddenLine xmlns:a14="http://schemas.microsoft.com/office/drawing/2010/main" w="9525">
-                <a:solidFill>
-                  <a:schemeClr val="tx1"/>
-                </a:solidFill>
-                <a:miter lim="800000"/>
-                <a:headEnd/>
-                <a:tailEnd/>
-              </a14:hiddenLine>
-            </a:ext>
-            <a:ext uri="{AF507438-7753-43E0-B8FC-AC1667EBCBE1}">
-              <a14:hiddenEffects xmlns:a14="http://schemas.microsoft.com/office/drawing/2010/main">
-                <a:effectLst>
-                  <a:outerShdw dist="35921" dir="2700000" algn="ctr" rotWithShape="0">
-                    <a:schemeClr val="bg2"/>
-                  </a:outerShdw>
-                </a:effectLst>
-              </a14:hiddenEffects>
-            </a:ext>
-          </a:extLst>
-        </p:spPr>
-      </p:pic>
-      <p:sp>
-        <p:nvSpPr>
-          <p:cNvPr id="4" name="TextBox 3"/>
+        </p:spPr>
+        <p:style>
+          <a:lnRef idx="2">
+            <a:schemeClr val="accent1">
+              <a:shade val="50000"/>
+            </a:schemeClr>
+          </a:lnRef>
+          <a:fillRef idx="1">
+            <a:schemeClr val="accent1"/>
+          </a:fillRef>
+          <a:effectRef idx="0">
+            <a:schemeClr val="accent1"/>
+          </a:effectRef>
+          <a:fontRef idx="minor">
+            <a:schemeClr val="lt1"/>
+          </a:fontRef>
+        </p:style>
+        <p:txBody>
+          <a:bodyPr rtlCol="0" anchor="ctr"/>
+          <a:lstStyle/>
+          <a:p>
+            <a:pPr algn="ctr"/>
+            <a:endParaRPr lang="en-US"/>
+          </a:p>
+        </p:txBody>
+      </p:sp>
+      <p:sp>
+        <p:nvSpPr>
+          <p:cNvPr id="25" name="Rectangle 24"/>
+          <p:cNvSpPr/>
+          <p:nvPr/>
+        </p:nvSpPr>
+        <p:spPr>
+          <a:xfrm>
+            <a:off x="2028825" y="1409700"/>
+            <a:ext cx="6219825" cy="3581400"/>
+          </a:xfrm>
+          <a:prstGeom prst="rect">
+            <a:avLst/>
+          </a:prstGeom>
+          <a:solidFill>
+            <a:schemeClr val="bg1">
+              <a:lumMod val="85000"/>
+            </a:schemeClr>
+          </a:solidFill>
+          <a:ln>
+            <a:noFill/>
+          </a:ln>
+        </p:spPr>
+        <p:style>
+          <a:lnRef idx="2">
+            <a:schemeClr val="accent1">
+              <a:shade val="50000"/>
+            </a:schemeClr>
+          </a:lnRef>
+          <a:fillRef idx="1">
+            <a:schemeClr val="accent1"/>
+          </a:fillRef>
+          <a:effectRef idx="0">
+            <a:schemeClr val="accent1"/>
+          </a:effectRef>
+          <a:fontRef idx="minor">
+            <a:schemeClr val="lt1"/>
+          </a:fontRef>
+        </p:style>
+        <p:txBody>
+          <a:bodyPr rtlCol="0" anchor="ctr"/>
+          <a:lstStyle/>
+          <a:p>
+            <a:pPr algn="ctr"/>
+            <a:endParaRPr lang="en-US"/>
+          </a:p>
+        </p:txBody>
+      </p:sp>
+      <p:sp>
+        <p:nvSpPr>
+          <p:cNvPr id="4" name="Rounded Rectangle 3"/>
+          <p:cNvSpPr/>
+          <p:nvPr/>
+        </p:nvSpPr>
+        <p:spPr>
+          <a:xfrm>
+            <a:off x="533400" y="2324100"/>
+            <a:ext cx="1219200" cy="685800"/>
+          </a:xfrm>
+          <a:prstGeom prst="roundRect">
+            <a:avLst/>
+          </a:prstGeom>
+        </p:spPr>
+        <p:style>
+          <a:lnRef idx="1">
+            <a:schemeClr val="accent3"/>
+          </a:lnRef>
+          <a:fillRef idx="2">
+            <a:schemeClr val="accent3"/>
+          </a:fillRef>
+          <a:effectRef idx="1">
+            <a:schemeClr val="accent3"/>
+          </a:effectRef>
+          <a:fontRef idx="minor">
+            <a:schemeClr val="dk1"/>
+          </a:fontRef>
+        </p:style>
+        <p:txBody>
+          <a:bodyPr rtlCol="0" anchor="ctr"/>
+          <a:lstStyle/>
+          <a:p>
+            <a:pPr algn="ctr"/>
+            <a:r>
+              <a:rPr lang="en-US" dirty="0" smtClean="0">
+                <a:latin typeface="Times New Roman" pitchFamily="18" charset="0"/>
+                <a:cs typeface="Times New Roman" pitchFamily="18" charset="0"/>
+              </a:rPr>
+              <a:t>Biometric Data</a:t>
+            </a:r>
+            <a:endParaRPr lang="en-US" dirty="0">
+              <a:latin typeface="Times New Roman" pitchFamily="18" charset="0"/>
+              <a:cs typeface="Times New Roman" pitchFamily="18" charset="0"/>
+            </a:endParaRPr>
+          </a:p>
+        </p:txBody>
+      </p:sp>
+      <p:sp>
+        <p:nvSpPr>
+          <p:cNvPr id="5" name="Rounded Rectangle 4"/>
+          <p:cNvSpPr/>
+          <p:nvPr/>
+        </p:nvSpPr>
+        <p:spPr>
+          <a:xfrm>
+            <a:off x="2171700" y="2271713"/>
+            <a:ext cx="1752600" cy="790575"/>
+          </a:xfrm>
+          <a:prstGeom prst="roundRect">
+            <a:avLst/>
+          </a:prstGeom>
+        </p:spPr>
+        <p:style>
+          <a:lnRef idx="1">
+            <a:schemeClr val="accent6"/>
+          </a:lnRef>
+          <a:fillRef idx="2">
+            <a:schemeClr val="accent6"/>
+          </a:fillRef>
+          <a:effectRef idx="1">
+            <a:schemeClr val="accent6"/>
+          </a:effectRef>
+          <a:fontRef idx="minor">
+            <a:schemeClr val="dk1"/>
+          </a:fontRef>
+        </p:style>
+        <p:txBody>
+          <a:bodyPr rtlCol="0" anchor="ctr"/>
+          <a:lstStyle/>
+          <a:p>
+            <a:pPr algn="ctr"/>
+            <a:r>
+              <a:rPr lang="en-US" dirty="0" smtClean="0">
+                <a:latin typeface="Times New Roman" pitchFamily="18" charset="0"/>
+                <a:cs typeface="Times New Roman" pitchFamily="18" charset="0"/>
+              </a:rPr>
+              <a:t>Proprietary Transformation</a:t>
+            </a:r>
+            <a:endParaRPr lang="en-US" dirty="0">
+              <a:latin typeface="Times New Roman" pitchFamily="18" charset="0"/>
+              <a:cs typeface="Times New Roman" pitchFamily="18" charset="0"/>
+            </a:endParaRPr>
+          </a:p>
+        </p:txBody>
+      </p:sp>
+      <p:sp>
+        <p:nvSpPr>
+          <p:cNvPr id="6" name="Rounded Rectangle 5"/>
+          <p:cNvSpPr/>
+          <p:nvPr/>
+        </p:nvSpPr>
+        <p:spPr>
+          <a:xfrm>
+            <a:off x="2133600" y="4191000"/>
+            <a:ext cx="1828800" cy="533400"/>
+          </a:xfrm>
+          <a:prstGeom prst="roundRect">
+            <a:avLst/>
+          </a:prstGeom>
+        </p:spPr>
+        <p:style>
+          <a:lnRef idx="1">
+            <a:schemeClr val="accent1"/>
+          </a:lnRef>
+          <a:fillRef idx="2">
+            <a:schemeClr val="accent1"/>
+          </a:fillRef>
+          <a:effectRef idx="1">
+            <a:schemeClr val="accent1"/>
+          </a:effectRef>
+          <a:fontRef idx="minor">
+            <a:schemeClr val="dk1"/>
+          </a:fontRef>
+        </p:style>
+        <p:txBody>
+          <a:bodyPr rtlCol="0" anchor="ctr"/>
+          <a:lstStyle/>
+          <a:p>
+            <a:pPr algn="ctr"/>
+            <a:r>
+              <a:rPr lang="en-US" dirty="0" smtClean="0">
+                <a:latin typeface="Times New Roman" pitchFamily="18" charset="0"/>
+                <a:cs typeface="Times New Roman" pitchFamily="18" charset="0"/>
+              </a:rPr>
+              <a:t>Transformation Parameters</a:t>
+            </a:r>
+            <a:endParaRPr lang="en-US" dirty="0">
+              <a:latin typeface="Times New Roman" pitchFamily="18" charset="0"/>
+              <a:cs typeface="Times New Roman" pitchFamily="18" charset="0"/>
+            </a:endParaRPr>
+          </a:p>
+        </p:txBody>
+      </p:sp>
+      <p:sp>
+        <p:nvSpPr>
+          <p:cNvPr id="7" name="Oval 6"/>
+          <p:cNvSpPr/>
+          <p:nvPr/>
+        </p:nvSpPr>
+        <p:spPr>
+          <a:xfrm>
+            <a:off x="2471738" y="3357562"/>
+            <a:ext cx="1152525" cy="523875"/>
+          </a:xfrm>
+          <a:prstGeom prst="ellipse">
+            <a:avLst/>
+          </a:prstGeom>
+        </p:spPr>
+        <p:style>
+          <a:lnRef idx="1">
+            <a:schemeClr val="accent2"/>
+          </a:lnRef>
+          <a:fillRef idx="2">
+            <a:schemeClr val="accent2"/>
+          </a:fillRef>
+          <a:effectRef idx="1">
+            <a:schemeClr val="accent2"/>
+          </a:effectRef>
+          <a:fontRef idx="minor">
+            <a:schemeClr val="dk1"/>
+          </a:fontRef>
+        </p:style>
+        <p:txBody>
+          <a:bodyPr rtlCol="0" anchor="ctr"/>
+          <a:lstStyle/>
+          <a:p>
+            <a:pPr algn="ctr"/>
+            <a:r>
+              <a:rPr lang="en-US" sz="1200" dirty="0" smtClean="0">
+                <a:latin typeface="Times New Roman" pitchFamily="18" charset="0"/>
+                <a:cs typeface="Times New Roman" pitchFamily="18" charset="0"/>
+              </a:rPr>
+              <a:t>Encoder</a:t>
+            </a:r>
+            <a:endParaRPr lang="en-US" dirty="0">
+              <a:latin typeface="Times New Roman" pitchFamily="18" charset="0"/>
+              <a:cs typeface="Times New Roman" pitchFamily="18" charset="0"/>
+            </a:endParaRPr>
+          </a:p>
+        </p:txBody>
+      </p:sp>
+      <p:sp>
+        <p:nvSpPr>
+          <p:cNvPr id="8" name="Rounded Rectangle 7"/>
+          <p:cNvSpPr/>
+          <p:nvPr/>
+        </p:nvSpPr>
+        <p:spPr>
+          <a:xfrm>
+            <a:off x="304800" y="3200400"/>
+            <a:ext cx="1600200" cy="838199"/>
+          </a:xfrm>
+          <a:prstGeom prst="roundRect">
+            <a:avLst/>
+          </a:prstGeom>
+        </p:spPr>
+        <p:style>
+          <a:lnRef idx="1">
+            <a:schemeClr val="accent3"/>
+          </a:lnRef>
+          <a:fillRef idx="2">
+            <a:schemeClr val="accent3"/>
+          </a:fillRef>
+          <a:effectRef idx="1">
+            <a:schemeClr val="accent3"/>
+          </a:effectRef>
+          <a:fontRef idx="minor">
+            <a:schemeClr val="dk1"/>
+          </a:fontRef>
+        </p:style>
+        <p:txBody>
+          <a:bodyPr rtlCol="0" anchor="ctr"/>
+          <a:lstStyle/>
+          <a:p>
+            <a:pPr algn="ctr"/>
+            <a:r>
+              <a:rPr lang="en-US" dirty="0" smtClean="0">
+                <a:latin typeface="Times New Roman" pitchFamily="18" charset="0"/>
+                <a:cs typeface="Times New Roman" pitchFamily="18" charset="0"/>
+              </a:rPr>
+              <a:t>User Specific Key</a:t>
+            </a:r>
+            <a:endParaRPr lang="en-US" dirty="0">
+              <a:latin typeface="Times New Roman" pitchFamily="18" charset="0"/>
+              <a:cs typeface="Times New Roman" pitchFamily="18" charset="0"/>
+            </a:endParaRPr>
+          </a:p>
+        </p:txBody>
+      </p:sp>
+      <p:sp>
+        <p:nvSpPr>
+          <p:cNvPr id="9" name="Rounded Rectangle 8"/>
+          <p:cNvSpPr/>
+          <p:nvPr/>
+        </p:nvSpPr>
+        <p:spPr>
+          <a:xfrm>
+            <a:off x="4191000" y="2271713"/>
+            <a:ext cx="1828800" cy="790575"/>
+          </a:xfrm>
+          <a:prstGeom prst="roundRect">
+            <a:avLst/>
+          </a:prstGeom>
+        </p:spPr>
+        <p:style>
+          <a:lnRef idx="1">
+            <a:schemeClr val="accent4"/>
+          </a:lnRef>
+          <a:fillRef idx="2">
+            <a:schemeClr val="accent4"/>
+          </a:fillRef>
+          <a:effectRef idx="1">
+            <a:schemeClr val="accent4"/>
+          </a:effectRef>
+          <a:fontRef idx="minor">
+            <a:schemeClr val="dk1"/>
+          </a:fontRef>
+        </p:style>
+        <p:txBody>
+          <a:bodyPr rtlCol="0" anchor="ctr"/>
+          <a:lstStyle/>
+          <a:p>
+            <a:pPr algn="ctr"/>
+            <a:r>
+              <a:rPr lang="en-US" dirty="0" smtClean="0">
+                <a:latin typeface="Times New Roman" pitchFamily="18" charset="0"/>
+                <a:cs typeface="Times New Roman" pitchFamily="18" charset="0"/>
+              </a:rPr>
+              <a:t>Transformed Biometric </a:t>
+            </a:r>
+            <a:r>
+              <a:rPr lang="en-US" dirty="0">
+                <a:latin typeface="Times New Roman" pitchFamily="18" charset="0"/>
+                <a:cs typeface="Times New Roman" pitchFamily="18" charset="0"/>
+              </a:rPr>
+              <a:t>Data</a:t>
+            </a:r>
+          </a:p>
+        </p:txBody>
+      </p:sp>
+      <p:sp>
+        <p:nvSpPr>
+          <p:cNvPr id="10" name="Rounded Rectangle 9"/>
+          <p:cNvSpPr/>
+          <p:nvPr/>
+        </p:nvSpPr>
+        <p:spPr>
+          <a:xfrm>
+            <a:off x="6248400" y="1905000"/>
+            <a:ext cx="1828800" cy="1524000"/>
+          </a:xfrm>
+          <a:prstGeom prst="roundRect">
+            <a:avLst/>
+          </a:prstGeom>
+        </p:spPr>
+        <p:style>
+          <a:lnRef idx="1">
+            <a:schemeClr val="accent5"/>
+          </a:lnRef>
+          <a:fillRef idx="2">
+            <a:schemeClr val="accent5"/>
+          </a:fillRef>
+          <a:effectRef idx="1">
+            <a:schemeClr val="accent5"/>
+          </a:effectRef>
+          <a:fontRef idx="minor">
+            <a:schemeClr val="dk1"/>
+          </a:fontRef>
+        </p:style>
+        <p:txBody>
+          <a:bodyPr rtlCol="0" anchor="ctr"/>
+          <a:lstStyle/>
+          <a:p>
+            <a:pPr algn="ctr"/>
+            <a:r>
+              <a:rPr lang="en-US" dirty="0" smtClean="0">
+                <a:latin typeface="Times New Roman" pitchFamily="18" charset="0"/>
+                <a:cs typeface="Times New Roman" pitchFamily="18" charset="0"/>
+              </a:rPr>
+              <a:t>Machine Learning towards Identification/ Verification</a:t>
+            </a:r>
+            <a:endParaRPr lang="en-US" dirty="0">
+              <a:latin typeface="Times New Roman" pitchFamily="18" charset="0"/>
+              <a:cs typeface="Times New Roman" pitchFamily="18" charset="0"/>
+            </a:endParaRPr>
+          </a:p>
+        </p:txBody>
+      </p:sp>
+      <p:cxnSp>
+        <p:nvCxnSpPr>
+          <p:cNvPr id="12" name="Straight Arrow Connector 11"/>
+          <p:cNvCxnSpPr>
+            <a:stCxn id="6" idx="0"/>
+            <a:endCxn id="7" idx="4"/>
+          </p:cNvCxnSpPr>
+          <p:nvPr/>
+        </p:nvCxnSpPr>
+        <p:spPr>
+          <a:xfrm flipV="1">
+            <a:off x="3048000" y="3881437"/>
+            <a:ext cx="1" cy="309563"/>
+          </a:xfrm>
+          <a:prstGeom prst="straightConnector1">
+            <a:avLst/>
+          </a:prstGeom>
+          <a:ln>
+            <a:tailEnd type="arrow"/>
+          </a:ln>
+        </p:spPr>
+        <p:style>
+          <a:lnRef idx="2">
+            <a:schemeClr val="dk1"/>
+          </a:lnRef>
+          <a:fillRef idx="0">
+            <a:schemeClr val="dk1"/>
+          </a:fillRef>
+          <a:effectRef idx="1">
+            <a:schemeClr val="dk1"/>
+          </a:effectRef>
+          <a:fontRef idx="minor">
+            <a:schemeClr val="tx1"/>
+          </a:fontRef>
+        </p:style>
+      </p:cxnSp>
+      <p:cxnSp>
+        <p:nvCxnSpPr>
+          <p:cNvPr id="14" name="Straight Arrow Connector 13"/>
+          <p:cNvCxnSpPr>
+            <a:stCxn id="8" idx="3"/>
+            <a:endCxn id="7" idx="2"/>
+          </p:cNvCxnSpPr>
+          <p:nvPr/>
+        </p:nvCxnSpPr>
+        <p:spPr>
+          <a:xfrm>
+            <a:off x="1905000" y="3619500"/>
+            <a:ext cx="566738" cy="0"/>
+          </a:xfrm>
+          <a:prstGeom prst="straightConnector1">
+            <a:avLst/>
+          </a:prstGeom>
+          <a:ln>
+            <a:tailEnd type="arrow"/>
+          </a:ln>
+        </p:spPr>
+        <p:style>
+          <a:lnRef idx="2">
+            <a:schemeClr val="dk1"/>
+          </a:lnRef>
+          <a:fillRef idx="0">
+            <a:schemeClr val="dk1"/>
+          </a:fillRef>
+          <a:effectRef idx="1">
+            <a:schemeClr val="dk1"/>
+          </a:effectRef>
+          <a:fontRef idx="minor">
+            <a:schemeClr val="tx1"/>
+          </a:fontRef>
+        </p:style>
+      </p:cxnSp>
+      <p:cxnSp>
+        <p:nvCxnSpPr>
+          <p:cNvPr id="16" name="Straight Arrow Connector 15"/>
+          <p:cNvCxnSpPr>
+            <a:stCxn id="7" idx="0"/>
+            <a:endCxn id="5" idx="2"/>
+          </p:cNvCxnSpPr>
+          <p:nvPr/>
+        </p:nvCxnSpPr>
+        <p:spPr>
+          <a:xfrm flipH="1" flipV="1">
+            <a:off x="3048000" y="3062288"/>
+            <a:ext cx="1" cy="295274"/>
+          </a:xfrm>
+          <a:prstGeom prst="straightConnector1">
+            <a:avLst/>
+          </a:prstGeom>
+          <a:ln>
+            <a:tailEnd type="arrow"/>
+          </a:ln>
+        </p:spPr>
+        <p:style>
+          <a:lnRef idx="2">
+            <a:schemeClr val="dk1"/>
+          </a:lnRef>
+          <a:fillRef idx="0">
+            <a:schemeClr val="dk1"/>
+          </a:fillRef>
+          <a:effectRef idx="1">
+            <a:schemeClr val="dk1"/>
+          </a:effectRef>
+          <a:fontRef idx="minor">
+            <a:schemeClr val="tx1"/>
+          </a:fontRef>
+        </p:style>
+      </p:cxnSp>
+      <p:cxnSp>
+        <p:nvCxnSpPr>
+          <p:cNvPr id="18" name="Straight Arrow Connector 17"/>
+          <p:cNvCxnSpPr>
+            <a:stCxn id="4" idx="3"/>
+            <a:endCxn id="5" idx="1"/>
+          </p:cNvCxnSpPr>
+          <p:nvPr/>
+        </p:nvCxnSpPr>
+        <p:spPr>
+          <a:xfrm>
+            <a:off x="1752600" y="2667000"/>
+            <a:ext cx="419100" cy="1"/>
+          </a:xfrm>
+          <a:prstGeom prst="straightConnector1">
+            <a:avLst/>
+          </a:prstGeom>
+          <a:ln>
+            <a:tailEnd type="arrow"/>
+          </a:ln>
+        </p:spPr>
+        <p:style>
+          <a:lnRef idx="2">
+            <a:schemeClr val="dk1"/>
+          </a:lnRef>
+          <a:fillRef idx="0">
+            <a:schemeClr val="dk1"/>
+          </a:fillRef>
+          <a:effectRef idx="1">
+            <a:schemeClr val="dk1"/>
+          </a:effectRef>
+          <a:fontRef idx="minor">
+            <a:schemeClr val="tx1"/>
+          </a:fontRef>
+        </p:style>
+      </p:cxnSp>
+      <p:cxnSp>
+        <p:nvCxnSpPr>
+          <p:cNvPr id="20" name="Straight Arrow Connector 19"/>
+          <p:cNvCxnSpPr>
+            <a:stCxn id="5" idx="3"/>
+            <a:endCxn id="9" idx="1"/>
+          </p:cNvCxnSpPr>
+          <p:nvPr/>
+        </p:nvCxnSpPr>
+        <p:spPr>
+          <a:xfrm>
+            <a:off x="3924300" y="2667001"/>
+            <a:ext cx="266700" cy="0"/>
+          </a:xfrm>
+          <a:prstGeom prst="straightConnector1">
+            <a:avLst/>
+          </a:prstGeom>
+          <a:ln>
+            <a:tailEnd type="arrow"/>
+          </a:ln>
+        </p:spPr>
+        <p:style>
+          <a:lnRef idx="2">
+            <a:schemeClr val="dk1"/>
+          </a:lnRef>
+          <a:fillRef idx="0">
+            <a:schemeClr val="dk1"/>
+          </a:fillRef>
+          <a:effectRef idx="1">
+            <a:schemeClr val="dk1"/>
+          </a:effectRef>
+          <a:fontRef idx="minor">
+            <a:schemeClr val="tx1"/>
+          </a:fontRef>
+        </p:style>
+      </p:cxnSp>
+      <p:cxnSp>
+        <p:nvCxnSpPr>
+          <p:cNvPr id="22" name="Straight Arrow Connector 21"/>
+          <p:cNvCxnSpPr>
+            <a:stCxn id="9" idx="3"/>
+            <a:endCxn id="10" idx="1"/>
+          </p:cNvCxnSpPr>
+          <p:nvPr/>
+        </p:nvCxnSpPr>
+        <p:spPr>
+          <a:xfrm flipV="1">
+            <a:off x="6019800" y="2667000"/>
+            <a:ext cx="228600" cy="1"/>
+          </a:xfrm>
+          <a:prstGeom prst="straightConnector1">
+            <a:avLst/>
+          </a:prstGeom>
+          <a:ln>
+            <a:tailEnd type="arrow"/>
+          </a:ln>
+        </p:spPr>
+        <p:style>
+          <a:lnRef idx="2">
+            <a:schemeClr val="dk1"/>
+          </a:lnRef>
+          <a:fillRef idx="0">
+            <a:schemeClr val="dk1"/>
+          </a:fillRef>
+          <a:effectRef idx="1">
+            <a:schemeClr val="dk1"/>
+          </a:effectRef>
+          <a:fontRef idx="minor">
+            <a:schemeClr val="tx1"/>
+          </a:fontRef>
+        </p:style>
+      </p:cxnSp>
+      <p:sp>
+        <p:nvSpPr>
+          <p:cNvPr id="27" name="TextBox 26"/>
           <p:cNvSpPr txBox="1"/>
           <p:nvPr/>
         </p:nvSpPr>
         <p:spPr>
           <a:xfrm>
-            <a:off x="685800" y="1219200"/>
-            <a:ext cx="988732" cy="369332"/>
+            <a:off x="4211565" y="1516618"/>
+            <a:ext cx="1787669" cy="369332"/>
           </a:xfrm>
           <a:prstGeom prst="rect">
             <a:avLst/>
@@ -26833,61 +27375,29 @@
           <a:lstStyle/>
           <a:p>
             <a:r>
-              <a:rPr lang="en-US" dirty="0" smtClean="0"/>
-              <a:t>Frontalis</a:t>
+              <a:rPr lang="en-US" dirty="0" smtClean="0">
+                <a:latin typeface="Times New Roman" pitchFamily="18" charset="0"/>
+                <a:cs typeface="Times New Roman" pitchFamily="18" charset="0"/>
+              </a:rPr>
+              <a:t>Secure / Erasable</a:t>
             </a:r>
-            <a:endParaRPr lang="en-US" dirty="0"/>
-          </a:p>
-        </p:txBody>
-      </p:sp>
-      <p:cxnSp>
-        <p:nvCxnSpPr>
-          <p:cNvPr id="6" name="Elbow Connector 5"/>
-          <p:cNvCxnSpPr>
-            <a:stCxn id="4" idx="3"/>
-          </p:cNvCxnSpPr>
-          <p:nvPr/>
-        </p:nvCxnSpPr>
-        <p:spPr>
-          <a:xfrm>
-            <a:off x="1674532" y="1403866"/>
-            <a:ext cx="2287868" cy="729734"/>
-          </a:xfrm>
-          <a:prstGeom prst="bentConnector3">
-            <a:avLst/>
-          </a:prstGeom>
-          <a:ln w="31750">
-            <a:solidFill>
-              <a:schemeClr val="tx1"/>
-            </a:solidFill>
-            <a:tailEnd type="triangle"/>
-          </a:ln>
-        </p:spPr>
-        <p:style>
-          <a:lnRef idx="1">
-            <a:schemeClr val="accent1"/>
-          </a:lnRef>
-          <a:fillRef idx="0">
-            <a:schemeClr val="accent1"/>
-          </a:fillRef>
-          <a:effectRef idx="0">
-            <a:schemeClr val="accent1"/>
-          </a:effectRef>
-          <a:fontRef idx="minor">
-            <a:schemeClr val="tx1"/>
-          </a:fontRef>
-        </p:style>
-      </p:cxnSp>
-      <p:sp>
-        <p:nvSpPr>
-          <p:cNvPr id="8" name="TextBox 7"/>
+            <a:endParaRPr lang="en-US" dirty="0">
+              <a:latin typeface="Times New Roman" pitchFamily="18" charset="0"/>
+              <a:cs typeface="Times New Roman" pitchFamily="18" charset="0"/>
+            </a:endParaRPr>
+          </a:p>
+        </p:txBody>
+      </p:sp>
+      <p:sp>
+        <p:nvSpPr>
+          <p:cNvPr id="28" name="TextBox 27"/>
           <p:cNvSpPr txBox="1"/>
           <p:nvPr/>
         </p:nvSpPr>
         <p:spPr>
           <a:xfrm>
-            <a:off x="228600" y="2280213"/>
-            <a:ext cx="1728358" cy="369332"/>
+            <a:off x="633269" y="1535668"/>
+            <a:ext cx="966931" cy="369332"/>
           </a:xfrm>
           <a:prstGeom prst="rect">
             <a:avLst/>
@@ -26901,478 +27411,29 @@
           <a:lstStyle/>
           <a:p>
             <a:r>
-              <a:rPr lang="en-US" dirty="0" smtClean="0"/>
-              <a:t>Orbicularis Oculi</a:t>
+              <a:rPr lang="en-US" dirty="0" smtClean="0">
+                <a:latin typeface="Times New Roman" pitchFamily="18" charset="0"/>
+                <a:cs typeface="Times New Roman" pitchFamily="18" charset="0"/>
+              </a:rPr>
+              <a:t>Insecure</a:t>
             </a:r>
-            <a:endParaRPr lang="en-US" dirty="0"/>
-          </a:p>
-        </p:txBody>
-      </p:sp>
-      <p:cxnSp>
-        <p:nvCxnSpPr>
-          <p:cNvPr id="9" name="Elbow Connector 8"/>
-          <p:cNvCxnSpPr>
-            <a:stCxn id="8" idx="3"/>
-          </p:cNvCxnSpPr>
-          <p:nvPr/>
-        </p:nvCxnSpPr>
-        <p:spPr>
-          <a:xfrm>
-            <a:off x="1956958" y="2464879"/>
-            <a:ext cx="2005442" cy="278321"/>
-          </a:xfrm>
-          <a:prstGeom prst="bentConnector3">
-            <a:avLst/>
-          </a:prstGeom>
-          <a:ln w="31750">
-            <a:solidFill>
-              <a:schemeClr val="tx1"/>
-            </a:solidFill>
-            <a:tailEnd type="triangle"/>
-          </a:ln>
-        </p:spPr>
-        <p:style>
-          <a:lnRef idx="1">
-            <a:schemeClr val="accent1"/>
-          </a:lnRef>
-          <a:fillRef idx="0">
-            <a:schemeClr val="accent1"/>
-          </a:fillRef>
-          <a:effectRef idx="0">
-            <a:schemeClr val="accent1"/>
-          </a:effectRef>
-          <a:fontRef idx="minor">
-            <a:schemeClr val="tx1"/>
-          </a:fontRef>
-        </p:style>
-      </p:cxnSp>
-      <p:sp>
-        <p:nvSpPr>
-          <p:cNvPr id="11" name="TextBox 10"/>
-          <p:cNvSpPr txBox="1"/>
-          <p:nvPr/>
-        </p:nvSpPr>
-        <p:spPr>
-          <a:xfrm>
-            <a:off x="358815" y="2895600"/>
-            <a:ext cx="1967590" cy="369332"/>
-          </a:xfrm>
-          <a:prstGeom prst="rect">
-            <a:avLst/>
-          </a:prstGeom>
-          <a:noFill/>
-        </p:spPr>
-        <p:txBody>
-          <a:bodyPr wrap="none" rtlCol="0">
-            <a:spAutoFit/>
-          </a:bodyPr>
-          <a:lstStyle/>
-          <a:p>
-            <a:r>
-              <a:rPr lang="en-US" dirty="0" smtClean="0"/>
-              <a:t>Zygomaticus Major</a:t>
-            </a:r>
-            <a:endParaRPr lang="en-US" dirty="0"/>
-          </a:p>
-        </p:txBody>
-      </p:sp>
-      <p:cxnSp>
-        <p:nvCxnSpPr>
-          <p:cNvPr id="12" name="Elbow Connector 11"/>
-          <p:cNvCxnSpPr>
-            <a:stCxn id="11" idx="3"/>
-          </p:cNvCxnSpPr>
-          <p:nvPr/>
-        </p:nvCxnSpPr>
-        <p:spPr>
-          <a:xfrm>
-            <a:off x="2326405" y="3080266"/>
-            <a:ext cx="1407395" cy="577334"/>
-          </a:xfrm>
-          <a:prstGeom prst="bentConnector3">
-            <a:avLst/>
-          </a:prstGeom>
-          <a:ln w="31750">
-            <a:solidFill>
-              <a:schemeClr val="tx1"/>
-            </a:solidFill>
-            <a:tailEnd type="triangle"/>
-          </a:ln>
-        </p:spPr>
-        <p:style>
-          <a:lnRef idx="1">
-            <a:schemeClr val="accent1"/>
-          </a:lnRef>
-          <a:fillRef idx="0">
-            <a:schemeClr val="accent1"/>
-          </a:fillRef>
-          <a:effectRef idx="0">
-            <a:schemeClr val="accent1"/>
-          </a:effectRef>
-          <a:fontRef idx="minor">
-            <a:schemeClr val="tx1"/>
-          </a:fontRef>
-        </p:style>
-      </p:cxnSp>
-      <p:sp>
-        <p:nvSpPr>
-          <p:cNvPr id="14" name="TextBox 13"/>
-          <p:cNvSpPr txBox="1"/>
-          <p:nvPr/>
-        </p:nvSpPr>
-        <p:spPr>
-          <a:xfrm>
-            <a:off x="251749" y="3733800"/>
-            <a:ext cx="1625766" cy="369332"/>
-          </a:xfrm>
-          <a:prstGeom prst="rect">
-            <a:avLst/>
-          </a:prstGeom>
-          <a:noFill/>
-        </p:spPr>
-        <p:txBody>
-          <a:bodyPr wrap="none" rtlCol="0">
-            <a:spAutoFit/>
-          </a:bodyPr>
-          <a:lstStyle/>
-          <a:p>
-            <a:r>
-              <a:rPr lang="en-US" dirty="0" smtClean="0"/>
-              <a:t>Orbicularis Oris</a:t>
-            </a:r>
-            <a:endParaRPr lang="en-US" dirty="0"/>
-          </a:p>
-        </p:txBody>
-      </p:sp>
-      <p:cxnSp>
-        <p:nvCxnSpPr>
-          <p:cNvPr id="15" name="Elbow Connector 14"/>
-          <p:cNvCxnSpPr>
-            <a:stCxn id="14" idx="3"/>
-          </p:cNvCxnSpPr>
-          <p:nvPr/>
-        </p:nvCxnSpPr>
-        <p:spPr>
-          <a:xfrm>
-            <a:off x="1877515" y="3918466"/>
-            <a:ext cx="2313485" cy="272534"/>
-          </a:xfrm>
-          <a:prstGeom prst="bentConnector3">
-            <a:avLst/>
-          </a:prstGeom>
-          <a:ln w="31750">
-            <a:solidFill>
-              <a:schemeClr val="tx1"/>
-            </a:solidFill>
-            <a:tailEnd type="triangle"/>
-          </a:ln>
-        </p:spPr>
-        <p:style>
-          <a:lnRef idx="1">
-            <a:schemeClr val="accent1"/>
-          </a:lnRef>
-          <a:fillRef idx="0">
-            <a:schemeClr val="accent1"/>
-          </a:fillRef>
-          <a:effectRef idx="0">
-            <a:schemeClr val="accent1"/>
-          </a:effectRef>
-          <a:fontRef idx="minor">
-            <a:schemeClr val="tx1"/>
-          </a:fontRef>
-        </p:style>
-      </p:cxnSp>
-      <p:sp>
-        <p:nvSpPr>
-          <p:cNvPr id="16" name="Rectangle 15"/>
-          <p:cNvSpPr/>
-          <p:nvPr/>
-        </p:nvSpPr>
-        <p:spPr>
-          <a:xfrm>
-            <a:off x="445175" y="5204843"/>
-            <a:ext cx="997261" cy="369332"/>
-          </a:xfrm>
-          <a:prstGeom prst="rect">
-            <a:avLst/>
-          </a:prstGeom>
-        </p:spPr>
-        <p:txBody>
-          <a:bodyPr wrap="none">
-            <a:spAutoFit/>
-          </a:bodyPr>
-          <a:lstStyle/>
-          <a:p>
-            <a:r>
-              <a:rPr lang="en-US" dirty="0" smtClean="0"/>
-              <a:t>Mentalis</a:t>
-            </a:r>
-            <a:endParaRPr lang="en-US" dirty="0"/>
-          </a:p>
-        </p:txBody>
-      </p:sp>
-      <p:cxnSp>
-        <p:nvCxnSpPr>
-          <p:cNvPr id="18" name="Elbow Connector 17"/>
-          <p:cNvCxnSpPr>
-            <a:stCxn id="16" idx="3"/>
-          </p:cNvCxnSpPr>
-          <p:nvPr/>
-        </p:nvCxnSpPr>
-        <p:spPr>
-          <a:xfrm flipV="1">
-            <a:off x="1442436" y="4519043"/>
-            <a:ext cx="2983039" cy="870466"/>
-          </a:xfrm>
-          <a:prstGeom prst="bentConnector3">
-            <a:avLst>
-              <a:gd name="adj1" fmla="val 78713"/>
-            </a:avLst>
-          </a:prstGeom>
-          <a:ln w="31750">
-            <a:solidFill>
-              <a:schemeClr val="tx1"/>
-            </a:solidFill>
-            <a:tailEnd type="triangle"/>
-          </a:ln>
-        </p:spPr>
-        <p:style>
-          <a:lnRef idx="1">
-            <a:schemeClr val="accent1"/>
-          </a:lnRef>
-          <a:fillRef idx="0">
-            <a:schemeClr val="accent1"/>
-          </a:fillRef>
-          <a:effectRef idx="0">
-            <a:schemeClr val="accent1"/>
-          </a:effectRef>
-          <a:fontRef idx="minor">
-            <a:schemeClr val="tx1"/>
-          </a:fontRef>
-        </p:style>
-      </p:cxnSp>
-      <p:sp>
-        <p:nvSpPr>
-          <p:cNvPr id="20" name="Rectangle 19"/>
-          <p:cNvSpPr/>
-          <p:nvPr/>
-        </p:nvSpPr>
-        <p:spPr>
-          <a:xfrm>
-            <a:off x="331807" y="4595336"/>
-            <a:ext cx="2516523" cy="369332"/>
-          </a:xfrm>
-          <a:prstGeom prst="rect">
-            <a:avLst/>
-          </a:prstGeom>
-        </p:spPr>
-        <p:txBody>
-          <a:bodyPr wrap="none">
-            <a:spAutoFit/>
-          </a:bodyPr>
-          <a:lstStyle/>
-          <a:p>
-            <a:r>
-              <a:rPr lang="en-US" dirty="0" smtClean="0"/>
-              <a:t>Depressor Labii Inferioris</a:t>
-            </a:r>
-            <a:endParaRPr lang="en-US" dirty="0"/>
-          </a:p>
-        </p:txBody>
-      </p:sp>
-      <p:cxnSp>
-        <p:nvCxnSpPr>
-          <p:cNvPr id="21" name="Elbow Connector 20"/>
-          <p:cNvCxnSpPr/>
-          <p:nvPr/>
-        </p:nvCxnSpPr>
-        <p:spPr>
-          <a:xfrm flipV="1">
-            <a:off x="2895600" y="4419600"/>
-            <a:ext cx="1342670" cy="360402"/>
-          </a:xfrm>
-          <a:prstGeom prst="bentConnector3">
-            <a:avLst/>
-          </a:prstGeom>
-          <a:ln w="31750">
-            <a:solidFill>
-              <a:schemeClr val="tx1"/>
-            </a:solidFill>
-            <a:tailEnd type="triangle"/>
-          </a:ln>
-        </p:spPr>
-        <p:style>
-          <a:lnRef idx="1">
-            <a:schemeClr val="accent1"/>
-          </a:lnRef>
-          <a:fillRef idx="0">
-            <a:schemeClr val="accent1"/>
-          </a:fillRef>
-          <a:effectRef idx="0">
-            <a:schemeClr val="accent1"/>
-          </a:effectRef>
-          <a:fontRef idx="minor">
-            <a:schemeClr val="tx1"/>
-          </a:fontRef>
-        </p:style>
-      </p:cxnSp>
-      <p:sp>
-        <p:nvSpPr>
-          <p:cNvPr id="26" name="TextBox 25"/>
-          <p:cNvSpPr txBox="1"/>
-          <p:nvPr/>
-        </p:nvSpPr>
-        <p:spPr>
-          <a:xfrm>
-            <a:off x="6324600" y="2583690"/>
-            <a:ext cx="1977208" cy="369332"/>
-          </a:xfrm>
-          <a:prstGeom prst="rect">
-            <a:avLst/>
-          </a:prstGeom>
-          <a:noFill/>
-        </p:spPr>
-        <p:txBody>
-          <a:bodyPr wrap="none" rtlCol="0">
-            <a:spAutoFit/>
-          </a:bodyPr>
-          <a:lstStyle/>
-          <a:p>
-            <a:r>
-              <a:rPr lang="en-US" dirty="0" smtClean="0"/>
-              <a:t>Zygomaticus Minor</a:t>
-            </a:r>
-            <a:endParaRPr lang="en-US" dirty="0"/>
-          </a:p>
-        </p:txBody>
-      </p:sp>
-      <p:cxnSp>
-        <p:nvCxnSpPr>
-          <p:cNvPr id="27" name="Elbow Connector 26"/>
-          <p:cNvCxnSpPr>
-            <a:stCxn id="26" idx="1"/>
-          </p:cNvCxnSpPr>
-          <p:nvPr/>
-        </p:nvCxnSpPr>
-        <p:spPr>
-          <a:xfrm rot="10800000" flipV="1">
-            <a:off x="5334000" y="2768355"/>
-            <a:ext cx="990600" cy="763391"/>
-          </a:xfrm>
-          <a:prstGeom prst="bentConnector3">
-            <a:avLst>
-              <a:gd name="adj1" fmla="val 20789"/>
-            </a:avLst>
-          </a:prstGeom>
-          <a:ln w="31750">
-            <a:solidFill>
-              <a:schemeClr val="tx1"/>
-            </a:solidFill>
-            <a:tailEnd type="triangle"/>
-          </a:ln>
-        </p:spPr>
-        <p:style>
-          <a:lnRef idx="1">
-            <a:schemeClr val="accent1"/>
-          </a:lnRef>
-          <a:fillRef idx="0">
-            <a:schemeClr val="accent1"/>
-          </a:fillRef>
-          <a:effectRef idx="0">
-            <a:schemeClr val="accent1"/>
-          </a:effectRef>
-          <a:fontRef idx="minor">
-            <a:schemeClr val="tx1"/>
-          </a:fontRef>
-        </p:style>
-      </p:cxnSp>
-      <p:sp>
-        <p:nvSpPr>
-          <p:cNvPr id="30" name="TextBox 29"/>
-          <p:cNvSpPr txBox="1"/>
-          <p:nvPr/>
-        </p:nvSpPr>
-        <p:spPr>
-          <a:xfrm>
-            <a:off x="6334218" y="1403866"/>
-            <a:ext cx="1967590" cy="646331"/>
-          </a:xfrm>
-          <a:prstGeom prst="rect">
-            <a:avLst/>
-          </a:prstGeom>
-          <a:noFill/>
-        </p:spPr>
-        <p:txBody>
-          <a:bodyPr wrap="square" rtlCol="0">
-            <a:spAutoFit/>
-          </a:bodyPr>
-          <a:lstStyle/>
-          <a:p>
-            <a:r>
-              <a:rPr lang="en-US" dirty="0" smtClean="0"/>
-              <a:t>Levator Palpebrae Superioris</a:t>
-            </a:r>
-            <a:endParaRPr lang="en-US" dirty="0"/>
-          </a:p>
-        </p:txBody>
-      </p:sp>
-      <p:cxnSp>
-        <p:nvCxnSpPr>
-          <p:cNvPr id="31" name="Elbow Connector 30"/>
-          <p:cNvCxnSpPr>
-            <a:stCxn id="30" idx="1"/>
-          </p:cNvCxnSpPr>
-          <p:nvPr/>
-        </p:nvCxnSpPr>
-        <p:spPr>
-          <a:xfrm rot="10800000" flipV="1">
-            <a:off x="5181600" y="1727032"/>
-            <a:ext cx="1152618" cy="1041322"/>
-          </a:xfrm>
-          <a:prstGeom prst="bentConnector3">
-            <a:avLst>
-              <a:gd name="adj1" fmla="val 27787"/>
-            </a:avLst>
-          </a:prstGeom>
-          <a:ln w="31750">
-            <a:solidFill>
-              <a:schemeClr val="tx1"/>
-            </a:solidFill>
-            <a:tailEnd type="triangle"/>
-          </a:ln>
-        </p:spPr>
-        <p:style>
-          <a:lnRef idx="1">
-            <a:schemeClr val="accent1"/>
-          </a:lnRef>
-          <a:fillRef idx="0">
-            <a:schemeClr val="accent1"/>
-          </a:fillRef>
-          <a:effectRef idx="0">
-            <a:schemeClr val="accent1"/>
-          </a:effectRef>
-          <a:fontRef idx="minor">
-            <a:schemeClr val="tx1"/>
-          </a:fontRef>
-        </p:style>
-      </p:cxnSp>
+            <a:endParaRPr lang="en-US" dirty="0">
+              <a:latin typeface="Times New Roman" pitchFamily="18" charset="0"/>
+              <a:cs typeface="Times New Roman" pitchFamily="18" charset="0"/>
+            </a:endParaRPr>
+          </a:p>
+        </p:txBody>
+      </p:sp>
     </p:spTree>
     <p:extLst>
       <p:ext uri="{BB962C8B-B14F-4D97-AF65-F5344CB8AC3E}">
-        <p14:creationId xmlns:p14="http://schemas.microsoft.com/office/powerpoint/2010/main" val="1499761884"/>
+        <p14:creationId xmlns:p14="http://schemas.microsoft.com/office/powerpoint/2010/main" val="1447903743"/>
       </p:ext>
     </p:extLst>
   </p:cSld>
   <p:clrMapOvr>
     <a:masterClrMapping/>
   </p:clrMapOvr>
-  <p:timing>
-    <p:tnLst>
-      <p:par>
-        <p:cTn id="1" dur="indefinite" restart="never" nodeType="tmRoot"/>
-      </p:par>
-    </p:tnLst>
-  </p:timing>
 </p:sld>
 </file>
 
